--- a/Learn Graphql.pptx
+++ b/Learn Graphql.pptx
@@ -5,7 +5,7 @@
     <p:sldMasterId id="2147483660" r:id="rId1"/>
   </p:sldMasterIdLst>
   <p:notesMasterIdLst>
-    <p:notesMasterId r:id="rId14"/>
+    <p:notesMasterId r:id="rId23"/>
   </p:notesMasterIdLst>
   <p:sldIdLst>
     <p:sldId id="256" r:id="rId2"/>
@@ -15,11 +15,20 @@
     <p:sldId id="293" r:id="rId6"/>
     <p:sldId id="298" r:id="rId7"/>
     <p:sldId id="299" r:id="rId8"/>
-    <p:sldId id="295" r:id="rId9"/>
-    <p:sldId id="294" r:id="rId10"/>
-    <p:sldId id="296" r:id="rId11"/>
-    <p:sldId id="259" r:id="rId12"/>
-    <p:sldId id="292" r:id="rId13"/>
+    <p:sldId id="294" r:id="rId9"/>
+    <p:sldId id="300" r:id="rId10"/>
+    <p:sldId id="302" r:id="rId11"/>
+    <p:sldId id="303" r:id="rId12"/>
+    <p:sldId id="304" r:id="rId13"/>
+    <p:sldId id="305" r:id="rId14"/>
+    <p:sldId id="295" r:id="rId15"/>
+    <p:sldId id="306" r:id="rId16"/>
+    <p:sldId id="307" r:id="rId17"/>
+    <p:sldId id="308" r:id="rId18"/>
+    <p:sldId id="309" r:id="rId19"/>
+    <p:sldId id="296" r:id="rId20"/>
+    <p:sldId id="259" r:id="rId21"/>
+    <p:sldId id="292" r:id="rId22"/>
   </p:sldIdLst>
   <p:sldSz cx="9144000" cy="6858000" type="screen4x3"/>
   <p:notesSz cx="6858000" cy="9144000"/>
@@ -246,8 +255,17 @@
             <p14:sldId id="293"/>
             <p14:sldId id="298"/>
             <p14:sldId id="299"/>
+            <p14:sldId id="294"/>
+            <p14:sldId id="300"/>
+            <p14:sldId id="302"/>
+            <p14:sldId id="303"/>
+            <p14:sldId id="304"/>
+            <p14:sldId id="305"/>
             <p14:sldId id="295"/>
-            <p14:sldId id="294"/>
+            <p14:sldId id="306"/>
+            <p14:sldId id="307"/>
+            <p14:sldId id="308"/>
+            <p14:sldId id="309"/>
             <p14:sldId id="296"/>
             <p14:sldId id="259"/>
             <p14:sldId id="292"/>
@@ -260,6 +278,18 @@
     </p:ext>
   </p:extLst>
 </p:presentation>
+</file>
+
+<file path=ppt/commentAuthors.xml><?xml version="1.0" encoding="utf-8"?>
+<p:cmAuthorLst xmlns:a="http://schemas.openxmlformats.org/drawingml/2006/main" xmlns:r="http://schemas.openxmlformats.org/officeDocument/2006/relationships" xmlns:p="http://schemas.openxmlformats.org/presentationml/2006/main">
+  <p:cmAuthor id="1" name="Elvira Pratiwi" initials="EP" lastIdx="1" clrIdx="0">
+    <p:extLst>
+      <p:ext uri="{19B8F6BF-5375-455C-9EA6-DF929625EA0E}">
+        <p15:presenceInfo xmlns:p15="http://schemas.microsoft.com/office/powerpoint/2012/main" userId="bfc313c76387c124" providerId="Windows Live"/>
+      </p:ext>
+    </p:extLst>
+  </p:cmAuthor>
+</p:cmAuthorLst>
 </file>
 
 <file path=ppt/notesMasters/notesMaster1.xml><?xml version="1.0" encoding="utf-8"?>
@@ -344,7 +374,7 @@
           <a:p>
             <a:fld id="{9C9D3237-2FFD-4446-94CB-BC91429B8F33}" type="datetimeFigureOut">
               <a:rPr lang="en-ID" smtClean="0"/>
-              <a:t>5 Jun 2022</a:t>
+              <a:t>13 Jun 2022</a:t>
             </a:fld>
             <a:endParaRPr lang="en-ID"/>
           </a:p>
@@ -696,6 +726,174 @@
 </p:notes>
 </file>
 
+<file path=ppt/notesSlides/notesSlide2.xml><?xml version="1.0" encoding="utf-8"?>
+<p:notes xmlns:a="http://schemas.openxmlformats.org/drawingml/2006/main" xmlns:r="http://schemas.openxmlformats.org/officeDocument/2006/relationships" xmlns:p="http://schemas.openxmlformats.org/presentationml/2006/main">
+  <p:cSld>
+    <p:spTree>
+      <p:nvGrpSpPr>
+        <p:cNvPr id="1" name=""/>
+        <p:cNvGrpSpPr/>
+        <p:nvPr/>
+      </p:nvGrpSpPr>
+      <p:grpSpPr>
+        <a:xfrm>
+          <a:off x="0" y="0"/>
+          <a:ext cx="0" cy="0"/>
+          <a:chOff x="0" y="0"/>
+          <a:chExt cx="0" cy="0"/>
+        </a:xfrm>
+      </p:grpSpPr>
+      <p:sp>
+        <p:nvSpPr>
+          <p:cNvPr id="2" name="Slide Image Placeholder 1"/>
+          <p:cNvSpPr>
+            <a:spLocks noGrp="1" noRot="1" noChangeAspect="1"/>
+          </p:cNvSpPr>
+          <p:nvPr>
+            <p:ph type="sldImg"/>
+          </p:nvPr>
+        </p:nvSpPr>
+        <p:spPr/>
+      </p:sp>
+      <p:sp>
+        <p:nvSpPr>
+          <p:cNvPr id="3" name="Notes Placeholder 2"/>
+          <p:cNvSpPr>
+            <a:spLocks noGrp="1"/>
+          </p:cNvSpPr>
+          <p:nvPr>
+            <p:ph type="body" idx="1"/>
+          </p:nvPr>
+        </p:nvSpPr>
+        <p:spPr/>
+        <p:txBody>
+          <a:bodyPr/>
+          <a:lstStyle/>
+          <a:p>
+            <a:endParaRPr lang="en-ID" dirty="0"/>
+          </a:p>
+        </p:txBody>
+      </p:sp>
+      <p:sp>
+        <p:nvSpPr>
+          <p:cNvPr id="4" name="Slide Number Placeholder 3"/>
+          <p:cNvSpPr>
+            <a:spLocks noGrp="1"/>
+          </p:cNvSpPr>
+          <p:nvPr>
+            <p:ph type="sldNum" sz="quarter" idx="5"/>
+          </p:nvPr>
+        </p:nvSpPr>
+        <p:spPr/>
+        <p:txBody>
+          <a:bodyPr/>
+          <a:lstStyle/>
+          <a:p>
+            <a:fld id="{52C45C03-85F0-4117-AE6F-E447F860109C}" type="slidenum">
+              <a:rPr lang="en-ID" smtClean="0"/>
+              <a:t>8</a:t>
+            </a:fld>
+            <a:endParaRPr lang="en-ID"/>
+          </a:p>
+        </p:txBody>
+      </p:sp>
+    </p:spTree>
+    <p:extLst>
+      <p:ext uri="{BB962C8B-B14F-4D97-AF65-F5344CB8AC3E}">
+        <p14:creationId xmlns:p14="http://schemas.microsoft.com/office/powerpoint/2010/main" val="3322719998"/>
+      </p:ext>
+    </p:extLst>
+  </p:cSld>
+  <p:clrMapOvr>
+    <a:masterClrMapping/>
+  </p:clrMapOvr>
+</p:notes>
+</file>
+
+<file path=ppt/notesSlides/notesSlide3.xml><?xml version="1.0" encoding="utf-8"?>
+<p:notes xmlns:a="http://schemas.openxmlformats.org/drawingml/2006/main" xmlns:r="http://schemas.openxmlformats.org/officeDocument/2006/relationships" xmlns:p="http://schemas.openxmlformats.org/presentationml/2006/main">
+  <p:cSld>
+    <p:spTree>
+      <p:nvGrpSpPr>
+        <p:cNvPr id="1" name=""/>
+        <p:cNvGrpSpPr/>
+        <p:nvPr/>
+      </p:nvGrpSpPr>
+      <p:grpSpPr>
+        <a:xfrm>
+          <a:off x="0" y="0"/>
+          <a:ext cx="0" cy="0"/>
+          <a:chOff x="0" y="0"/>
+          <a:chExt cx="0" cy="0"/>
+        </a:xfrm>
+      </p:grpSpPr>
+      <p:sp>
+        <p:nvSpPr>
+          <p:cNvPr id="2" name="Slide Image Placeholder 1"/>
+          <p:cNvSpPr>
+            <a:spLocks noGrp="1" noRot="1" noChangeAspect="1"/>
+          </p:cNvSpPr>
+          <p:nvPr>
+            <p:ph type="sldImg"/>
+          </p:nvPr>
+        </p:nvSpPr>
+        <p:spPr/>
+      </p:sp>
+      <p:sp>
+        <p:nvSpPr>
+          <p:cNvPr id="3" name="Notes Placeholder 2"/>
+          <p:cNvSpPr>
+            <a:spLocks noGrp="1"/>
+          </p:cNvSpPr>
+          <p:nvPr>
+            <p:ph type="body" idx="1"/>
+          </p:nvPr>
+        </p:nvSpPr>
+        <p:spPr/>
+        <p:txBody>
+          <a:bodyPr/>
+          <a:lstStyle/>
+          <a:p>
+            <a:endParaRPr lang="en-ID" dirty="0"/>
+          </a:p>
+        </p:txBody>
+      </p:sp>
+      <p:sp>
+        <p:nvSpPr>
+          <p:cNvPr id="4" name="Slide Number Placeholder 3"/>
+          <p:cNvSpPr>
+            <a:spLocks noGrp="1"/>
+          </p:cNvSpPr>
+          <p:nvPr>
+            <p:ph type="sldNum" sz="quarter" idx="5"/>
+          </p:nvPr>
+        </p:nvSpPr>
+        <p:spPr/>
+        <p:txBody>
+          <a:bodyPr/>
+          <a:lstStyle/>
+          <a:p>
+            <a:fld id="{52C45C03-85F0-4117-AE6F-E447F860109C}" type="slidenum">
+              <a:rPr lang="en-ID" smtClean="0"/>
+              <a:t>10</a:t>
+            </a:fld>
+            <a:endParaRPr lang="en-ID"/>
+          </a:p>
+        </p:txBody>
+      </p:sp>
+    </p:spTree>
+    <p:extLst>
+      <p:ext uri="{BB962C8B-B14F-4D97-AF65-F5344CB8AC3E}">
+        <p14:creationId xmlns:p14="http://schemas.microsoft.com/office/powerpoint/2010/main" val="683355226"/>
+      </p:ext>
+    </p:extLst>
+  </p:cSld>
+  <p:clrMapOvr>
+    <a:masterClrMapping/>
+  </p:clrMapOvr>
+</p:notes>
+</file>
+
 <file path=ppt/slideLayouts/slideLayout1.xml><?xml version="1.0" encoding="utf-8"?>
 <p:sldLayout xmlns:a="http://schemas.openxmlformats.org/drawingml/2006/main" xmlns:r="http://schemas.openxmlformats.org/officeDocument/2006/relationships" xmlns:p="http://schemas.openxmlformats.org/presentationml/2006/main" type="title" preserve="1">
   <p:cSld name="Title Slide">
@@ -957,7 +1155,7 @@
           <a:p>
             <a:fld id="{C0B2ED8A-4D19-475F-B43F-1BDBF332AF7A}" type="datetimeFigureOut">
               <a:rPr lang="en-ID" smtClean="0"/>
-              <a:t>5 Jun 2022</a:t>
+              <a:t>13 Jun 2022</a:t>
             </a:fld>
             <a:endParaRPr lang="en-ID"/>
           </a:p>
@@ -1152,7 +1350,7 @@
           <a:p>
             <a:fld id="{C0B2ED8A-4D19-475F-B43F-1BDBF332AF7A}" type="datetimeFigureOut">
               <a:rPr lang="en-ID" smtClean="0"/>
-              <a:t>5 Jun 2022</a:t>
+              <a:t>13 Jun 2022</a:t>
             </a:fld>
             <a:endParaRPr lang="en-ID"/>
           </a:p>
@@ -1330,7 +1528,7 @@
           <a:p>
             <a:fld id="{C0B2ED8A-4D19-475F-B43F-1BDBF332AF7A}" type="datetimeFigureOut">
               <a:rPr lang="en-ID" smtClean="0"/>
-              <a:t>5 Jun 2022</a:t>
+              <a:t>13 Jun 2022</a:t>
             </a:fld>
             <a:endParaRPr lang="en-ID"/>
           </a:p>
@@ -1593,7 +1791,7 @@
           <a:p>
             <a:fld id="{C0B2ED8A-4D19-475F-B43F-1BDBF332AF7A}" type="datetimeFigureOut">
               <a:rPr lang="en-ID" smtClean="0"/>
-              <a:t>5 Jun 2022</a:t>
+              <a:t>13 Jun 2022</a:t>
             </a:fld>
             <a:endParaRPr lang="en-ID"/>
           </a:p>
@@ -1880,7 +2078,7 @@
           <a:p>
             <a:fld id="{C0B2ED8A-4D19-475F-B43F-1BDBF332AF7A}" type="datetimeFigureOut">
               <a:rPr lang="en-ID" smtClean="0"/>
-              <a:t>5 Jun 2022</a:t>
+              <a:t>13 Jun 2022</a:t>
             </a:fld>
             <a:endParaRPr lang="en-ID"/>
           </a:p>
@@ -2228,7 +2426,7 @@
           <a:p>
             <a:fld id="{C0B2ED8A-4D19-475F-B43F-1BDBF332AF7A}" type="datetimeFigureOut">
               <a:rPr lang="en-ID" smtClean="0"/>
-              <a:t>5 Jun 2022</a:t>
+              <a:t>13 Jun 2022</a:t>
             </a:fld>
             <a:endParaRPr lang="en-ID"/>
           </a:p>
@@ -2649,7 +2847,7 @@
           <a:p>
             <a:fld id="{C0B2ED8A-4D19-475F-B43F-1BDBF332AF7A}" type="datetimeFigureOut">
               <a:rPr lang="en-ID" smtClean="0"/>
-              <a:t>5 Jun 2022</a:t>
+              <a:t>13 Jun 2022</a:t>
             </a:fld>
             <a:endParaRPr lang="en-ID"/>
           </a:p>
@@ -2766,7 +2964,7 @@
           <a:p>
             <a:fld id="{C0B2ED8A-4D19-475F-B43F-1BDBF332AF7A}" type="datetimeFigureOut">
               <a:rPr lang="en-ID" smtClean="0"/>
-              <a:t>5 Jun 2022</a:t>
+              <a:t>13 Jun 2022</a:t>
             </a:fld>
             <a:endParaRPr lang="en-ID"/>
           </a:p>
@@ -2861,7 +3059,7 @@
           <a:p>
             <a:fld id="{C0B2ED8A-4D19-475F-B43F-1BDBF332AF7A}" type="datetimeFigureOut">
               <a:rPr lang="en-ID" smtClean="0"/>
-              <a:t>5 Jun 2022</a:t>
+              <a:t>13 Jun 2022</a:t>
             </a:fld>
             <a:endParaRPr lang="en-ID"/>
           </a:p>
@@ -3136,7 +3334,7 @@
           <a:p>
             <a:fld id="{C0B2ED8A-4D19-475F-B43F-1BDBF332AF7A}" type="datetimeFigureOut">
               <a:rPr lang="en-ID" smtClean="0"/>
-              <a:t>5 Jun 2022</a:t>
+              <a:t>13 Jun 2022</a:t>
             </a:fld>
             <a:endParaRPr lang="en-ID"/>
           </a:p>
@@ -3391,7 +3589,7 @@
           <a:p>
             <a:fld id="{C0B2ED8A-4D19-475F-B43F-1BDBF332AF7A}" type="datetimeFigureOut">
               <a:rPr lang="en-ID" smtClean="0"/>
-              <a:t>5 Jun 2022</a:t>
+              <a:t>13 Jun 2022</a:t>
             </a:fld>
             <a:endParaRPr lang="en-ID"/>
           </a:p>
@@ -3570,7 +3768,7 @@
           <a:p>
             <a:fld id="{C0B2ED8A-4D19-475F-B43F-1BDBF332AF7A}" type="datetimeFigureOut">
               <a:rPr lang="en-ID" smtClean="0"/>
-              <a:t>5 Jun 2022</a:t>
+              <a:t>13 Jun 2022</a:t>
             </a:fld>
             <a:endParaRPr lang="en-ID"/>
           </a:p>
@@ -4136,7 +4334,7 @@
           <p:cNvPr id="2" name="Title 1">
             <a:extLst>
               <a:ext uri="{FF2B5EF4-FFF2-40B4-BE49-F238E27FC236}">
-                <a16:creationId xmlns:a16="http://schemas.microsoft.com/office/drawing/2014/main" id="{29ED1FB1-D88D-C600-9B41-A31FE4A5A7EB}"/>
+                <a16:creationId xmlns:a16="http://schemas.microsoft.com/office/drawing/2014/main" id="{26E4926C-6501-4682-52C4-EF0229E3215A}"/>
               </a:ext>
             </a:extLst>
           </p:cNvPr>
@@ -4149,10 +4347,20 @@
         </p:nvSpPr>
         <p:spPr/>
         <p:txBody>
-          <a:bodyPr/>
+          <a:bodyPr>
+            <a:normAutofit/>
+          </a:bodyPr>
           <a:lstStyle/>
           <a:p>
-            <a:endParaRPr lang="en-ID"/>
+            <a:r>
+              <a:rPr lang="en-US" dirty="0" err="1"/>
+              <a:t>Graphql</a:t>
+            </a:r>
+            <a:r>
+              <a:rPr lang="en-US" dirty="0"/>
+              <a:t> Schema – Connection and Lists</a:t>
+            </a:r>
+            <a:endParaRPr lang="en-ID" dirty="0"/>
           </a:p>
         </p:txBody>
       </p:sp>
@@ -4161,7 +4369,7 @@
           <p:cNvPr id="3" name="Content Placeholder 2">
             <a:extLst>
               <a:ext uri="{FF2B5EF4-FFF2-40B4-BE49-F238E27FC236}">
-                <a16:creationId xmlns:a16="http://schemas.microsoft.com/office/drawing/2014/main" id="{885065A5-7E21-3972-6C3F-F03337A9E40F}"/>
+                <a16:creationId xmlns:a16="http://schemas.microsoft.com/office/drawing/2014/main" id="{5D3FB1D7-A4CC-8DFD-0A87-8D6EBC28769A}"/>
               </a:ext>
             </a:extLst>
           </p:cNvPr>
@@ -4172,29 +4380,1452 @@
             <p:ph idx="1"/>
           </p:nvPr>
         </p:nvSpPr>
-        <p:spPr/>
+        <p:spPr>
+          <a:xfrm>
+            <a:off x="457200" y="990601"/>
+            <a:ext cx="3724507" cy="470210"/>
+          </a:xfrm>
+        </p:spPr>
         <p:txBody>
           <a:bodyPr/>
           <a:lstStyle/>
           <a:p>
             <a:r>
-              <a:rPr lang="en-US"/>
-              <a:t>DEMO</a:t>
-            </a:r>
-            <a:endParaRPr lang="en-ID"/>
-          </a:p>
-        </p:txBody>
-      </p:sp>
+              <a:rPr lang="en-US" dirty="0"/>
+              <a:t>One to one</a:t>
+            </a:r>
+          </a:p>
+        </p:txBody>
+      </p:sp>
+      <p:pic>
+        <p:nvPicPr>
+          <p:cNvPr id="5" name="Picture 4">
+            <a:extLst>
+              <a:ext uri="{FF2B5EF4-FFF2-40B4-BE49-F238E27FC236}">
+                <a16:creationId xmlns:a16="http://schemas.microsoft.com/office/drawing/2014/main" id="{F950761E-1DA7-446F-A790-A3D543EB59DD}"/>
+              </a:ext>
+            </a:extLst>
+          </p:cNvPr>
+          <p:cNvPicPr>
+            <a:picLocks noChangeAspect="1"/>
+          </p:cNvPicPr>
+          <p:nvPr/>
+        </p:nvPicPr>
+        <p:blipFill>
+          <a:blip r:embed="rId3"/>
+          <a:stretch>
+            <a:fillRect/>
+          </a:stretch>
+        </p:blipFill>
+        <p:spPr>
+          <a:xfrm>
+            <a:off x="5095374" y="899759"/>
+            <a:ext cx="3591426" cy="5058481"/>
+          </a:xfrm>
+          <a:prstGeom prst="rect">
+            <a:avLst/>
+          </a:prstGeom>
+        </p:spPr>
+      </p:pic>
+      <p:pic>
+        <p:nvPicPr>
+          <p:cNvPr id="8" name="Picture 7">
+            <a:extLst>
+              <a:ext uri="{FF2B5EF4-FFF2-40B4-BE49-F238E27FC236}">
+                <a16:creationId xmlns:a16="http://schemas.microsoft.com/office/drawing/2014/main" id="{0DA25B57-867F-118E-A8F0-E2C0989F0D5E}"/>
+              </a:ext>
+            </a:extLst>
+          </p:cNvPr>
+          <p:cNvPicPr>
+            <a:picLocks noChangeAspect="1"/>
+          </p:cNvPicPr>
+          <p:nvPr/>
+        </p:nvPicPr>
+        <p:blipFill>
+          <a:blip r:embed="rId4"/>
+          <a:stretch>
+            <a:fillRect/>
+          </a:stretch>
+        </p:blipFill>
+        <p:spPr>
+          <a:xfrm>
+            <a:off x="5095374" y="899759"/>
+            <a:ext cx="3258005" cy="2105319"/>
+          </a:xfrm>
+          <a:prstGeom prst="rect">
+            <a:avLst/>
+          </a:prstGeom>
+        </p:spPr>
+      </p:pic>
+      <p:sp>
+        <p:nvSpPr>
+          <p:cNvPr id="14" name="Content Placeholder 2">
+            <a:extLst>
+              <a:ext uri="{FF2B5EF4-FFF2-40B4-BE49-F238E27FC236}">
+                <a16:creationId xmlns:a16="http://schemas.microsoft.com/office/drawing/2014/main" id="{9232FEDC-532C-90EB-90F9-99E6D9EABB5B}"/>
+              </a:ext>
+            </a:extLst>
+          </p:cNvPr>
+          <p:cNvSpPr txBox="1">
+            <a:spLocks/>
+          </p:cNvSpPr>
+          <p:nvPr/>
+        </p:nvSpPr>
+        <p:spPr>
+          <a:xfrm>
+            <a:off x="457200" y="1549542"/>
+            <a:ext cx="3724507" cy="470210"/>
+          </a:xfrm>
+          <a:prstGeom prst="rect">
+            <a:avLst/>
+          </a:prstGeom>
+        </p:spPr>
+        <p:txBody>
+          <a:bodyPr vert="horz" lIns="91440" tIns="45720" rIns="91440" bIns="45720" rtlCol="0">
+            <a:normAutofit/>
+          </a:bodyPr>
+          <a:lstStyle>
+            <a:lvl1pPr marL="257175" indent="-257175" algn="l" defTabSz="685800" rtl="0" eaLnBrk="1" latinLnBrk="0" hangingPunct="1">
+              <a:spcBef>
+                <a:spcPct val="20000"/>
+              </a:spcBef>
+              <a:buFont typeface="Arial" pitchFamily="34" charset="0"/>
+              <a:buChar char="•"/>
+              <a:defRPr sz="2400" kern="1200">
+                <a:solidFill>
+                  <a:schemeClr val="tx1"/>
+                </a:solidFill>
+                <a:latin typeface="+mn-lt"/>
+                <a:ea typeface="+mn-ea"/>
+                <a:cs typeface="+mn-cs"/>
+              </a:defRPr>
+            </a:lvl1pPr>
+            <a:lvl2pPr marL="557213" indent="-214313" algn="l" defTabSz="685800" rtl="0" eaLnBrk="1" latinLnBrk="0" hangingPunct="1">
+              <a:spcBef>
+                <a:spcPct val="20000"/>
+              </a:spcBef>
+              <a:buFont typeface="Arial" pitchFamily="34" charset="0"/>
+              <a:buChar char="–"/>
+              <a:defRPr sz="2100" kern="1200">
+                <a:solidFill>
+                  <a:schemeClr val="tx1"/>
+                </a:solidFill>
+                <a:latin typeface="+mn-lt"/>
+                <a:ea typeface="+mn-ea"/>
+                <a:cs typeface="+mn-cs"/>
+              </a:defRPr>
+            </a:lvl2pPr>
+            <a:lvl3pPr marL="857250" indent="-171450" algn="l" defTabSz="685800" rtl="0" eaLnBrk="1" latinLnBrk="0" hangingPunct="1">
+              <a:spcBef>
+                <a:spcPct val="20000"/>
+              </a:spcBef>
+              <a:buFont typeface="Arial" pitchFamily="34" charset="0"/>
+              <a:buChar char="•"/>
+              <a:defRPr sz="1800" kern="1200">
+                <a:solidFill>
+                  <a:schemeClr val="tx1"/>
+                </a:solidFill>
+                <a:latin typeface="+mn-lt"/>
+                <a:ea typeface="+mn-ea"/>
+                <a:cs typeface="+mn-cs"/>
+              </a:defRPr>
+            </a:lvl3pPr>
+            <a:lvl4pPr marL="1200150" indent="-171450" algn="l" defTabSz="685800" rtl="0" eaLnBrk="1" latinLnBrk="0" hangingPunct="1">
+              <a:spcBef>
+                <a:spcPct val="20000"/>
+              </a:spcBef>
+              <a:buFont typeface="Arial" pitchFamily="34" charset="0"/>
+              <a:buChar char="–"/>
+              <a:defRPr sz="1500" kern="1200">
+                <a:solidFill>
+                  <a:schemeClr val="tx1"/>
+                </a:solidFill>
+                <a:latin typeface="+mn-lt"/>
+                <a:ea typeface="+mn-ea"/>
+                <a:cs typeface="+mn-cs"/>
+              </a:defRPr>
+            </a:lvl4pPr>
+            <a:lvl5pPr marL="1543050" indent="-171450" algn="l" defTabSz="685800" rtl="0" eaLnBrk="1" latinLnBrk="0" hangingPunct="1">
+              <a:spcBef>
+                <a:spcPct val="20000"/>
+              </a:spcBef>
+              <a:buFont typeface="Arial" pitchFamily="34" charset="0"/>
+              <a:buChar char="»"/>
+              <a:defRPr sz="1500" kern="1200">
+                <a:solidFill>
+                  <a:schemeClr val="tx1"/>
+                </a:solidFill>
+                <a:latin typeface="+mn-lt"/>
+                <a:ea typeface="+mn-ea"/>
+                <a:cs typeface="+mn-cs"/>
+              </a:defRPr>
+            </a:lvl5pPr>
+            <a:lvl6pPr marL="1885950" indent="-171450" algn="l" defTabSz="685800" rtl="0" eaLnBrk="1" latinLnBrk="0" hangingPunct="1">
+              <a:spcBef>
+                <a:spcPct val="20000"/>
+              </a:spcBef>
+              <a:buFont typeface="Arial" pitchFamily="34" charset="0"/>
+              <a:buChar char="•"/>
+              <a:defRPr sz="1500" kern="1200">
+                <a:solidFill>
+                  <a:schemeClr val="tx1"/>
+                </a:solidFill>
+                <a:latin typeface="+mn-lt"/>
+                <a:ea typeface="+mn-ea"/>
+                <a:cs typeface="+mn-cs"/>
+              </a:defRPr>
+            </a:lvl6pPr>
+            <a:lvl7pPr marL="2228850" indent="-171450" algn="l" defTabSz="685800" rtl="0" eaLnBrk="1" latinLnBrk="0" hangingPunct="1">
+              <a:spcBef>
+                <a:spcPct val="20000"/>
+              </a:spcBef>
+              <a:buFont typeface="Arial" pitchFamily="34" charset="0"/>
+              <a:buChar char="•"/>
+              <a:defRPr sz="1500" kern="1200">
+                <a:solidFill>
+                  <a:schemeClr val="tx1"/>
+                </a:solidFill>
+                <a:latin typeface="+mn-lt"/>
+                <a:ea typeface="+mn-ea"/>
+                <a:cs typeface="+mn-cs"/>
+              </a:defRPr>
+            </a:lvl7pPr>
+            <a:lvl8pPr marL="2571750" indent="-171450" algn="l" defTabSz="685800" rtl="0" eaLnBrk="1" latinLnBrk="0" hangingPunct="1">
+              <a:spcBef>
+                <a:spcPct val="20000"/>
+              </a:spcBef>
+              <a:buFont typeface="Arial" pitchFamily="34" charset="0"/>
+              <a:buChar char="•"/>
+              <a:defRPr sz="1500" kern="1200">
+                <a:solidFill>
+                  <a:schemeClr val="tx1"/>
+                </a:solidFill>
+                <a:latin typeface="+mn-lt"/>
+                <a:ea typeface="+mn-ea"/>
+                <a:cs typeface="+mn-cs"/>
+              </a:defRPr>
+            </a:lvl8pPr>
+            <a:lvl9pPr marL="2914650" indent="-171450" algn="l" defTabSz="685800" rtl="0" eaLnBrk="1" latinLnBrk="0" hangingPunct="1">
+              <a:spcBef>
+                <a:spcPct val="20000"/>
+              </a:spcBef>
+              <a:buFont typeface="Arial" pitchFamily="34" charset="0"/>
+              <a:buChar char="•"/>
+              <a:defRPr sz="1500" kern="1200">
+                <a:solidFill>
+                  <a:schemeClr val="tx1"/>
+                </a:solidFill>
+                <a:latin typeface="+mn-lt"/>
+                <a:ea typeface="+mn-ea"/>
+                <a:cs typeface="+mn-cs"/>
+              </a:defRPr>
+            </a:lvl9pPr>
+          </a:lstStyle>
+          <a:p>
+            <a:r>
+              <a:rPr lang="en-US" dirty="0"/>
+              <a:t>One to many</a:t>
+            </a:r>
+          </a:p>
+        </p:txBody>
+      </p:sp>
+      <p:sp>
+        <p:nvSpPr>
+          <p:cNvPr id="7" name="Content Placeholder 2">
+            <a:extLst>
+              <a:ext uri="{FF2B5EF4-FFF2-40B4-BE49-F238E27FC236}">
+                <a16:creationId xmlns:a16="http://schemas.microsoft.com/office/drawing/2014/main" id="{30B6A35D-6B20-B32C-1521-ED3C23F75EAD}"/>
+              </a:ext>
+            </a:extLst>
+          </p:cNvPr>
+          <p:cNvSpPr txBox="1">
+            <a:spLocks/>
+          </p:cNvSpPr>
+          <p:nvPr/>
+        </p:nvSpPr>
+        <p:spPr>
+          <a:xfrm>
+            <a:off x="457200" y="2108483"/>
+            <a:ext cx="3724507" cy="470210"/>
+          </a:xfrm>
+          <a:prstGeom prst="rect">
+            <a:avLst/>
+          </a:prstGeom>
+        </p:spPr>
+        <p:txBody>
+          <a:bodyPr vert="horz" lIns="91440" tIns="45720" rIns="91440" bIns="45720" rtlCol="0">
+            <a:normAutofit/>
+          </a:bodyPr>
+          <a:lstStyle>
+            <a:lvl1pPr marL="257175" indent="-257175" algn="l" defTabSz="685800" rtl="0" eaLnBrk="1" latinLnBrk="0" hangingPunct="1">
+              <a:spcBef>
+                <a:spcPct val="20000"/>
+              </a:spcBef>
+              <a:buFont typeface="Arial" pitchFamily="34" charset="0"/>
+              <a:buChar char="•"/>
+              <a:defRPr sz="2400" kern="1200">
+                <a:solidFill>
+                  <a:schemeClr val="tx1"/>
+                </a:solidFill>
+                <a:latin typeface="+mn-lt"/>
+                <a:ea typeface="+mn-ea"/>
+                <a:cs typeface="+mn-cs"/>
+              </a:defRPr>
+            </a:lvl1pPr>
+            <a:lvl2pPr marL="557213" indent="-214313" algn="l" defTabSz="685800" rtl="0" eaLnBrk="1" latinLnBrk="0" hangingPunct="1">
+              <a:spcBef>
+                <a:spcPct val="20000"/>
+              </a:spcBef>
+              <a:buFont typeface="Arial" pitchFamily="34" charset="0"/>
+              <a:buChar char="–"/>
+              <a:defRPr sz="2100" kern="1200">
+                <a:solidFill>
+                  <a:schemeClr val="tx1"/>
+                </a:solidFill>
+                <a:latin typeface="+mn-lt"/>
+                <a:ea typeface="+mn-ea"/>
+                <a:cs typeface="+mn-cs"/>
+              </a:defRPr>
+            </a:lvl2pPr>
+            <a:lvl3pPr marL="857250" indent="-171450" algn="l" defTabSz="685800" rtl="0" eaLnBrk="1" latinLnBrk="0" hangingPunct="1">
+              <a:spcBef>
+                <a:spcPct val="20000"/>
+              </a:spcBef>
+              <a:buFont typeface="Arial" pitchFamily="34" charset="0"/>
+              <a:buChar char="•"/>
+              <a:defRPr sz="1800" kern="1200">
+                <a:solidFill>
+                  <a:schemeClr val="tx1"/>
+                </a:solidFill>
+                <a:latin typeface="+mn-lt"/>
+                <a:ea typeface="+mn-ea"/>
+                <a:cs typeface="+mn-cs"/>
+              </a:defRPr>
+            </a:lvl3pPr>
+            <a:lvl4pPr marL="1200150" indent="-171450" algn="l" defTabSz="685800" rtl="0" eaLnBrk="1" latinLnBrk="0" hangingPunct="1">
+              <a:spcBef>
+                <a:spcPct val="20000"/>
+              </a:spcBef>
+              <a:buFont typeface="Arial" pitchFamily="34" charset="0"/>
+              <a:buChar char="–"/>
+              <a:defRPr sz="1500" kern="1200">
+                <a:solidFill>
+                  <a:schemeClr val="tx1"/>
+                </a:solidFill>
+                <a:latin typeface="+mn-lt"/>
+                <a:ea typeface="+mn-ea"/>
+                <a:cs typeface="+mn-cs"/>
+              </a:defRPr>
+            </a:lvl4pPr>
+            <a:lvl5pPr marL="1543050" indent="-171450" algn="l" defTabSz="685800" rtl="0" eaLnBrk="1" latinLnBrk="0" hangingPunct="1">
+              <a:spcBef>
+                <a:spcPct val="20000"/>
+              </a:spcBef>
+              <a:buFont typeface="Arial" pitchFamily="34" charset="0"/>
+              <a:buChar char="»"/>
+              <a:defRPr sz="1500" kern="1200">
+                <a:solidFill>
+                  <a:schemeClr val="tx1"/>
+                </a:solidFill>
+                <a:latin typeface="+mn-lt"/>
+                <a:ea typeface="+mn-ea"/>
+                <a:cs typeface="+mn-cs"/>
+              </a:defRPr>
+            </a:lvl5pPr>
+            <a:lvl6pPr marL="1885950" indent="-171450" algn="l" defTabSz="685800" rtl="0" eaLnBrk="1" latinLnBrk="0" hangingPunct="1">
+              <a:spcBef>
+                <a:spcPct val="20000"/>
+              </a:spcBef>
+              <a:buFont typeface="Arial" pitchFamily="34" charset="0"/>
+              <a:buChar char="•"/>
+              <a:defRPr sz="1500" kern="1200">
+                <a:solidFill>
+                  <a:schemeClr val="tx1"/>
+                </a:solidFill>
+                <a:latin typeface="+mn-lt"/>
+                <a:ea typeface="+mn-ea"/>
+                <a:cs typeface="+mn-cs"/>
+              </a:defRPr>
+            </a:lvl6pPr>
+            <a:lvl7pPr marL="2228850" indent="-171450" algn="l" defTabSz="685800" rtl="0" eaLnBrk="1" latinLnBrk="0" hangingPunct="1">
+              <a:spcBef>
+                <a:spcPct val="20000"/>
+              </a:spcBef>
+              <a:buFont typeface="Arial" pitchFamily="34" charset="0"/>
+              <a:buChar char="•"/>
+              <a:defRPr sz="1500" kern="1200">
+                <a:solidFill>
+                  <a:schemeClr val="tx1"/>
+                </a:solidFill>
+                <a:latin typeface="+mn-lt"/>
+                <a:ea typeface="+mn-ea"/>
+                <a:cs typeface="+mn-cs"/>
+              </a:defRPr>
+            </a:lvl7pPr>
+            <a:lvl8pPr marL="2571750" indent="-171450" algn="l" defTabSz="685800" rtl="0" eaLnBrk="1" latinLnBrk="0" hangingPunct="1">
+              <a:spcBef>
+                <a:spcPct val="20000"/>
+              </a:spcBef>
+              <a:buFont typeface="Arial" pitchFamily="34" charset="0"/>
+              <a:buChar char="•"/>
+              <a:defRPr sz="1500" kern="1200">
+                <a:solidFill>
+                  <a:schemeClr val="tx1"/>
+                </a:solidFill>
+                <a:latin typeface="+mn-lt"/>
+                <a:ea typeface="+mn-ea"/>
+                <a:cs typeface="+mn-cs"/>
+              </a:defRPr>
+            </a:lvl8pPr>
+            <a:lvl9pPr marL="2914650" indent="-171450" algn="l" defTabSz="685800" rtl="0" eaLnBrk="1" latinLnBrk="0" hangingPunct="1">
+              <a:spcBef>
+                <a:spcPct val="20000"/>
+              </a:spcBef>
+              <a:buFont typeface="Arial" pitchFamily="34" charset="0"/>
+              <a:buChar char="•"/>
+              <a:defRPr sz="1500" kern="1200">
+                <a:solidFill>
+                  <a:schemeClr val="tx1"/>
+                </a:solidFill>
+                <a:latin typeface="+mn-lt"/>
+                <a:ea typeface="+mn-ea"/>
+                <a:cs typeface="+mn-cs"/>
+              </a:defRPr>
+            </a:lvl9pPr>
+          </a:lstStyle>
+          <a:p>
+            <a:r>
+              <a:rPr lang="en-US" dirty="0"/>
+              <a:t>Many to many</a:t>
+            </a:r>
+          </a:p>
+        </p:txBody>
+      </p:sp>
+      <p:pic>
+        <p:nvPicPr>
+          <p:cNvPr id="6" name="Picture 5">
+            <a:extLst>
+              <a:ext uri="{FF2B5EF4-FFF2-40B4-BE49-F238E27FC236}">
+                <a16:creationId xmlns:a16="http://schemas.microsoft.com/office/drawing/2014/main" id="{4D3AA8B2-64C8-84A8-F785-2E1380D72AD9}"/>
+              </a:ext>
+            </a:extLst>
+          </p:cNvPr>
+          <p:cNvPicPr>
+            <a:picLocks noChangeAspect="1"/>
+          </p:cNvPicPr>
+          <p:nvPr/>
+        </p:nvPicPr>
+        <p:blipFill>
+          <a:blip r:embed="rId5"/>
+          <a:stretch>
+            <a:fillRect/>
+          </a:stretch>
+        </p:blipFill>
+        <p:spPr>
+          <a:xfrm>
+            <a:off x="4962005" y="859190"/>
+            <a:ext cx="3524742" cy="3439005"/>
+          </a:xfrm>
+          <a:prstGeom prst="rect">
+            <a:avLst/>
+          </a:prstGeom>
+        </p:spPr>
+      </p:pic>
+      <p:sp>
+        <p:nvSpPr>
+          <p:cNvPr id="11" name="Content Placeholder 2">
+            <a:extLst>
+              <a:ext uri="{FF2B5EF4-FFF2-40B4-BE49-F238E27FC236}">
+                <a16:creationId xmlns:a16="http://schemas.microsoft.com/office/drawing/2014/main" id="{3D534C9F-D787-3268-B0BA-E464EA6463E5}"/>
+              </a:ext>
+            </a:extLst>
+          </p:cNvPr>
+          <p:cNvSpPr txBox="1">
+            <a:spLocks/>
+          </p:cNvSpPr>
+          <p:nvPr/>
+        </p:nvSpPr>
+        <p:spPr>
+          <a:xfrm>
+            <a:off x="457200" y="2667424"/>
+            <a:ext cx="3724507" cy="470210"/>
+          </a:xfrm>
+          <a:prstGeom prst="rect">
+            <a:avLst/>
+          </a:prstGeom>
+        </p:spPr>
+        <p:txBody>
+          <a:bodyPr vert="horz" lIns="91440" tIns="45720" rIns="91440" bIns="45720" rtlCol="0">
+            <a:normAutofit/>
+          </a:bodyPr>
+          <a:lstStyle>
+            <a:lvl1pPr marL="257175" indent="-257175" algn="l" defTabSz="685800" rtl="0" eaLnBrk="1" latinLnBrk="0" hangingPunct="1">
+              <a:spcBef>
+                <a:spcPct val="20000"/>
+              </a:spcBef>
+              <a:buFont typeface="Arial" pitchFamily="34" charset="0"/>
+              <a:buChar char="•"/>
+              <a:defRPr sz="2400" kern="1200">
+                <a:solidFill>
+                  <a:schemeClr val="tx1"/>
+                </a:solidFill>
+                <a:latin typeface="+mn-lt"/>
+                <a:ea typeface="+mn-ea"/>
+                <a:cs typeface="+mn-cs"/>
+              </a:defRPr>
+            </a:lvl1pPr>
+            <a:lvl2pPr marL="557213" indent="-214313" algn="l" defTabSz="685800" rtl="0" eaLnBrk="1" latinLnBrk="0" hangingPunct="1">
+              <a:spcBef>
+                <a:spcPct val="20000"/>
+              </a:spcBef>
+              <a:buFont typeface="Arial" pitchFamily="34" charset="0"/>
+              <a:buChar char="–"/>
+              <a:defRPr sz="2100" kern="1200">
+                <a:solidFill>
+                  <a:schemeClr val="tx1"/>
+                </a:solidFill>
+                <a:latin typeface="+mn-lt"/>
+                <a:ea typeface="+mn-ea"/>
+                <a:cs typeface="+mn-cs"/>
+              </a:defRPr>
+            </a:lvl2pPr>
+            <a:lvl3pPr marL="857250" indent="-171450" algn="l" defTabSz="685800" rtl="0" eaLnBrk="1" latinLnBrk="0" hangingPunct="1">
+              <a:spcBef>
+                <a:spcPct val="20000"/>
+              </a:spcBef>
+              <a:buFont typeface="Arial" pitchFamily="34" charset="0"/>
+              <a:buChar char="•"/>
+              <a:defRPr sz="1800" kern="1200">
+                <a:solidFill>
+                  <a:schemeClr val="tx1"/>
+                </a:solidFill>
+                <a:latin typeface="+mn-lt"/>
+                <a:ea typeface="+mn-ea"/>
+                <a:cs typeface="+mn-cs"/>
+              </a:defRPr>
+            </a:lvl3pPr>
+            <a:lvl4pPr marL="1200150" indent="-171450" algn="l" defTabSz="685800" rtl="0" eaLnBrk="1" latinLnBrk="0" hangingPunct="1">
+              <a:spcBef>
+                <a:spcPct val="20000"/>
+              </a:spcBef>
+              <a:buFont typeface="Arial" pitchFamily="34" charset="0"/>
+              <a:buChar char="–"/>
+              <a:defRPr sz="1500" kern="1200">
+                <a:solidFill>
+                  <a:schemeClr val="tx1"/>
+                </a:solidFill>
+                <a:latin typeface="+mn-lt"/>
+                <a:ea typeface="+mn-ea"/>
+                <a:cs typeface="+mn-cs"/>
+              </a:defRPr>
+            </a:lvl4pPr>
+            <a:lvl5pPr marL="1543050" indent="-171450" algn="l" defTabSz="685800" rtl="0" eaLnBrk="1" latinLnBrk="0" hangingPunct="1">
+              <a:spcBef>
+                <a:spcPct val="20000"/>
+              </a:spcBef>
+              <a:buFont typeface="Arial" pitchFamily="34" charset="0"/>
+              <a:buChar char="»"/>
+              <a:defRPr sz="1500" kern="1200">
+                <a:solidFill>
+                  <a:schemeClr val="tx1"/>
+                </a:solidFill>
+                <a:latin typeface="+mn-lt"/>
+                <a:ea typeface="+mn-ea"/>
+                <a:cs typeface="+mn-cs"/>
+              </a:defRPr>
+            </a:lvl5pPr>
+            <a:lvl6pPr marL="1885950" indent="-171450" algn="l" defTabSz="685800" rtl="0" eaLnBrk="1" latinLnBrk="0" hangingPunct="1">
+              <a:spcBef>
+                <a:spcPct val="20000"/>
+              </a:spcBef>
+              <a:buFont typeface="Arial" pitchFamily="34" charset="0"/>
+              <a:buChar char="•"/>
+              <a:defRPr sz="1500" kern="1200">
+                <a:solidFill>
+                  <a:schemeClr val="tx1"/>
+                </a:solidFill>
+                <a:latin typeface="+mn-lt"/>
+                <a:ea typeface="+mn-ea"/>
+                <a:cs typeface="+mn-cs"/>
+              </a:defRPr>
+            </a:lvl6pPr>
+            <a:lvl7pPr marL="2228850" indent="-171450" algn="l" defTabSz="685800" rtl="0" eaLnBrk="1" latinLnBrk="0" hangingPunct="1">
+              <a:spcBef>
+                <a:spcPct val="20000"/>
+              </a:spcBef>
+              <a:buFont typeface="Arial" pitchFamily="34" charset="0"/>
+              <a:buChar char="•"/>
+              <a:defRPr sz="1500" kern="1200">
+                <a:solidFill>
+                  <a:schemeClr val="tx1"/>
+                </a:solidFill>
+                <a:latin typeface="+mn-lt"/>
+                <a:ea typeface="+mn-ea"/>
+                <a:cs typeface="+mn-cs"/>
+              </a:defRPr>
+            </a:lvl7pPr>
+            <a:lvl8pPr marL="2571750" indent="-171450" algn="l" defTabSz="685800" rtl="0" eaLnBrk="1" latinLnBrk="0" hangingPunct="1">
+              <a:spcBef>
+                <a:spcPct val="20000"/>
+              </a:spcBef>
+              <a:buFont typeface="Arial" pitchFamily="34" charset="0"/>
+              <a:buChar char="•"/>
+              <a:defRPr sz="1500" kern="1200">
+                <a:solidFill>
+                  <a:schemeClr val="tx1"/>
+                </a:solidFill>
+                <a:latin typeface="+mn-lt"/>
+                <a:ea typeface="+mn-ea"/>
+                <a:cs typeface="+mn-cs"/>
+              </a:defRPr>
+            </a:lvl8pPr>
+            <a:lvl9pPr marL="2914650" indent="-171450" algn="l" defTabSz="685800" rtl="0" eaLnBrk="1" latinLnBrk="0" hangingPunct="1">
+              <a:spcBef>
+                <a:spcPct val="20000"/>
+              </a:spcBef>
+              <a:buFont typeface="Arial" pitchFamily="34" charset="0"/>
+              <a:buChar char="•"/>
+              <a:defRPr sz="1500" kern="1200">
+                <a:solidFill>
+                  <a:schemeClr val="tx1"/>
+                </a:solidFill>
+                <a:latin typeface="+mn-lt"/>
+                <a:ea typeface="+mn-ea"/>
+                <a:cs typeface="+mn-cs"/>
+              </a:defRPr>
+            </a:lvl9pPr>
+          </a:lstStyle>
+          <a:p>
+            <a:r>
+              <a:rPr lang="en-US" dirty="0"/>
+              <a:t>Union</a:t>
+            </a:r>
+          </a:p>
+        </p:txBody>
+      </p:sp>
+      <p:pic>
+        <p:nvPicPr>
+          <p:cNvPr id="13" name="Picture 12">
+            <a:extLst>
+              <a:ext uri="{FF2B5EF4-FFF2-40B4-BE49-F238E27FC236}">
+                <a16:creationId xmlns:a16="http://schemas.microsoft.com/office/drawing/2014/main" id="{59EE1015-6664-4F1F-7C63-A74888C57B50}"/>
+              </a:ext>
+            </a:extLst>
+          </p:cNvPr>
+          <p:cNvPicPr>
+            <a:picLocks noChangeAspect="1"/>
+          </p:cNvPicPr>
+          <p:nvPr/>
+        </p:nvPicPr>
+        <p:blipFill>
+          <a:blip r:embed="rId6"/>
+          <a:stretch>
+            <a:fillRect/>
+          </a:stretch>
+        </p:blipFill>
+        <p:spPr>
+          <a:xfrm>
+            <a:off x="3899114" y="859190"/>
+            <a:ext cx="5106113" cy="5468113"/>
+          </a:xfrm>
+          <a:prstGeom prst="rect">
+            <a:avLst/>
+          </a:prstGeom>
+        </p:spPr>
+      </p:pic>
+      <p:sp>
+        <p:nvSpPr>
+          <p:cNvPr id="15" name="Content Placeholder 2">
+            <a:extLst>
+              <a:ext uri="{FF2B5EF4-FFF2-40B4-BE49-F238E27FC236}">
+                <a16:creationId xmlns:a16="http://schemas.microsoft.com/office/drawing/2014/main" id="{43438121-C520-A9D2-DF7A-733E76075AE4}"/>
+              </a:ext>
+            </a:extLst>
+          </p:cNvPr>
+          <p:cNvSpPr txBox="1">
+            <a:spLocks/>
+          </p:cNvSpPr>
+          <p:nvPr/>
+        </p:nvSpPr>
+        <p:spPr>
+          <a:xfrm>
+            <a:off x="457200" y="3226365"/>
+            <a:ext cx="3724507" cy="470210"/>
+          </a:xfrm>
+          <a:prstGeom prst="rect">
+            <a:avLst/>
+          </a:prstGeom>
+        </p:spPr>
+        <p:txBody>
+          <a:bodyPr vert="horz" lIns="91440" tIns="45720" rIns="91440" bIns="45720" rtlCol="0">
+            <a:normAutofit/>
+          </a:bodyPr>
+          <a:lstStyle>
+            <a:lvl1pPr marL="257175" indent="-257175" algn="l" defTabSz="685800" rtl="0" eaLnBrk="1" latinLnBrk="0" hangingPunct="1">
+              <a:spcBef>
+                <a:spcPct val="20000"/>
+              </a:spcBef>
+              <a:buFont typeface="Arial" pitchFamily="34" charset="0"/>
+              <a:buChar char="•"/>
+              <a:defRPr sz="2400" kern="1200">
+                <a:solidFill>
+                  <a:schemeClr val="tx1"/>
+                </a:solidFill>
+                <a:latin typeface="+mn-lt"/>
+                <a:ea typeface="+mn-ea"/>
+                <a:cs typeface="+mn-cs"/>
+              </a:defRPr>
+            </a:lvl1pPr>
+            <a:lvl2pPr marL="557213" indent="-214313" algn="l" defTabSz="685800" rtl="0" eaLnBrk="1" latinLnBrk="0" hangingPunct="1">
+              <a:spcBef>
+                <a:spcPct val="20000"/>
+              </a:spcBef>
+              <a:buFont typeface="Arial" pitchFamily="34" charset="0"/>
+              <a:buChar char="–"/>
+              <a:defRPr sz="2100" kern="1200">
+                <a:solidFill>
+                  <a:schemeClr val="tx1"/>
+                </a:solidFill>
+                <a:latin typeface="+mn-lt"/>
+                <a:ea typeface="+mn-ea"/>
+                <a:cs typeface="+mn-cs"/>
+              </a:defRPr>
+            </a:lvl2pPr>
+            <a:lvl3pPr marL="857250" indent="-171450" algn="l" defTabSz="685800" rtl="0" eaLnBrk="1" latinLnBrk="0" hangingPunct="1">
+              <a:spcBef>
+                <a:spcPct val="20000"/>
+              </a:spcBef>
+              <a:buFont typeface="Arial" pitchFamily="34" charset="0"/>
+              <a:buChar char="•"/>
+              <a:defRPr sz="1800" kern="1200">
+                <a:solidFill>
+                  <a:schemeClr val="tx1"/>
+                </a:solidFill>
+                <a:latin typeface="+mn-lt"/>
+                <a:ea typeface="+mn-ea"/>
+                <a:cs typeface="+mn-cs"/>
+              </a:defRPr>
+            </a:lvl3pPr>
+            <a:lvl4pPr marL="1200150" indent="-171450" algn="l" defTabSz="685800" rtl="0" eaLnBrk="1" latinLnBrk="0" hangingPunct="1">
+              <a:spcBef>
+                <a:spcPct val="20000"/>
+              </a:spcBef>
+              <a:buFont typeface="Arial" pitchFamily="34" charset="0"/>
+              <a:buChar char="–"/>
+              <a:defRPr sz="1500" kern="1200">
+                <a:solidFill>
+                  <a:schemeClr val="tx1"/>
+                </a:solidFill>
+                <a:latin typeface="+mn-lt"/>
+                <a:ea typeface="+mn-ea"/>
+                <a:cs typeface="+mn-cs"/>
+              </a:defRPr>
+            </a:lvl4pPr>
+            <a:lvl5pPr marL="1543050" indent="-171450" algn="l" defTabSz="685800" rtl="0" eaLnBrk="1" latinLnBrk="0" hangingPunct="1">
+              <a:spcBef>
+                <a:spcPct val="20000"/>
+              </a:spcBef>
+              <a:buFont typeface="Arial" pitchFamily="34" charset="0"/>
+              <a:buChar char="»"/>
+              <a:defRPr sz="1500" kern="1200">
+                <a:solidFill>
+                  <a:schemeClr val="tx1"/>
+                </a:solidFill>
+                <a:latin typeface="+mn-lt"/>
+                <a:ea typeface="+mn-ea"/>
+                <a:cs typeface="+mn-cs"/>
+              </a:defRPr>
+            </a:lvl5pPr>
+            <a:lvl6pPr marL="1885950" indent="-171450" algn="l" defTabSz="685800" rtl="0" eaLnBrk="1" latinLnBrk="0" hangingPunct="1">
+              <a:spcBef>
+                <a:spcPct val="20000"/>
+              </a:spcBef>
+              <a:buFont typeface="Arial" pitchFamily="34" charset="0"/>
+              <a:buChar char="•"/>
+              <a:defRPr sz="1500" kern="1200">
+                <a:solidFill>
+                  <a:schemeClr val="tx1"/>
+                </a:solidFill>
+                <a:latin typeface="+mn-lt"/>
+                <a:ea typeface="+mn-ea"/>
+                <a:cs typeface="+mn-cs"/>
+              </a:defRPr>
+            </a:lvl6pPr>
+            <a:lvl7pPr marL="2228850" indent="-171450" algn="l" defTabSz="685800" rtl="0" eaLnBrk="1" latinLnBrk="0" hangingPunct="1">
+              <a:spcBef>
+                <a:spcPct val="20000"/>
+              </a:spcBef>
+              <a:buFont typeface="Arial" pitchFamily="34" charset="0"/>
+              <a:buChar char="•"/>
+              <a:defRPr sz="1500" kern="1200">
+                <a:solidFill>
+                  <a:schemeClr val="tx1"/>
+                </a:solidFill>
+                <a:latin typeface="+mn-lt"/>
+                <a:ea typeface="+mn-ea"/>
+                <a:cs typeface="+mn-cs"/>
+              </a:defRPr>
+            </a:lvl7pPr>
+            <a:lvl8pPr marL="2571750" indent="-171450" algn="l" defTabSz="685800" rtl="0" eaLnBrk="1" latinLnBrk="0" hangingPunct="1">
+              <a:spcBef>
+                <a:spcPct val="20000"/>
+              </a:spcBef>
+              <a:buFont typeface="Arial" pitchFamily="34" charset="0"/>
+              <a:buChar char="•"/>
+              <a:defRPr sz="1500" kern="1200">
+                <a:solidFill>
+                  <a:schemeClr val="tx1"/>
+                </a:solidFill>
+                <a:latin typeface="+mn-lt"/>
+                <a:ea typeface="+mn-ea"/>
+                <a:cs typeface="+mn-cs"/>
+              </a:defRPr>
+            </a:lvl8pPr>
+            <a:lvl9pPr marL="2914650" indent="-171450" algn="l" defTabSz="685800" rtl="0" eaLnBrk="1" latinLnBrk="0" hangingPunct="1">
+              <a:spcBef>
+                <a:spcPct val="20000"/>
+              </a:spcBef>
+              <a:buFont typeface="Arial" pitchFamily="34" charset="0"/>
+              <a:buChar char="•"/>
+              <a:defRPr sz="1500" kern="1200">
+                <a:solidFill>
+                  <a:schemeClr val="tx1"/>
+                </a:solidFill>
+                <a:latin typeface="+mn-lt"/>
+                <a:ea typeface="+mn-ea"/>
+                <a:cs typeface="+mn-cs"/>
+              </a:defRPr>
+            </a:lvl9pPr>
+          </a:lstStyle>
+          <a:p>
+            <a:r>
+              <a:rPr lang="en-US" dirty="0"/>
+              <a:t>Interface</a:t>
+            </a:r>
+          </a:p>
+        </p:txBody>
+      </p:sp>
+      <p:pic>
+        <p:nvPicPr>
+          <p:cNvPr id="18" name="Picture 17">
+            <a:extLst>
+              <a:ext uri="{FF2B5EF4-FFF2-40B4-BE49-F238E27FC236}">
+                <a16:creationId xmlns:a16="http://schemas.microsoft.com/office/drawing/2014/main" id="{C04697FD-CF7C-A38E-CFC7-FB2A83A4AC38}"/>
+              </a:ext>
+            </a:extLst>
+          </p:cNvPr>
+          <p:cNvPicPr>
+            <a:picLocks noChangeAspect="1"/>
+          </p:cNvPicPr>
+          <p:nvPr/>
+        </p:nvPicPr>
+        <p:blipFill>
+          <a:blip r:embed="rId7"/>
+          <a:stretch>
+            <a:fillRect/>
+          </a:stretch>
+        </p:blipFill>
+        <p:spPr>
+          <a:xfrm>
+            <a:off x="4443525" y="859190"/>
+            <a:ext cx="3619499" cy="5867399"/>
+          </a:xfrm>
+          <a:prstGeom prst="rect">
+            <a:avLst/>
+          </a:prstGeom>
+        </p:spPr>
+      </p:pic>
     </p:spTree>
     <p:extLst>
       <p:ext uri="{BB962C8B-B14F-4D97-AF65-F5344CB8AC3E}">
-        <p14:creationId xmlns:p14="http://schemas.microsoft.com/office/powerpoint/2010/main" val="73108565"/>
+        <p14:creationId xmlns:p14="http://schemas.microsoft.com/office/powerpoint/2010/main" val="1325938506"/>
       </p:ext>
     </p:extLst>
   </p:cSld>
   <p:clrMapOvr>
     <a:masterClrMapping/>
   </p:clrMapOvr>
+  <p:timing>
+    <p:tnLst>
+      <p:par>
+        <p:cTn id="1" dur="indefinite" restart="never" nodeType="tmRoot">
+          <p:childTnLst>
+            <p:seq concurrent="1" nextAc="seek">
+              <p:cTn id="2" dur="indefinite" nodeType="mainSeq">
+                <p:childTnLst>
+                  <p:par>
+                    <p:cTn id="3" fill="hold">
+                      <p:stCondLst>
+                        <p:cond delay="indefinite"/>
+                      </p:stCondLst>
+                      <p:childTnLst>
+                        <p:par>
+                          <p:cTn id="4" fill="hold">
+                            <p:stCondLst>
+                              <p:cond delay="0"/>
+                            </p:stCondLst>
+                            <p:childTnLst>
+                              <p:par>
+                                <p:cTn id="5" presetID="1" presetClass="entr" presetSubtype="0" fill="hold" nodeType="clickEffect">
+                                  <p:stCondLst>
+                                    <p:cond delay="0"/>
+                                  </p:stCondLst>
+                                  <p:childTnLst>
+                                    <p:set>
+                                      <p:cBhvr>
+                                        <p:cTn id="6" dur="1" fill="hold">
+                                          <p:stCondLst>
+                                            <p:cond delay="0"/>
+                                          </p:stCondLst>
+                                        </p:cTn>
+                                        <p:tgtEl>
+                                          <p:spTgt spid="5"/>
+                                        </p:tgtEl>
+                                        <p:attrNameLst>
+                                          <p:attrName>style.visibility</p:attrName>
+                                        </p:attrNameLst>
+                                      </p:cBhvr>
+                                      <p:to>
+                                        <p:strVal val="visible"/>
+                                      </p:to>
+                                    </p:set>
+                                  </p:childTnLst>
+                                </p:cTn>
+                              </p:par>
+                              <p:par>
+                                <p:cTn id="7" presetID="1" presetClass="entr" presetSubtype="0" fill="hold" grpId="0" nodeType="withEffect">
+                                  <p:stCondLst>
+                                    <p:cond delay="0"/>
+                                  </p:stCondLst>
+                                  <p:childTnLst>
+                                    <p:set>
+                                      <p:cBhvr>
+                                        <p:cTn id="8" dur="1" fill="hold">
+                                          <p:stCondLst>
+                                            <p:cond delay="0"/>
+                                          </p:stCondLst>
+                                        </p:cTn>
+                                        <p:tgtEl>
+                                          <p:spTgt spid="3">
+                                            <p:txEl>
+                                              <p:pRg st="0" end="0"/>
+                                            </p:txEl>
+                                          </p:spTgt>
+                                        </p:tgtEl>
+                                        <p:attrNameLst>
+                                          <p:attrName>style.visibility</p:attrName>
+                                        </p:attrNameLst>
+                                      </p:cBhvr>
+                                      <p:to>
+                                        <p:strVal val="visible"/>
+                                      </p:to>
+                                    </p:set>
+                                  </p:childTnLst>
+                                </p:cTn>
+                              </p:par>
+                            </p:childTnLst>
+                          </p:cTn>
+                        </p:par>
+                      </p:childTnLst>
+                    </p:cTn>
+                  </p:par>
+                  <p:par>
+                    <p:cTn id="9" fill="hold">
+                      <p:stCondLst>
+                        <p:cond delay="indefinite"/>
+                      </p:stCondLst>
+                      <p:childTnLst>
+                        <p:par>
+                          <p:cTn id="10" fill="hold">
+                            <p:stCondLst>
+                              <p:cond delay="0"/>
+                            </p:stCondLst>
+                            <p:childTnLst>
+                              <p:par>
+                                <p:cTn id="11" presetID="1" presetClass="exit" presetSubtype="0" fill="hold" nodeType="clickEffect">
+                                  <p:stCondLst>
+                                    <p:cond delay="0"/>
+                                  </p:stCondLst>
+                                  <p:childTnLst>
+                                    <p:set>
+                                      <p:cBhvr>
+                                        <p:cTn id="12" dur="1" fill="hold">
+                                          <p:stCondLst>
+                                            <p:cond delay="0"/>
+                                          </p:stCondLst>
+                                        </p:cTn>
+                                        <p:tgtEl>
+                                          <p:spTgt spid="5"/>
+                                        </p:tgtEl>
+                                        <p:attrNameLst>
+                                          <p:attrName>style.visibility</p:attrName>
+                                        </p:attrNameLst>
+                                      </p:cBhvr>
+                                      <p:to>
+                                        <p:strVal val="hidden"/>
+                                      </p:to>
+                                    </p:set>
+                                  </p:childTnLst>
+                                </p:cTn>
+                              </p:par>
+                            </p:childTnLst>
+                          </p:cTn>
+                        </p:par>
+                      </p:childTnLst>
+                    </p:cTn>
+                  </p:par>
+                  <p:par>
+                    <p:cTn id="13" fill="hold">
+                      <p:stCondLst>
+                        <p:cond delay="indefinite"/>
+                      </p:stCondLst>
+                      <p:childTnLst>
+                        <p:par>
+                          <p:cTn id="14" fill="hold">
+                            <p:stCondLst>
+                              <p:cond delay="0"/>
+                            </p:stCondLst>
+                            <p:childTnLst>
+                              <p:par>
+                                <p:cTn id="15" presetID="1" presetClass="entr" presetSubtype="0" fill="hold" grpId="0" nodeType="clickEffect">
+                                  <p:stCondLst>
+                                    <p:cond delay="0"/>
+                                  </p:stCondLst>
+                                  <p:childTnLst>
+                                    <p:set>
+                                      <p:cBhvr>
+                                        <p:cTn id="16" dur="1" fill="hold">
+                                          <p:stCondLst>
+                                            <p:cond delay="0"/>
+                                          </p:stCondLst>
+                                        </p:cTn>
+                                        <p:tgtEl>
+                                          <p:spTgt spid="14"/>
+                                        </p:tgtEl>
+                                        <p:attrNameLst>
+                                          <p:attrName>style.visibility</p:attrName>
+                                        </p:attrNameLst>
+                                      </p:cBhvr>
+                                      <p:to>
+                                        <p:strVal val="visible"/>
+                                      </p:to>
+                                    </p:set>
+                                  </p:childTnLst>
+                                </p:cTn>
+                              </p:par>
+                              <p:par>
+                                <p:cTn id="17" presetID="1" presetClass="entr" presetSubtype="0" fill="hold" nodeType="withEffect">
+                                  <p:stCondLst>
+                                    <p:cond delay="0"/>
+                                  </p:stCondLst>
+                                  <p:childTnLst>
+                                    <p:set>
+                                      <p:cBhvr>
+                                        <p:cTn id="18" dur="1" fill="hold">
+                                          <p:stCondLst>
+                                            <p:cond delay="0"/>
+                                          </p:stCondLst>
+                                        </p:cTn>
+                                        <p:tgtEl>
+                                          <p:spTgt spid="8"/>
+                                        </p:tgtEl>
+                                        <p:attrNameLst>
+                                          <p:attrName>style.visibility</p:attrName>
+                                        </p:attrNameLst>
+                                      </p:cBhvr>
+                                      <p:to>
+                                        <p:strVal val="visible"/>
+                                      </p:to>
+                                    </p:set>
+                                  </p:childTnLst>
+                                </p:cTn>
+                              </p:par>
+                            </p:childTnLst>
+                          </p:cTn>
+                        </p:par>
+                      </p:childTnLst>
+                    </p:cTn>
+                  </p:par>
+                  <p:par>
+                    <p:cTn id="19" fill="hold">
+                      <p:stCondLst>
+                        <p:cond delay="indefinite"/>
+                      </p:stCondLst>
+                      <p:childTnLst>
+                        <p:par>
+                          <p:cTn id="20" fill="hold">
+                            <p:stCondLst>
+                              <p:cond delay="0"/>
+                            </p:stCondLst>
+                            <p:childTnLst>
+                              <p:par>
+                                <p:cTn id="21" presetID="1" presetClass="exit" presetSubtype="0" fill="hold" nodeType="clickEffect">
+                                  <p:stCondLst>
+                                    <p:cond delay="0"/>
+                                  </p:stCondLst>
+                                  <p:childTnLst>
+                                    <p:set>
+                                      <p:cBhvr>
+                                        <p:cTn id="22" dur="1" fill="hold">
+                                          <p:stCondLst>
+                                            <p:cond delay="0"/>
+                                          </p:stCondLst>
+                                        </p:cTn>
+                                        <p:tgtEl>
+                                          <p:spTgt spid="8"/>
+                                        </p:tgtEl>
+                                        <p:attrNameLst>
+                                          <p:attrName>style.visibility</p:attrName>
+                                        </p:attrNameLst>
+                                      </p:cBhvr>
+                                      <p:to>
+                                        <p:strVal val="hidden"/>
+                                      </p:to>
+                                    </p:set>
+                                  </p:childTnLst>
+                                </p:cTn>
+                              </p:par>
+                            </p:childTnLst>
+                          </p:cTn>
+                        </p:par>
+                      </p:childTnLst>
+                    </p:cTn>
+                  </p:par>
+                  <p:par>
+                    <p:cTn id="23" fill="hold">
+                      <p:stCondLst>
+                        <p:cond delay="indefinite"/>
+                      </p:stCondLst>
+                      <p:childTnLst>
+                        <p:par>
+                          <p:cTn id="24" fill="hold">
+                            <p:stCondLst>
+                              <p:cond delay="0"/>
+                            </p:stCondLst>
+                            <p:childTnLst>
+                              <p:par>
+                                <p:cTn id="25" presetID="1" presetClass="entr" presetSubtype="0" fill="hold" grpId="0" nodeType="clickEffect">
+                                  <p:stCondLst>
+                                    <p:cond delay="0"/>
+                                  </p:stCondLst>
+                                  <p:childTnLst>
+                                    <p:set>
+                                      <p:cBhvr>
+                                        <p:cTn id="26" dur="1" fill="hold">
+                                          <p:stCondLst>
+                                            <p:cond delay="0"/>
+                                          </p:stCondLst>
+                                        </p:cTn>
+                                        <p:tgtEl>
+                                          <p:spTgt spid="7"/>
+                                        </p:tgtEl>
+                                        <p:attrNameLst>
+                                          <p:attrName>style.visibility</p:attrName>
+                                        </p:attrNameLst>
+                                      </p:cBhvr>
+                                      <p:to>
+                                        <p:strVal val="visible"/>
+                                      </p:to>
+                                    </p:set>
+                                  </p:childTnLst>
+                                </p:cTn>
+                              </p:par>
+                              <p:par>
+                                <p:cTn id="27" presetID="1" presetClass="entr" presetSubtype="0" fill="hold" nodeType="withEffect">
+                                  <p:stCondLst>
+                                    <p:cond delay="0"/>
+                                  </p:stCondLst>
+                                  <p:childTnLst>
+                                    <p:set>
+                                      <p:cBhvr>
+                                        <p:cTn id="28" dur="1" fill="hold">
+                                          <p:stCondLst>
+                                            <p:cond delay="0"/>
+                                          </p:stCondLst>
+                                        </p:cTn>
+                                        <p:tgtEl>
+                                          <p:spTgt spid="6"/>
+                                        </p:tgtEl>
+                                        <p:attrNameLst>
+                                          <p:attrName>style.visibility</p:attrName>
+                                        </p:attrNameLst>
+                                      </p:cBhvr>
+                                      <p:to>
+                                        <p:strVal val="visible"/>
+                                      </p:to>
+                                    </p:set>
+                                  </p:childTnLst>
+                                </p:cTn>
+                              </p:par>
+                            </p:childTnLst>
+                          </p:cTn>
+                        </p:par>
+                      </p:childTnLst>
+                    </p:cTn>
+                  </p:par>
+                  <p:par>
+                    <p:cTn id="29" fill="hold">
+                      <p:stCondLst>
+                        <p:cond delay="indefinite"/>
+                      </p:stCondLst>
+                      <p:childTnLst>
+                        <p:par>
+                          <p:cTn id="30" fill="hold">
+                            <p:stCondLst>
+                              <p:cond delay="0"/>
+                            </p:stCondLst>
+                            <p:childTnLst>
+                              <p:par>
+                                <p:cTn id="31" presetID="1" presetClass="exit" presetSubtype="0" fill="hold" nodeType="clickEffect">
+                                  <p:stCondLst>
+                                    <p:cond delay="0"/>
+                                  </p:stCondLst>
+                                  <p:childTnLst>
+                                    <p:set>
+                                      <p:cBhvr>
+                                        <p:cTn id="32" dur="1" fill="hold">
+                                          <p:stCondLst>
+                                            <p:cond delay="0"/>
+                                          </p:stCondLst>
+                                        </p:cTn>
+                                        <p:tgtEl>
+                                          <p:spTgt spid="6"/>
+                                        </p:tgtEl>
+                                        <p:attrNameLst>
+                                          <p:attrName>style.visibility</p:attrName>
+                                        </p:attrNameLst>
+                                      </p:cBhvr>
+                                      <p:to>
+                                        <p:strVal val="hidden"/>
+                                      </p:to>
+                                    </p:set>
+                                  </p:childTnLst>
+                                </p:cTn>
+                              </p:par>
+                            </p:childTnLst>
+                          </p:cTn>
+                        </p:par>
+                      </p:childTnLst>
+                    </p:cTn>
+                  </p:par>
+                  <p:par>
+                    <p:cTn id="33" fill="hold">
+                      <p:stCondLst>
+                        <p:cond delay="indefinite"/>
+                      </p:stCondLst>
+                      <p:childTnLst>
+                        <p:par>
+                          <p:cTn id="34" fill="hold">
+                            <p:stCondLst>
+                              <p:cond delay="0"/>
+                            </p:stCondLst>
+                            <p:childTnLst>
+                              <p:par>
+                                <p:cTn id="35" presetID="1" presetClass="entr" presetSubtype="0" fill="hold" grpId="0" nodeType="clickEffect">
+                                  <p:stCondLst>
+                                    <p:cond delay="0"/>
+                                  </p:stCondLst>
+                                  <p:childTnLst>
+                                    <p:set>
+                                      <p:cBhvr>
+                                        <p:cTn id="36" dur="1" fill="hold">
+                                          <p:stCondLst>
+                                            <p:cond delay="0"/>
+                                          </p:stCondLst>
+                                        </p:cTn>
+                                        <p:tgtEl>
+                                          <p:spTgt spid="11"/>
+                                        </p:tgtEl>
+                                        <p:attrNameLst>
+                                          <p:attrName>style.visibility</p:attrName>
+                                        </p:attrNameLst>
+                                      </p:cBhvr>
+                                      <p:to>
+                                        <p:strVal val="visible"/>
+                                      </p:to>
+                                    </p:set>
+                                  </p:childTnLst>
+                                </p:cTn>
+                              </p:par>
+                              <p:par>
+                                <p:cTn id="37" presetID="1" presetClass="entr" presetSubtype="0" fill="hold" nodeType="withEffect">
+                                  <p:stCondLst>
+                                    <p:cond delay="0"/>
+                                  </p:stCondLst>
+                                  <p:childTnLst>
+                                    <p:set>
+                                      <p:cBhvr>
+                                        <p:cTn id="38" dur="1" fill="hold">
+                                          <p:stCondLst>
+                                            <p:cond delay="0"/>
+                                          </p:stCondLst>
+                                        </p:cTn>
+                                        <p:tgtEl>
+                                          <p:spTgt spid="13"/>
+                                        </p:tgtEl>
+                                        <p:attrNameLst>
+                                          <p:attrName>style.visibility</p:attrName>
+                                        </p:attrNameLst>
+                                      </p:cBhvr>
+                                      <p:to>
+                                        <p:strVal val="visible"/>
+                                      </p:to>
+                                    </p:set>
+                                  </p:childTnLst>
+                                </p:cTn>
+                              </p:par>
+                            </p:childTnLst>
+                          </p:cTn>
+                        </p:par>
+                      </p:childTnLst>
+                    </p:cTn>
+                  </p:par>
+                  <p:par>
+                    <p:cTn id="39" fill="hold">
+                      <p:stCondLst>
+                        <p:cond delay="indefinite"/>
+                      </p:stCondLst>
+                      <p:childTnLst>
+                        <p:par>
+                          <p:cTn id="40" fill="hold">
+                            <p:stCondLst>
+                              <p:cond delay="0"/>
+                            </p:stCondLst>
+                            <p:childTnLst>
+                              <p:par>
+                                <p:cTn id="41" presetID="1" presetClass="exit" presetSubtype="0" fill="hold" nodeType="clickEffect">
+                                  <p:stCondLst>
+                                    <p:cond delay="0"/>
+                                  </p:stCondLst>
+                                  <p:childTnLst>
+                                    <p:set>
+                                      <p:cBhvr>
+                                        <p:cTn id="42" dur="1" fill="hold">
+                                          <p:stCondLst>
+                                            <p:cond delay="0"/>
+                                          </p:stCondLst>
+                                        </p:cTn>
+                                        <p:tgtEl>
+                                          <p:spTgt spid="13"/>
+                                        </p:tgtEl>
+                                        <p:attrNameLst>
+                                          <p:attrName>style.visibility</p:attrName>
+                                        </p:attrNameLst>
+                                      </p:cBhvr>
+                                      <p:to>
+                                        <p:strVal val="hidden"/>
+                                      </p:to>
+                                    </p:set>
+                                  </p:childTnLst>
+                                </p:cTn>
+                              </p:par>
+                            </p:childTnLst>
+                          </p:cTn>
+                        </p:par>
+                      </p:childTnLst>
+                    </p:cTn>
+                  </p:par>
+                  <p:par>
+                    <p:cTn id="43" fill="hold">
+                      <p:stCondLst>
+                        <p:cond delay="indefinite"/>
+                      </p:stCondLst>
+                      <p:childTnLst>
+                        <p:par>
+                          <p:cTn id="44" fill="hold">
+                            <p:stCondLst>
+                              <p:cond delay="0"/>
+                            </p:stCondLst>
+                            <p:childTnLst>
+                              <p:par>
+                                <p:cTn id="45" presetID="1" presetClass="entr" presetSubtype="0" fill="hold" grpId="0" nodeType="clickEffect">
+                                  <p:stCondLst>
+                                    <p:cond delay="0"/>
+                                  </p:stCondLst>
+                                  <p:childTnLst>
+                                    <p:set>
+                                      <p:cBhvr>
+                                        <p:cTn id="46" dur="1" fill="hold">
+                                          <p:stCondLst>
+                                            <p:cond delay="0"/>
+                                          </p:stCondLst>
+                                        </p:cTn>
+                                        <p:tgtEl>
+                                          <p:spTgt spid="15"/>
+                                        </p:tgtEl>
+                                        <p:attrNameLst>
+                                          <p:attrName>style.visibility</p:attrName>
+                                        </p:attrNameLst>
+                                      </p:cBhvr>
+                                      <p:to>
+                                        <p:strVal val="visible"/>
+                                      </p:to>
+                                    </p:set>
+                                  </p:childTnLst>
+                                </p:cTn>
+                              </p:par>
+                              <p:par>
+                                <p:cTn id="47" presetID="1" presetClass="entr" presetSubtype="0" fill="hold" nodeType="withEffect">
+                                  <p:stCondLst>
+                                    <p:cond delay="0"/>
+                                  </p:stCondLst>
+                                  <p:childTnLst>
+                                    <p:set>
+                                      <p:cBhvr>
+                                        <p:cTn id="48" dur="1" fill="hold">
+                                          <p:stCondLst>
+                                            <p:cond delay="0"/>
+                                          </p:stCondLst>
+                                        </p:cTn>
+                                        <p:tgtEl>
+                                          <p:spTgt spid="18"/>
+                                        </p:tgtEl>
+                                        <p:attrNameLst>
+                                          <p:attrName>style.visibility</p:attrName>
+                                        </p:attrNameLst>
+                                      </p:cBhvr>
+                                      <p:to>
+                                        <p:strVal val="visible"/>
+                                      </p:to>
+                                    </p:set>
+                                  </p:childTnLst>
+                                </p:cTn>
+                              </p:par>
+                            </p:childTnLst>
+                          </p:cTn>
+                        </p:par>
+                      </p:childTnLst>
+                    </p:cTn>
+                  </p:par>
+                </p:childTnLst>
+              </p:cTn>
+              <p:prevCondLst>
+                <p:cond evt="onPrev" delay="0">
+                  <p:tgtEl>
+                    <p:sldTgt/>
+                  </p:tgtEl>
+                </p:cond>
+              </p:prevCondLst>
+              <p:nextCondLst>
+                <p:cond evt="onNext" delay="0">
+                  <p:tgtEl>
+                    <p:sldTgt/>
+                  </p:tgtEl>
+                </p:cond>
+              </p:nextCondLst>
+            </p:seq>
+          </p:childTnLst>
+        </p:cTn>
+      </p:par>
+    </p:tnLst>
+    <p:bldLst>
+      <p:bldP spid="3" grpId="0" build="p"/>
+      <p:bldP spid="14" grpId="0"/>
+      <p:bldP spid="7" grpId="0"/>
+      <p:bldP spid="11" grpId="0"/>
+      <p:bldP spid="15" grpId="0"/>
+    </p:bldLst>
+  </p:timing>
 </p:sld>
 </file>
 
@@ -4220,7 +5851,7 @@
           <p:cNvPr id="2" name="Title 1">
             <a:extLst>
               <a:ext uri="{FF2B5EF4-FFF2-40B4-BE49-F238E27FC236}">
-                <a16:creationId xmlns:a16="http://schemas.microsoft.com/office/drawing/2014/main" id="{AD0ED99B-9D9C-435B-8DE5-62F2AC911977}"/>
+                <a16:creationId xmlns:a16="http://schemas.microsoft.com/office/drawing/2014/main" id="{D6072387-9796-F01F-5C4F-3EB2B60F23DB}"/>
               </a:ext>
             </a:extLst>
           </p:cNvPr>
@@ -4237,69 +5868,269 @@
           <a:lstStyle/>
           <a:p>
             <a:r>
+              <a:rPr lang="en-US" dirty="0" err="1"/>
+              <a:t>Graphql</a:t>
+            </a:r>
+            <a:r>
               <a:rPr lang="en-US" dirty="0"/>
-              <a:t>Reference</a:t>
+              <a:t> Schema – Query</a:t>
             </a:r>
             <a:endParaRPr lang="en-ID" dirty="0"/>
           </a:p>
         </p:txBody>
       </p:sp>
-      <p:sp>
-        <p:nvSpPr>
-          <p:cNvPr id="3" name="Content Placeholder 2">
+      <p:pic>
+        <p:nvPicPr>
+          <p:cNvPr id="5" name="Content Placeholder 4">
             <a:extLst>
               <a:ext uri="{FF2B5EF4-FFF2-40B4-BE49-F238E27FC236}">
-                <a16:creationId xmlns:a16="http://schemas.microsoft.com/office/drawing/2014/main" id="{64EB7E42-3331-4070-BB87-E59E32A6D93C}"/>
+                <a16:creationId xmlns:a16="http://schemas.microsoft.com/office/drawing/2014/main" id="{22E2D9EB-4900-B499-DC04-208C9F5A5B9D}"/>
               </a:ext>
             </a:extLst>
           </p:cNvPr>
-          <p:cNvSpPr>
-            <a:spLocks noGrp="1"/>
-          </p:cNvSpPr>
+          <p:cNvPicPr>
+            <a:picLocks noGrp="1" noChangeAspect="1"/>
+          </p:cNvPicPr>
           <p:nvPr>
             <p:ph idx="1"/>
           </p:nvPr>
-        </p:nvSpPr>
-        <p:spPr/>
-        <p:txBody>
-          <a:bodyPr/>
-          <a:lstStyle/>
-          <a:p>
-            <a:r>
-              <a:rPr lang="en-ID">
-                <a:hlinkClick r:id="rId2"/>
-              </a:rPr>
-              <a:t>https</a:t>
-            </a:r>
-            <a:r>
-              <a:rPr lang="en-ID" dirty="0">
-                <a:hlinkClick r:id="rId2"/>
-              </a:rPr>
-              <a:t>://www.youtube.com/watch?v</a:t>
-            </a:r>
-            <a:r>
-              <a:rPr lang="en-ID">
-                <a:hlinkClick r:id="rId2"/>
-              </a:rPr>
-              <a:t>=I3NBPHA5coo</a:t>
-            </a:r>
-            <a:endParaRPr lang="en-ID"/>
-          </a:p>
-          <a:p>
-            <a:endParaRPr lang="en-ID" dirty="0"/>
-          </a:p>
-        </p:txBody>
-      </p:sp>
+        </p:nvPicPr>
+        <p:blipFill>
+          <a:blip r:embed="rId2"/>
+          <a:stretch>
+            <a:fillRect/>
+          </a:stretch>
+        </p:blipFill>
+        <p:spPr>
+          <a:xfrm>
+            <a:off x="809406" y="3605284"/>
+            <a:ext cx="3526288" cy="1611229"/>
+          </a:xfrm>
+          <a:prstGeom prst="rect">
+            <a:avLst/>
+          </a:prstGeom>
+          <a:solidFill>
+            <a:srgbClr val="FFFFFF">
+              <a:shade val="85000"/>
+            </a:srgbClr>
+          </a:solidFill>
+          <a:ln w="88900" cap="sq">
+            <a:solidFill>
+              <a:srgbClr val="FFFFFF"/>
+            </a:solidFill>
+            <a:miter lim="800000"/>
+          </a:ln>
+          <a:effectLst>
+            <a:outerShdw blurRad="55000" dist="18000" dir="5400000" algn="tl" rotWithShape="0">
+              <a:srgbClr val="000000">
+                <a:alpha val="40000"/>
+              </a:srgbClr>
+            </a:outerShdw>
+          </a:effectLst>
+          <a:scene3d>
+            <a:camera prst="orthographicFront"/>
+            <a:lightRig rig="twoPt" dir="t">
+              <a:rot lat="0" lon="0" rev="7200000"/>
+            </a:lightRig>
+          </a:scene3d>
+          <a:sp3d>
+            <a:bevelT w="25400" h="19050"/>
+            <a:contourClr>
+              <a:srgbClr val="FFFFFF"/>
+            </a:contourClr>
+          </a:sp3d>
+        </p:spPr>
+      </p:pic>
+      <p:pic>
+        <p:nvPicPr>
+          <p:cNvPr id="9" name="Picture 8">
+            <a:extLst>
+              <a:ext uri="{FF2B5EF4-FFF2-40B4-BE49-F238E27FC236}">
+                <a16:creationId xmlns:a16="http://schemas.microsoft.com/office/drawing/2014/main" id="{652F5713-C39E-8DAB-2CCC-069FC8D5554F}"/>
+              </a:ext>
+            </a:extLst>
+          </p:cNvPr>
+          <p:cNvPicPr>
+            <a:picLocks noChangeAspect="1"/>
+          </p:cNvPicPr>
+          <p:nvPr/>
+        </p:nvPicPr>
+        <p:blipFill>
+          <a:blip r:embed="rId3"/>
+          <a:stretch>
+            <a:fillRect/>
+          </a:stretch>
+        </p:blipFill>
+        <p:spPr>
+          <a:xfrm>
+            <a:off x="809406" y="1264865"/>
+            <a:ext cx="3526288" cy="1955837"/>
+          </a:xfrm>
+          <a:prstGeom prst="rect">
+            <a:avLst/>
+          </a:prstGeom>
+          <a:solidFill>
+            <a:srgbClr val="FFFFFF">
+              <a:shade val="85000"/>
+            </a:srgbClr>
+          </a:solidFill>
+          <a:ln w="88900" cap="sq">
+            <a:solidFill>
+              <a:srgbClr val="FFFFFF"/>
+            </a:solidFill>
+            <a:miter lim="800000"/>
+          </a:ln>
+          <a:effectLst>
+            <a:outerShdw blurRad="55000" dist="18000" dir="5400000" algn="tl" rotWithShape="0">
+              <a:srgbClr val="000000">
+                <a:alpha val="40000"/>
+              </a:srgbClr>
+            </a:outerShdw>
+          </a:effectLst>
+          <a:scene3d>
+            <a:camera prst="orthographicFront"/>
+            <a:lightRig rig="twoPt" dir="t">
+              <a:rot lat="0" lon="0" rev="7200000"/>
+            </a:lightRig>
+          </a:scene3d>
+          <a:sp3d>
+            <a:bevelT w="25400" h="19050"/>
+            <a:contourClr>
+              <a:srgbClr val="FFFFFF"/>
+            </a:contourClr>
+          </a:sp3d>
+        </p:spPr>
+      </p:pic>
     </p:spTree>
     <p:extLst>
       <p:ext uri="{BB962C8B-B14F-4D97-AF65-F5344CB8AC3E}">
-        <p14:creationId xmlns:p14="http://schemas.microsoft.com/office/powerpoint/2010/main" val="1757580933"/>
+        <p14:creationId xmlns:p14="http://schemas.microsoft.com/office/powerpoint/2010/main" val="3082451398"/>
       </p:ext>
     </p:extLst>
   </p:cSld>
   <p:clrMapOvr>
     <a:masterClrMapping/>
   </p:clrMapOvr>
+  <p:timing>
+    <p:tnLst>
+      <p:par>
+        <p:cTn id="1" dur="indefinite" restart="never" nodeType="tmRoot">
+          <p:childTnLst>
+            <p:seq concurrent="1" nextAc="seek">
+              <p:cTn id="2" dur="indefinite" nodeType="mainSeq">
+                <p:childTnLst>
+                  <p:par>
+                    <p:cTn id="3" fill="hold">
+                      <p:stCondLst>
+                        <p:cond delay="indefinite"/>
+                      </p:stCondLst>
+                      <p:childTnLst>
+                        <p:par>
+                          <p:cTn id="4" fill="hold">
+                            <p:stCondLst>
+                              <p:cond delay="0"/>
+                            </p:stCondLst>
+                            <p:childTnLst>
+                              <p:par>
+                                <p:cTn id="5" presetID="1" presetClass="entr" presetSubtype="0" fill="hold" nodeType="clickEffect">
+                                  <p:stCondLst>
+                                    <p:cond delay="0"/>
+                                  </p:stCondLst>
+                                  <p:childTnLst>
+                                    <p:set>
+                                      <p:cBhvr>
+                                        <p:cTn id="6" dur="1" fill="hold">
+                                          <p:stCondLst>
+                                            <p:cond delay="0"/>
+                                          </p:stCondLst>
+                                        </p:cTn>
+                                        <p:tgtEl>
+                                          <p:spTgt spid="9"/>
+                                        </p:tgtEl>
+                                        <p:attrNameLst>
+                                          <p:attrName>style.visibility</p:attrName>
+                                        </p:attrNameLst>
+                                      </p:cBhvr>
+                                      <p:to>
+                                        <p:strVal val="visible"/>
+                                      </p:to>
+                                    </p:set>
+                                  </p:childTnLst>
+                                </p:cTn>
+                              </p:par>
+                            </p:childTnLst>
+                          </p:cTn>
+                        </p:par>
+                      </p:childTnLst>
+                    </p:cTn>
+                  </p:par>
+                  <p:par>
+                    <p:cTn id="7" fill="hold">
+                      <p:stCondLst>
+                        <p:cond delay="indefinite"/>
+                      </p:stCondLst>
+                      <p:childTnLst>
+                        <p:par>
+                          <p:cTn id="8" fill="hold">
+                            <p:stCondLst>
+                              <p:cond delay="0"/>
+                            </p:stCondLst>
+                            <p:childTnLst>
+                              <p:par>
+                                <p:cTn id="9" presetID="1" presetClass="entr" presetSubtype="0" fill="hold" nodeType="clickEffect">
+                                  <p:stCondLst>
+                                    <p:cond delay="0"/>
+                                  </p:stCondLst>
+                                  <p:childTnLst>
+                                    <p:set>
+                                      <p:cBhvr>
+                                        <p:cTn id="10" dur="1" fill="hold">
+                                          <p:stCondLst>
+                                            <p:cond delay="0"/>
+                                          </p:stCondLst>
+                                        </p:cTn>
+                                        <p:tgtEl>
+                                          <p:spTgt spid="5"/>
+                                        </p:tgtEl>
+                                        <p:attrNameLst>
+                                          <p:attrName>style.visibility</p:attrName>
+                                        </p:attrNameLst>
+                                      </p:cBhvr>
+                                      <p:to>
+                                        <p:strVal val="visible"/>
+                                      </p:to>
+                                    </p:set>
+                                  </p:childTnLst>
+                                </p:cTn>
+                              </p:par>
+                            </p:childTnLst>
+                          </p:cTn>
+                        </p:par>
+                      </p:childTnLst>
+                    </p:cTn>
+                  </p:par>
+                </p:childTnLst>
+              </p:cTn>
+              <p:prevCondLst>
+                <p:cond evt="onPrev" delay="0">
+                  <p:tgtEl>
+                    <p:sldTgt/>
+                  </p:tgtEl>
+                </p:cond>
+              </p:prevCondLst>
+              <p:nextCondLst>
+                <p:cond evt="onNext" delay="0">
+                  <p:tgtEl>
+                    <p:sldTgt/>
+                  </p:tgtEl>
+                </p:cond>
+              </p:nextCondLst>
+            </p:seq>
+          </p:childTnLst>
+        </p:cTn>
+      </p:par>
+    </p:tnLst>
+  </p:timing>
 </p:sld>
 </file>
 
@@ -4322,54 +6153,2143 @@
       </p:grpSpPr>
       <p:sp>
         <p:nvSpPr>
-          <p:cNvPr id="4" name="TextBox 3">
+          <p:cNvPr id="2" name="Title 1">
             <a:extLst>
               <a:ext uri="{FF2B5EF4-FFF2-40B4-BE49-F238E27FC236}">
-                <a16:creationId xmlns:a16="http://schemas.microsoft.com/office/drawing/2014/main" id="{6A14F272-12E0-4BBD-BCC2-A5FDB1E49860}"/>
+                <a16:creationId xmlns:a16="http://schemas.microsoft.com/office/drawing/2014/main" id="{D6072387-9796-F01F-5C4F-3EB2B60F23DB}"/>
               </a:ext>
             </a:extLst>
           </p:cNvPr>
-          <p:cNvSpPr txBox="1"/>
+          <p:cNvSpPr>
+            <a:spLocks noGrp="1"/>
+          </p:cNvSpPr>
+          <p:nvPr>
+            <p:ph type="title"/>
+          </p:nvPr>
+        </p:nvSpPr>
+        <p:spPr/>
+        <p:txBody>
+          <a:bodyPr>
+            <a:normAutofit/>
+          </a:bodyPr>
+          <a:lstStyle/>
+          <a:p>
+            <a:r>
+              <a:rPr lang="en-US" dirty="0" err="1"/>
+              <a:t>Graphql</a:t>
+            </a:r>
+            <a:r>
+              <a:rPr lang="en-US" dirty="0"/>
+              <a:t> Schema – Mutations</a:t>
+            </a:r>
+            <a:endParaRPr lang="en-ID" dirty="0"/>
+          </a:p>
+        </p:txBody>
+      </p:sp>
+      <p:sp>
+        <p:nvSpPr>
+          <p:cNvPr id="9" name="Content Placeholder 8">
+            <a:extLst>
+              <a:ext uri="{FF2B5EF4-FFF2-40B4-BE49-F238E27FC236}">
+                <a16:creationId xmlns:a16="http://schemas.microsoft.com/office/drawing/2014/main" id="{E4F34CA5-8423-C8D3-9EEA-8F7E1E0F3822}"/>
+              </a:ext>
+            </a:extLst>
+          </p:cNvPr>
+          <p:cNvSpPr>
+            <a:spLocks noGrp="1"/>
+          </p:cNvSpPr>
+          <p:nvPr>
+            <p:ph idx="1"/>
+          </p:nvPr>
+        </p:nvSpPr>
+        <p:spPr/>
+        <p:txBody>
+          <a:bodyPr/>
+          <a:lstStyle/>
+          <a:p>
+            <a:endParaRPr lang="en-US" dirty="0"/>
+          </a:p>
+        </p:txBody>
+      </p:sp>
+      <p:pic>
+        <p:nvPicPr>
+          <p:cNvPr id="11" name="Picture 10">
+            <a:extLst>
+              <a:ext uri="{FF2B5EF4-FFF2-40B4-BE49-F238E27FC236}">
+                <a16:creationId xmlns:a16="http://schemas.microsoft.com/office/drawing/2014/main" id="{76462B6C-08B3-BF74-90FD-CC9BE70F846E}"/>
+              </a:ext>
+            </a:extLst>
+          </p:cNvPr>
+          <p:cNvPicPr>
+            <a:picLocks noChangeAspect="1"/>
+          </p:cNvPicPr>
           <p:nvPr/>
-        </p:nvSpPr>
+        </p:nvPicPr>
+        <p:blipFill>
+          <a:blip r:embed="rId2"/>
+          <a:stretch>
+            <a:fillRect/>
+          </a:stretch>
+        </p:blipFill>
         <p:spPr>
           <a:xfrm>
-            <a:off x="3106993" y="3075057"/>
-            <a:ext cx="2682145" cy="707886"/>
+            <a:off x="559942" y="1082111"/>
+            <a:ext cx="4544059" cy="1981477"/>
           </a:xfrm>
           <a:prstGeom prst="rect">
             <a:avLst/>
           </a:prstGeom>
-          <a:noFill/>
+          <a:solidFill>
+            <a:srgbClr val="FFFFFF">
+              <a:shade val="85000"/>
+            </a:srgbClr>
+          </a:solidFill>
+          <a:ln w="88900" cap="sq">
+            <a:solidFill>
+              <a:srgbClr val="FFFFFF"/>
+            </a:solidFill>
+            <a:miter lim="800000"/>
+          </a:ln>
+          <a:effectLst>
+            <a:outerShdw blurRad="55000" dist="18000" dir="5400000" algn="tl" rotWithShape="0">
+              <a:srgbClr val="000000">
+                <a:alpha val="40000"/>
+              </a:srgbClr>
+            </a:outerShdw>
+          </a:effectLst>
+          <a:scene3d>
+            <a:camera prst="orthographicFront"/>
+            <a:lightRig rig="twoPt" dir="t">
+              <a:rot lat="0" lon="0" rev="7200000"/>
+            </a:lightRig>
+          </a:scene3d>
+          <a:sp3d>
+            <a:bevelT w="25400" h="19050"/>
+            <a:contourClr>
+              <a:srgbClr val="FFFFFF"/>
+            </a:contourClr>
+          </a:sp3d>
         </p:spPr>
-        <p:txBody>
-          <a:bodyPr wrap="none" rtlCol="0">
-            <a:spAutoFit/>
-          </a:bodyPr>
-          <a:lstStyle/>
-          <a:p>
-            <a:r>
-              <a:rPr lang="en-US" sz="4000" dirty="0">
-                <a:solidFill>
-                  <a:schemeClr val="bg1"/>
-                </a:solidFill>
-                <a:latin typeface="+mj-lt"/>
-              </a:rPr>
-              <a:t>THANK YOU</a:t>
-            </a:r>
-            <a:endParaRPr lang="en-ID" sz="4000" dirty="0">
-              <a:solidFill>
-                <a:schemeClr val="bg1"/>
-              </a:solidFill>
-              <a:latin typeface="+mj-lt"/>
-            </a:endParaRPr>
-          </a:p>
-        </p:txBody>
-      </p:sp>
+      </p:pic>
+      <p:pic>
+        <p:nvPicPr>
+          <p:cNvPr id="13" name="Picture 12">
+            <a:extLst>
+              <a:ext uri="{FF2B5EF4-FFF2-40B4-BE49-F238E27FC236}">
+                <a16:creationId xmlns:a16="http://schemas.microsoft.com/office/drawing/2014/main" id="{6BF8699F-CAAE-3221-73E6-BBF2DC47F287}"/>
+              </a:ext>
+            </a:extLst>
+          </p:cNvPr>
+          <p:cNvPicPr>
+            <a:picLocks noChangeAspect="1"/>
+          </p:cNvPicPr>
+          <p:nvPr/>
+        </p:nvPicPr>
+        <p:blipFill>
+          <a:blip r:embed="rId3"/>
+          <a:stretch>
+            <a:fillRect/>
+          </a:stretch>
+        </p:blipFill>
+        <p:spPr>
+          <a:xfrm>
+            <a:off x="559942" y="3429000"/>
+            <a:ext cx="4447965" cy="2529951"/>
+          </a:xfrm>
+          <a:prstGeom prst="rect">
+            <a:avLst/>
+          </a:prstGeom>
+          <a:solidFill>
+            <a:srgbClr val="FFFFFF">
+              <a:shade val="85000"/>
+            </a:srgbClr>
+          </a:solidFill>
+          <a:ln w="88900" cap="sq">
+            <a:solidFill>
+              <a:srgbClr val="FFFFFF"/>
+            </a:solidFill>
+            <a:miter lim="800000"/>
+          </a:ln>
+          <a:effectLst>
+            <a:outerShdw blurRad="55000" dist="18000" dir="5400000" algn="tl" rotWithShape="0">
+              <a:srgbClr val="000000">
+                <a:alpha val="40000"/>
+              </a:srgbClr>
+            </a:outerShdw>
+          </a:effectLst>
+          <a:scene3d>
+            <a:camera prst="orthographicFront"/>
+            <a:lightRig rig="twoPt" dir="t">
+              <a:rot lat="0" lon="0" rev="7200000"/>
+            </a:lightRig>
+          </a:scene3d>
+          <a:sp3d>
+            <a:bevelT w="25400" h="19050"/>
+            <a:contourClr>
+              <a:srgbClr val="FFFFFF"/>
+            </a:contourClr>
+          </a:sp3d>
+        </p:spPr>
+      </p:pic>
     </p:spTree>
     <p:extLst>
       <p:ext uri="{BB962C8B-B14F-4D97-AF65-F5344CB8AC3E}">
-        <p14:creationId xmlns:p14="http://schemas.microsoft.com/office/powerpoint/2010/main" val="3010276915"/>
+        <p14:creationId xmlns:p14="http://schemas.microsoft.com/office/powerpoint/2010/main" val="1442432811"/>
+      </p:ext>
+    </p:extLst>
+  </p:cSld>
+  <p:clrMapOvr>
+    <a:masterClrMapping/>
+  </p:clrMapOvr>
+  <p:timing>
+    <p:tnLst>
+      <p:par>
+        <p:cTn id="1" dur="indefinite" restart="never" nodeType="tmRoot">
+          <p:childTnLst>
+            <p:seq concurrent="1" nextAc="seek">
+              <p:cTn id="2" dur="indefinite" nodeType="mainSeq">
+                <p:childTnLst>
+                  <p:par>
+                    <p:cTn id="3" fill="hold">
+                      <p:stCondLst>
+                        <p:cond delay="indefinite"/>
+                      </p:stCondLst>
+                      <p:childTnLst>
+                        <p:par>
+                          <p:cTn id="4" fill="hold">
+                            <p:stCondLst>
+                              <p:cond delay="0"/>
+                            </p:stCondLst>
+                            <p:childTnLst>
+                              <p:par>
+                                <p:cTn id="5" presetID="1" presetClass="entr" presetSubtype="0" fill="hold" nodeType="clickEffect">
+                                  <p:stCondLst>
+                                    <p:cond delay="0"/>
+                                  </p:stCondLst>
+                                  <p:childTnLst>
+                                    <p:set>
+                                      <p:cBhvr>
+                                        <p:cTn id="6" dur="1" fill="hold">
+                                          <p:stCondLst>
+                                            <p:cond delay="0"/>
+                                          </p:stCondLst>
+                                        </p:cTn>
+                                        <p:tgtEl>
+                                          <p:spTgt spid="11"/>
+                                        </p:tgtEl>
+                                        <p:attrNameLst>
+                                          <p:attrName>style.visibility</p:attrName>
+                                        </p:attrNameLst>
+                                      </p:cBhvr>
+                                      <p:to>
+                                        <p:strVal val="visible"/>
+                                      </p:to>
+                                    </p:set>
+                                  </p:childTnLst>
+                                </p:cTn>
+                              </p:par>
+                            </p:childTnLst>
+                          </p:cTn>
+                        </p:par>
+                      </p:childTnLst>
+                    </p:cTn>
+                  </p:par>
+                  <p:par>
+                    <p:cTn id="7" fill="hold">
+                      <p:stCondLst>
+                        <p:cond delay="indefinite"/>
+                      </p:stCondLst>
+                      <p:childTnLst>
+                        <p:par>
+                          <p:cTn id="8" fill="hold">
+                            <p:stCondLst>
+                              <p:cond delay="0"/>
+                            </p:stCondLst>
+                            <p:childTnLst>
+                              <p:par>
+                                <p:cTn id="9" presetID="1" presetClass="entr" presetSubtype="0" fill="hold" nodeType="clickEffect">
+                                  <p:stCondLst>
+                                    <p:cond delay="0"/>
+                                  </p:stCondLst>
+                                  <p:childTnLst>
+                                    <p:set>
+                                      <p:cBhvr>
+                                        <p:cTn id="10" dur="1" fill="hold">
+                                          <p:stCondLst>
+                                            <p:cond delay="0"/>
+                                          </p:stCondLst>
+                                        </p:cTn>
+                                        <p:tgtEl>
+                                          <p:spTgt spid="13"/>
+                                        </p:tgtEl>
+                                        <p:attrNameLst>
+                                          <p:attrName>style.visibility</p:attrName>
+                                        </p:attrNameLst>
+                                      </p:cBhvr>
+                                      <p:to>
+                                        <p:strVal val="visible"/>
+                                      </p:to>
+                                    </p:set>
+                                  </p:childTnLst>
+                                </p:cTn>
+                              </p:par>
+                            </p:childTnLst>
+                          </p:cTn>
+                        </p:par>
+                      </p:childTnLst>
+                    </p:cTn>
+                  </p:par>
+                </p:childTnLst>
+              </p:cTn>
+              <p:prevCondLst>
+                <p:cond evt="onPrev" delay="0">
+                  <p:tgtEl>
+                    <p:sldTgt/>
+                  </p:tgtEl>
+                </p:cond>
+              </p:prevCondLst>
+              <p:nextCondLst>
+                <p:cond evt="onNext" delay="0">
+                  <p:tgtEl>
+                    <p:sldTgt/>
+                  </p:tgtEl>
+                </p:cond>
+              </p:nextCondLst>
+            </p:seq>
+          </p:childTnLst>
+        </p:cTn>
+      </p:par>
+    </p:tnLst>
+  </p:timing>
+</p:sld>
+</file>
+
+<file path=ppt/slides/slide13.xml><?xml version="1.0" encoding="utf-8"?>
+<p:sld xmlns:a="http://schemas.openxmlformats.org/drawingml/2006/main" xmlns:r="http://schemas.openxmlformats.org/officeDocument/2006/relationships" xmlns:p="http://schemas.openxmlformats.org/presentationml/2006/main">
+  <p:cSld>
+    <p:spTree>
+      <p:nvGrpSpPr>
+        <p:cNvPr id="1" name=""/>
+        <p:cNvGrpSpPr/>
+        <p:nvPr/>
+      </p:nvGrpSpPr>
+      <p:grpSpPr>
+        <a:xfrm>
+          <a:off x="0" y="0"/>
+          <a:ext cx="0" cy="0"/>
+          <a:chOff x="0" y="0"/>
+          <a:chExt cx="0" cy="0"/>
+        </a:xfrm>
+      </p:grpSpPr>
+      <p:sp>
+        <p:nvSpPr>
+          <p:cNvPr id="2" name="Title 1">
+            <a:extLst>
+              <a:ext uri="{FF2B5EF4-FFF2-40B4-BE49-F238E27FC236}">
+                <a16:creationId xmlns:a16="http://schemas.microsoft.com/office/drawing/2014/main" id="{D6072387-9796-F01F-5C4F-3EB2B60F23DB}"/>
+              </a:ext>
+            </a:extLst>
+          </p:cNvPr>
+          <p:cNvSpPr>
+            <a:spLocks noGrp="1"/>
+          </p:cNvSpPr>
+          <p:nvPr>
+            <p:ph type="title"/>
+          </p:nvPr>
+        </p:nvSpPr>
+        <p:spPr/>
+        <p:txBody>
+          <a:bodyPr>
+            <a:normAutofit/>
+          </a:bodyPr>
+          <a:lstStyle/>
+          <a:p>
+            <a:r>
+              <a:rPr lang="en-US" dirty="0" err="1"/>
+              <a:t>Graphql</a:t>
+            </a:r>
+            <a:r>
+              <a:rPr lang="en-US" dirty="0"/>
+              <a:t> Schema – Subscriptions</a:t>
+            </a:r>
+            <a:endParaRPr lang="en-ID" dirty="0"/>
+          </a:p>
+        </p:txBody>
+      </p:sp>
+      <p:sp>
+        <p:nvSpPr>
+          <p:cNvPr id="9" name="Content Placeholder 8">
+            <a:extLst>
+              <a:ext uri="{FF2B5EF4-FFF2-40B4-BE49-F238E27FC236}">
+                <a16:creationId xmlns:a16="http://schemas.microsoft.com/office/drawing/2014/main" id="{E4F34CA5-8423-C8D3-9EEA-8F7E1E0F3822}"/>
+              </a:ext>
+            </a:extLst>
+          </p:cNvPr>
+          <p:cNvSpPr>
+            <a:spLocks noGrp="1"/>
+          </p:cNvSpPr>
+          <p:nvPr>
+            <p:ph idx="1"/>
+          </p:nvPr>
+        </p:nvSpPr>
+        <p:spPr/>
+        <p:txBody>
+          <a:bodyPr/>
+          <a:lstStyle/>
+          <a:p>
+            <a:endParaRPr lang="en-US" dirty="0"/>
+          </a:p>
+        </p:txBody>
+      </p:sp>
+      <p:pic>
+        <p:nvPicPr>
+          <p:cNvPr id="4" name="Picture 3">
+            <a:extLst>
+              <a:ext uri="{FF2B5EF4-FFF2-40B4-BE49-F238E27FC236}">
+                <a16:creationId xmlns:a16="http://schemas.microsoft.com/office/drawing/2014/main" id="{83CF8751-147C-8D07-863F-9B82A6FD07A5}"/>
+              </a:ext>
+            </a:extLst>
+          </p:cNvPr>
+          <p:cNvPicPr>
+            <a:picLocks noChangeAspect="1"/>
+          </p:cNvPicPr>
+          <p:nvPr/>
+        </p:nvPicPr>
+        <p:blipFill>
+          <a:blip r:embed="rId2"/>
+          <a:stretch>
+            <a:fillRect/>
+          </a:stretch>
+        </p:blipFill>
+        <p:spPr>
+          <a:xfrm>
+            <a:off x="457200" y="990600"/>
+            <a:ext cx="5744196" cy="1639584"/>
+          </a:xfrm>
+          <a:prstGeom prst="rect">
+            <a:avLst/>
+          </a:prstGeom>
+        </p:spPr>
+      </p:pic>
+    </p:spTree>
+    <p:extLst>
+      <p:ext uri="{BB962C8B-B14F-4D97-AF65-F5344CB8AC3E}">
+        <p14:creationId xmlns:p14="http://schemas.microsoft.com/office/powerpoint/2010/main" val="4291018830"/>
+      </p:ext>
+    </p:extLst>
+  </p:cSld>
+  <p:clrMapOvr>
+    <a:masterClrMapping/>
+  </p:clrMapOvr>
+</p:sld>
+</file>
+
+<file path=ppt/slides/slide14.xml><?xml version="1.0" encoding="utf-8"?>
+<p:sld xmlns:a="http://schemas.openxmlformats.org/drawingml/2006/main" xmlns:r="http://schemas.openxmlformats.org/officeDocument/2006/relationships" xmlns:p="http://schemas.openxmlformats.org/presentationml/2006/main">
+  <p:cSld>
+    <p:spTree>
+      <p:nvGrpSpPr>
+        <p:cNvPr id="1" name=""/>
+        <p:cNvGrpSpPr/>
+        <p:nvPr/>
+      </p:nvGrpSpPr>
+      <p:grpSpPr>
+        <a:xfrm>
+          <a:off x="0" y="0"/>
+          <a:ext cx="0" cy="0"/>
+          <a:chOff x="0" y="0"/>
+          <a:chExt cx="0" cy="0"/>
+        </a:xfrm>
+      </p:grpSpPr>
+      <p:sp>
+        <p:nvSpPr>
+          <p:cNvPr id="2" name="Title 1">
+            <a:extLst>
+              <a:ext uri="{FF2B5EF4-FFF2-40B4-BE49-F238E27FC236}">
+                <a16:creationId xmlns:a16="http://schemas.microsoft.com/office/drawing/2014/main" id="{15660B86-8C34-438D-B2B2-78CBD0366EF9}"/>
+              </a:ext>
+            </a:extLst>
+          </p:cNvPr>
+          <p:cNvSpPr>
+            <a:spLocks noGrp="1"/>
+          </p:cNvSpPr>
+          <p:nvPr>
+            <p:ph type="title"/>
+          </p:nvPr>
+        </p:nvSpPr>
+        <p:spPr/>
+        <p:txBody>
+          <a:bodyPr/>
+          <a:lstStyle/>
+          <a:p>
+            <a:r>
+              <a:rPr lang="en-US" dirty="0" err="1"/>
+              <a:t>Graphql</a:t>
+            </a:r>
+            <a:r>
+              <a:rPr lang="en-US" dirty="0"/>
+              <a:t> Query</a:t>
+            </a:r>
+          </a:p>
+        </p:txBody>
+      </p:sp>
+      <p:sp>
+        <p:nvSpPr>
+          <p:cNvPr id="3" name="Content Placeholder 2">
+            <a:extLst>
+              <a:ext uri="{FF2B5EF4-FFF2-40B4-BE49-F238E27FC236}">
+                <a16:creationId xmlns:a16="http://schemas.microsoft.com/office/drawing/2014/main" id="{2CC3A6D3-C65D-41BF-A728-0AD416FA66D1}"/>
+              </a:ext>
+            </a:extLst>
+          </p:cNvPr>
+          <p:cNvSpPr>
+            <a:spLocks noGrp="1"/>
+          </p:cNvSpPr>
+          <p:nvPr>
+            <p:ph idx="1"/>
+          </p:nvPr>
+        </p:nvSpPr>
+        <p:spPr>
+          <a:xfrm>
+            <a:off x="457199" y="982133"/>
+            <a:ext cx="8314267" cy="3692609"/>
+          </a:xfrm>
+        </p:spPr>
+        <p:txBody>
+          <a:bodyPr/>
+          <a:lstStyle/>
+          <a:p>
+            <a:pPr marL="0" indent="0">
+              <a:buNone/>
+            </a:pPr>
+            <a:r>
+              <a:rPr lang="en-US" dirty="0" err="1"/>
+              <a:t>Graphql</a:t>
+            </a:r>
+            <a:r>
+              <a:rPr lang="en-US" dirty="0"/>
+              <a:t> has 3 root types</a:t>
+            </a:r>
+          </a:p>
+          <a:p>
+            <a:r>
+              <a:rPr lang="en-US" dirty="0"/>
+              <a:t>Query</a:t>
+            </a:r>
+          </a:p>
+          <a:p>
+            <a:r>
+              <a:rPr lang="en-US" dirty="0"/>
+              <a:t>Mutation</a:t>
+            </a:r>
+          </a:p>
+          <a:p>
+            <a:r>
+              <a:rPr lang="en-US" dirty="0"/>
+              <a:t>Subscription</a:t>
+            </a:r>
+          </a:p>
+          <a:p>
+            <a:pPr marL="0" indent="0">
+              <a:buNone/>
+            </a:pPr>
+            <a:endParaRPr lang="en-US" dirty="0"/>
+          </a:p>
+          <a:p>
+            <a:pPr marL="0" indent="0">
+              <a:buNone/>
+            </a:pPr>
+            <a:endParaRPr lang="en-US" dirty="0"/>
+          </a:p>
+        </p:txBody>
+      </p:sp>
+    </p:spTree>
+    <p:extLst>
+      <p:ext uri="{BB962C8B-B14F-4D97-AF65-F5344CB8AC3E}">
+        <p14:creationId xmlns:p14="http://schemas.microsoft.com/office/powerpoint/2010/main" val="1757175516"/>
+      </p:ext>
+    </p:extLst>
+  </p:cSld>
+  <p:clrMapOvr>
+    <a:masterClrMapping/>
+  </p:clrMapOvr>
+</p:sld>
+</file>
+
+<file path=ppt/slides/slide15.xml><?xml version="1.0" encoding="utf-8"?>
+<p:sld xmlns:a="http://schemas.openxmlformats.org/drawingml/2006/main" xmlns:r="http://schemas.openxmlformats.org/officeDocument/2006/relationships" xmlns:p="http://schemas.openxmlformats.org/presentationml/2006/main">
+  <p:cSld>
+    <p:spTree>
+      <p:nvGrpSpPr>
+        <p:cNvPr id="1" name=""/>
+        <p:cNvGrpSpPr/>
+        <p:nvPr/>
+      </p:nvGrpSpPr>
+      <p:grpSpPr>
+        <a:xfrm>
+          <a:off x="0" y="0"/>
+          <a:ext cx="0" cy="0"/>
+          <a:chOff x="0" y="0"/>
+          <a:chExt cx="0" cy="0"/>
+        </a:xfrm>
+      </p:grpSpPr>
+      <p:sp>
+        <p:nvSpPr>
+          <p:cNvPr id="2" name="Title 1">
+            <a:extLst>
+              <a:ext uri="{FF2B5EF4-FFF2-40B4-BE49-F238E27FC236}">
+                <a16:creationId xmlns:a16="http://schemas.microsoft.com/office/drawing/2014/main" id="{B8A9A2D2-C1D5-39CA-379F-C8B401FB0185}"/>
+              </a:ext>
+            </a:extLst>
+          </p:cNvPr>
+          <p:cNvSpPr>
+            <a:spLocks noGrp="1"/>
+          </p:cNvSpPr>
+          <p:nvPr>
+            <p:ph type="title"/>
+          </p:nvPr>
+        </p:nvSpPr>
+        <p:spPr/>
+        <p:txBody>
+          <a:bodyPr/>
+          <a:lstStyle/>
+          <a:p>
+            <a:r>
+              <a:rPr lang="en-US" dirty="0"/>
+              <a:t>Root types – Query</a:t>
+            </a:r>
+            <a:endParaRPr lang="en-ID" dirty="0"/>
+          </a:p>
+        </p:txBody>
+      </p:sp>
+      <p:grpSp>
+        <p:nvGrpSpPr>
+          <p:cNvPr id="31" name="Group 30">
+            <a:extLst>
+              <a:ext uri="{FF2B5EF4-FFF2-40B4-BE49-F238E27FC236}">
+                <a16:creationId xmlns:a16="http://schemas.microsoft.com/office/drawing/2014/main" id="{608CFD4E-7F0C-9D7E-CA47-76F40A0EBC75}"/>
+              </a:ext>
+            </a:extLst>
+          </p:cNvPr>
+          <p:cNvGrpSpPr/>
+          <p:nvPr/>
+        </p:nvGrpSpPr>
+        <p:grpSpPr>
+          <a:xfrm>
+            <a:off x="396174" y="828331"/>
+            <a:ext cx="2733692" cy="2756359"/>
+            <a:chOff x="390420" y="950981"/>
+            <a:chExt cx="2733692" cy="2756359"/>
+          </a:xfrm>
+        </p:grpSpPr>
+        <p:grpSp>
+          <p:nvGrpSpPr>
+            <p:cNvPr id="28" name="Group 27">
+              <a:extLst>
+                <a:ext uri="{FF2B5EF4-FFF2-40B4-BE49-F238E27FC236}">
+                  <a16:creationId xmlns:a16="http://schemas.microsoft.com/office/drawing/2014/main" id="{E2EC0B97-CAB4-2099-CCF9-7F5350E34D9E}"/>
+                </a:ext>
+              </a:extLst>
+            </p:cNvPr>
+            <p:cNvGrpSpPr/>
+            <p:nvPr/>
+          </p:nvGrpSpPr>
+          <p:grpSpPr>
+            <a:xfrm>
+              <a:off x="438892" y="1124181"/>
+              <a:ext cx="2636748" cy="2583159"/>
+              <a:chOff x="487362" y="1124182"/>
+              <a:chExt cx="2636748" cy="2583159"/>
+            </a:xfrm>
+          </p:grpSpPr>
+          <p:pic>
+            <p:nvPicPr>
+              <p:cNvPr id="17" name="Picture 16">
+                <a:extLst>
+                  <a:ext uri="{FF2B5EF4-FFF2-40B4-BE49-F238E27FC236}">
+                    <a16:creationId xmlns:a16="http://schemas.microsoft.com/office/drawing/2014/main" id="{D4521DBF-94AB-1C96-E8DF-983F82016BD0}"/>
+                  </a:ext>
+                </a:extLst>
+              </p:cNvPr>
+              <p:cNvPicPr>
+                <a:picLocks noChangeAspect="1"/>
+              </p:cNvPicPr>
+              <p:nvPr/>
+            </p:nvPicPr>
+            <p:blipFill rotWithShape="1">
+              <a:blip r:embed="rId2"/>
+              <a:srcRect b="81256"/>
+              <a:stretch/>
+            </p:blipFill>
+            <p:spPr>
+              <a:xfrm>
+                <a:off x="487362" y="1124182"/>
+                <a:ext cx="2636748" cy="904207"/>
+              </a:xfrm>
+              <a:prstGeom prst="rect">
+                <a:avLst/>
+              </a:prstGeom>
+            </p:spPr>
+          </p:pic>
+          <p:pic>
+            <p:nvPicPr>
+              <p:cNvPr id="18" name="Picture 17">
+                <a:extLst>
+                  <a:ext uri="{FF2B5EF4-FFF2-40B4-BE49-F238E27FC236}">
+                    <a16:creationId xmlns:a16="http://schemas.microsoft.com/office/drawing/2014/main" id="{939836D0-D9AF-801F-837F-7F24B1BE9482}"/>
+                  </a:ext>
+                </a:extLst>
+              </p:cNvPr>
+              <p:cNvPicPr>
+                <a:picLocks noChangeAspect="1"/>
+              </p:cNvPicPr>
+              <p:nvPr/>
+            </p:nvPicPr>
+            <p:blipFill rotWithShape="1">
+              <a:blip r:embed="rId2"/>
+              <a:srcRect t="65942"/>
+              <a:stretch/>
+            </p:blipFill>
+            <p:spPr>
+              <a:xfrm>
+                <a:off x="487362" y="2064429"/>
+                <a:ext cx="2636748" cy="1642912"/>
+              </a:xfrm>
+              <a:prstGeom prst="rect">
+                <a:avLst/>
+              </a:prstGeom>
+            </p:spPr>
+          </p:pic>
+        </p:grpSp>
+        <p:sp>
+          <p:nvSpPr>
+            <p:cNvPr id="25" name="Rectangle 24">
+              <a:extLst>
+                <a:ext uri="{FF2B5EF4-FFF2-40B4-BE49-F238E27FC236}">
+                  <a16:creationId xmlns:a16="http://schemas.microsoft.com/office/drawing/2014/main" id="{953FA7EB-3071-27C0-04F0-21909E13B295}"/>
+                </a:ext>
+              </a:extLst>
+            </p:cNvPr>
+            <p:cNvSpPr/>
+            <p:nvPr/>
+          </p:nvSpPr>
+          <p:spPr>
+            <a:xfrm>
+              <a:off x="390420" y="950981"/>
+              <a:ext cx="2733692" cy="2743200"/>
+            </a:xfrm>
+            <a:prstGeom prst="rect">
+              <a:avLst/>
+            </a:prstGeom>
+            <a:noFill/>
+          </p:spPr>
+          <p:style>
+            <a:lnRef idx="2">
+              <a:schemeClr val="accent1">
+                <a:shade val="50000"/>
+              </a:schemeClr>
+            </a:lnRef>
+            <a:fillRef idx="1">
+              <a:schemeClr val="accent1"/>
+            </a:fillRef>
+            <a:effectRef idx="0">
+              <a:schemeClr val="accent1"/>
+            </a:effectRef>
+            <a:fontRef idx="minor">
+              <a:schemeClr val="lt1"/>
+            </a:fontRef>
+          </p:style>
+          <p:txBody>
+            <a:bodyPr rtlCol="0" anchor="ctr"/>
+            <a:lstStyle/>
+            <a:p>
+              <a:pPr algn="ctr"/>
+              <a:endParaRPr lang="en-ID"/>
+            </a:p>
+          </p:txBody>
+        </p:sp>
+      </p:grpSp>
+      <p:grpSp>
+        <p:nvGrpSpPr>
+          <p:cNvPr id="27" name="Group 26">
+            <a:extLst>
+              <a:ext uri="{FF2B5EF4-FFF2-40B4-BE49-F238E27FC236}">
+                <a16:creationId xmlns:a16="http://schemas.microsoft.com/office/drawing/2014/main" id="{668975BB-5C35-CC51-66C5-2F57269BD720}"/>
+              </a:ext>
+            </a:extLst>
+          </p:cNvPr>
+          <p:cNvGrpSpPr/>
+          <p:nvPr/>
+        </p:nvGrpSpPr>
+        <p:grpSpPr>
+          <a:xfrm>
+            <a:off x="3477202" y="828331"/>
+            <a:ext cx="2566325" cy="5534411"/>
+            <a:chOff x="6090313" y="845841"/>
+            <a:chExt cx="2566325" cy="5534411"/>
+          </a:xfrm>
+        </p:grpSpPr>
+        <p:grpSp>
+          <p:nvGrpSpPr>
+            <p:cNvPr id="24" name="Group 23">
+              <a:extLst>
+                <a:ext uri="{FF2B5EF4-FFF2-40B4-BE49-F238E27FC236}">
+                  <a16:creationId xmlns:a16="http://schemas.microsoft.com/office/drawing/2014/main" id="{AC4D620B-BC16-67A0-E1D1-5A96056930BA}"/>
+                </a:ext>
+              </a:extLst>
+            </p:cNvPr>
+            <p:cNvGrpSpPr/>
+            <p:nvPr/>
+          </p:nvGrpSpPr>
+          <p:grpSpPr>
+            <a:xfrm>
+              <a:off x="6090313" y="845841"/>
+              <a:ext cx="2566325" cy="5403353"/>
+              <a:chOff x="6090313" y="845841"/>
+              <a:chExt cx="2566325" cy="5403353"/>
+            </a:xfrm>
+          </p:grpSpPr>
+          <p:pic>
+            <p:nvPicPr>
+              <p:cNvPr id="21" name="Content Placeholder 10">
+                <a:extLst>
+                  <a:ext uri="{FF2B5EF4-FFF2-40B4-BE49-F238E27FC236}">
+                    <a16:creationId xmlns:a16="http://schemas.microsoft.com/office/drawing/2014/main" id="{CBC3E165-5EBD-9101-F1DA-E35DD6FA49F5}"/>
+                  </a:ext>
+                </a:extLst>
+              </p:cNvPr>
+              <p:cNvPicPr>
+                <a:picLocks noChangeAspect="1"/>
+              </p:cNvPicPr>
+              <p:nvPr/>
+            </p:nvPicPr>
+            <p:blipFill rotWithShape="1">
+              <a:blip r:embed="rId3"/>
+              <a:srcRect b="86422"/>
+              <a:stretch/>
+            </p:blipFill>
+            <p:spPr>
+              <a:xfrm>
+                <a:off x="6240889" y="845841"/>
+                <a:ext cx="2415749" cy="556682"/>
+              </a:xfrm>
+              <a:prstGeom prst="rect">
+                <a:avLst/>
+              </a:prstGeom>
+            </p:spPr>
+          </p:pic>
+          <p:pic>
+            <p:nvPicPr>
+              <p:cNvPr id="22" name="Picture 21">
+                <a:extLst>
+                  <a:ext uri="{FF2B5EF4-FFF2-40B4-BE49-F238E27FC236}">
+                    <a16:creationId xmlns:a16="http://schemas.microsoft.com/office/drawing/2014/main" id="{9A08BCC1-BC3D-B503-1BB7-5F176663420A}"/>
+                  </a:ext>
+                </a:extLst>
+              </p:cNvPr>
+              <p:cNvPicPr>
+                <a:picLocks noChangeAspect="1"/>
+              </p:cNvPicPr>
+              <p:nvPr/>
+            </p:nvPicPr>
+            <p:blipFill rotWithShape="1">
+              <a:blip r:embed="rId3"/>
+              <a:srcRect t="72984"/>
+              <a:stretch/>
+            </p:blipFill>
+            <p:spPr>
+              <a:xfrm>
+                <a:off x="6240888" y="1454509"/>
+                <a:ext cx="2415749" cy="1107644"/>
+              </a:xfrm>
+              <a:prstGeom prst="rect">
+                <a:avLst/>
+              </a:prstGeom>
+            </p:spPr>
+          </p:pic>
+          <p:pic>
+            <p:nvPicPr>
+              <p:cNvPr id="23" name="Picture 22">
+                <a:extLst>
+                  <a:ext uri="{FF2B5EF4-FFF2-40B4-BE49-F238E27FC236}">
+                    <a16:creationId xmlns:a16="http://schemas.microsoft.com/office/drawing/2014/main" id="{2CD4EDDE-9116-F86B-AB46-7B9EAFC84138}"/>
+                  </a:ext>
+                </a:extLst>
+              </p:cNvPr>
+              <p:cNvPicPr>
+                <a:picLocks noChangeAspect="1"/>
+              </p:cNvPicPr>
+              <p:nvPr/>
+            </p:nvPicPr>
+            <p:blipFill>
+              <a:blip r:embed="rId4"/>
+              <a:stretch>
+                <a:fillRect/>
+              </a:stretch>
+            </p:blipFill>
+            <p:spPr>
+              <a:xfrm>
+                <a:off x="6090313" y="2614139"/>
+                <a:ext cx="2377646" cy="3635055"/>
+              </a:xfrm>
+              <a:prstGeom prst="rect">
+                <a:avLst/>
+              </a:prstGeom>
+            </p:spPr>
+          </p:pic>
+        </p:grpSp>
+        <p:sp>
+          <p:nvSpPr>
+            <p:cNvPr id="26" name="Rectangle 25">
+              <a:extLst>
+                <a:ext uri="{FF2B5EF4-FFF2-40B4-BE49-F238E27FC236}">
+                  <a16:creationId xmlns:a16="http://schemas.microsoft.com/office/drawing/2014/main" id="{306E2A91-1C96-CC89-C2EC-28B092955FF3}"/>
+                </a:ext>
+              </a:extLst>
+            </p:cNvPr>
+            <p:cNvSpPr/>
+            <p:nvPr/>
+          </p:nvSpPr>
+          <p:spPr>
+            <a:xfrm>
+              <a:off x="6090313" y="845841"/>
+              <a:ext cx="2566324" cy="5534411"/>
+            </a:xfrm>
+            <a:prstGeom prst="rect">
+              <a:avLst/>
+            </a:prstGeom>
+            <a:noFill/>
+          </p:spPr>
+          <p:style>
+            <a:lnRef idx="2">
+              <a:schemeClr val="accent1">
+                <a:shade val="50000"/>
+              </a:schemeClr>
+            </a:lnRef>
+            <a:fillRef idx="1">
+              <a:schemeClr val="accent1"/>
+            </a:fillRef>
+            <a:effectRef idx="0">
+              <a:schemeClr val="accent1"/>
+            </a:effectRef>
+            <a:fontRef idx="minor">
+              <a:schemeClr val="lt1"/>
+            </a:fontRef>
+          </p:style>
+          <p:txBody>
+            <a:bodyPr rtlCol="0" anchor="ctr"/>
+            <a:lstStyle/>
+            <a:p>
+              <a:pPr algn="ctr"/>
+              <a:endParaRPr lang="en-ID"/>
+            </a:p>
+          </p:txBody>
+        </p:sp>
+      </p:grpSp>
+      <p:grpSp>
+        <p:nvGrpSpPr>
+          <p:cNvPr id="38" name="Group 37">
+            <a:extLst>
+              <a:ext uri="{FF2B5EF4-FFF2-40B4-BE49-F238E27FC236}">
+                <a16:creationId xmlns:a16="http://schemas.microsoft.com/office/drawing/2014/main" id="{9E7F54ED-1732-0CB2-71AB-B164743BD381}"/>
+              </a:ext>
+            </a:extLst>
+          </p:cNvPr>
+          <p:cNvGrpSpPr/>
+          <p:nvPr/>
+        </p:nvGrpSpPr>
+        <p:grpSpPr>
+          <a:xfrm>
+            <a:off x="6384161" y="828331"/>
+            <a:ext cx="2148107" cy="2098898"/>
+            <a:chOff x="6020656" y="828331"/>
+            <a:chExt cx="2148107" cy="2098898"/>
+          </a:xfrm>
+        </p:grpSpPr>
+        <p:pic>
+          <p:nvPicPr>
+            <p:cNvPr id="33" name="Picture 32">
+              <a:extLst>
+                <a:ext uri="{FF2B5EF4-FFF2-40B4-BE49-F238E27FC236}">
+                  <a16:creationId xmlns:a16="http://schemas.microsoft.com/office/drawing/2014/main" id="{DCB74380-78C0-4209-AE0D-DA9FC9B964EB}"/>
+                </a:ext>
+              </a:extLst>
+            </p:cNvPr>
+            <p:cNvPicPr>
+              <a:picLocks noChangeAspect="1"/>
+            </p:cNvPicPr>
+            <p:nvPr/>
+          </p:nvPicPr>
+          <p:blipFill>
+            <a:blip r:embed="rId5"/>
+            <a:stretch>
+              <a:fillRect/>
+            </a:stretch>
+          </p:blipFill>
+          <p:spPr>
+            <a:xfrm>
+              <a:off x="6229764" y="1006822"/>
+              <a:ext cx="1729890" cy="1920406"/>
+            </a:xfrm>
+            <a:prstGeom prst="rect">
+              <a:avLst/>
+            </a:prstGeom>
+          </p:spPr>
+        </p:pic>
+        <p:sp>
+          <p:nvSpPr>
+            <p:cNvPr id="36" name="Flowchart: Process 35">
+              <a:extLst>
+                <a:ext uri="{FF2B5EF4-FFF2-40B4-BE49-F238E27FC236}">
+                  <a16:creationId xmlns:a16="http://schemas.microsoft.com/office/drawing/2014/main" id="{91B36BBF-6E98-2A2F-43FA-E713FBCCBCEE}"/>
+                </a:ext>
+              </a:extLst>
+            </p:cNvPr>
+            <p:cNvSpPr/>
+            <p:nvPr/>
+          </p:nvSpPr>
+          <p:spPr>
+            <a:xfrm>
+              <a:off x="6020656" y="828331"/>
+              <a:ext cx="2148107" cy="2098898"/>
+            </a:xfrm>
+            <a:prstGeom prst="flowChartProcess">
+              <a:avLst/>
+            </a:prstGeom>
+            <a:noFill/>
+          </p:spPr>
+          <p:style>
+            <a:lnRef idx="2">
+              <a:schemeClr val="accent1">
+                <a:shade val="50000"/>
+              </a:schemeClr>
+            </a:lnRef>
+            <a:fillRef idx="1">
+              <a:schemeClr val="accent1"/>
+            </a:fillRef>
+            <a:effectRef idx="0">
+              <a:schemeClr val="accent1"/>
+            </a:effectRef>
+            <a:fontRef idx="minor">
+              <a:schemeClr val="lt1"/>
+            </a:fontRef>
+          </p:style>
+          <p:txBody>
+            <a:bodyPr rtlCol="0" anchor="ctr"/>
+            <a:lstStyle/>
+            <a:p>
+              <a:pPr algn="ctr"/>
+              <a:endParaRPr lang="en-ID"/>
+            </a:p>
+          </p:txBody>
+        </p:sp>
+      </p:grpSp>
+      <p:grpSp>
+        <p:nvGrpSpPr>
+          <p:cNvPr id="39" name="Group 38">
+            <a:extLst>
+              <a:ext uri="{FF2B5EF4-FFF2-40B4-BE49-F238E27FC236}">
+                <a16:creationId xmlns:a16="http://schemas.microsoft.com/office/drawing/2014/main" id="{EB68C81F-D360-86FC-CF32-8BD2D2B01023}"/>
+              </a:ext>
+            </a:extLst>
+          </p:cNvPr>
+          <p:cNvGrpSpPr/>
+          <p:nvPr/>
+        </p:nvGrpSpPr>
+        <p:grpSpPr>
+          <a:xfrm>
+            <a:off x="6390862" y="3105719"/>
+            <a:ext cx="2190586" cy="2949196"/>
+            <a:chOff x="6396231" y="3109716"/>
+            <a:chExt cx="2190586" cy="2949196"/>
+          </a:xfrm>
+        </p:grpSpPr>
+        <p:pic>
+          <p:nvPicPr>
+            <p:cNvPr id="35" name="Picture 34">
+              <a:extLst>
+                <a:ext uri="{FF2B5EF4-FFF2-40B4-BE49-F238E27FC236}">
+                  <a16:creationId xmlns:a16="http://schemas.microsoft.com/office/drawing/2014/main" id="{4D2C5CDB-4718-350E-3591-D42B8BA01341}"/>
+                </a:ext>
+              </a:extLst>
+            </p:cNvPr>
+            <p:cNvPicPr>
+              <a:picLocks noChangeAspect="1"/>
+            </p:cNvPicPr>
+            <p:nvPr/>
+          </p:nvPicPr>
+          <p:blipFill>
+            <a:blip r:embed="rId6"/>
+            <a:stretch>
+              <a:fillRect/>
+            </a:stretch>
+          </p:blipFill>
+          <p:spPr>
+            <a:xfrm>
+              <a:off x="6445411" y="3109716"/>
+              <a:ext cx="2141406" cy="2949196"/>
+            </a:xfrm>
+            <a:prstGeom prst="rect">
+              <a:avLst/>
+            </a:prstGeom>
+          </p:spPr>
+        </p:pic>
+        <p:sp>
+          <p:nvSpPr>
+            <p:cNvPr id="37" name="Flowchart: Process 36">
+              <a:extLst>
+                <a:ext uri="{FF2B5EF4-FFF2-40B4-BE49-F238E27FC236}">
+                  <a16:creationId xmlns:a16="http://schemas.microsoft.com/office/drawing/2014/main" id="{F93FED9A-45BC-09BF-73A5-7F4FABB9D510}"/>
+                </a:ext>
+              </a:extLst>
+            </p:cNvPr>
+            <p:cNvSpPr/>
+            <p:nvPr/>
+          </p:nvSpPr>
+          <p:spPr>
+            <a:xfrm>
+              <a:off x="6396231" y="3137507"/>
+              <a:ext cx="2141406" cy="2842901"/>
+            </a:xfrm>
+            <a:prstGeom prst="flowChartProcess">
+              <a:avLst/>
+            </a:prstGeom>
+            <a:noFill/>
+          </p:spPr>
+          <p:style>
+            <a:lnRef idx="2">
+              <a:schemeClr val="accent1">
+                <a:shade val="50000"/>
+              </a:schemeClr>
+            </a:lnRef>
+            <a:fillRef idx="1">
+              <a:schemeClr val="accent1"/>
+            </a:fillRef>
+            <a:effectRef idx="0">
+              <a:schemeClr val="accent1"/>
+            </a:effectRef>
+            <a:fontRef idx="minor">
+              <a:schemeClr val="lt1"/>
+            </a:fontRef>
+          </p:style>
+          <p:txBody>
+            <a:bodyPr rtlCol="0" anchor="ctr"/>
+            <a:lstStyle/>
+            <a:p>
+              <a:pPr algn="ctr"/>
+              <a:endParaRPr lang="en-ID"/>
+            </a:p>
+          </p:txBody>
+        </p:sp>
+      </p:grpSp>
+    </p:spTree>
+    <p:extLst>
+      <p:ext uri="{BB962C8B-B14F-4D97-AF65-F5344CB8AC3E}">
+        <p14:creationId xmlns:p14="http://schemas.microsoft.com/office/powerpoint/2010/main" val="3612865637"/>
+      </p:ext>
+    </p:extLst>
+  </p:cSld>
+  <p:clrMapOvr>
+    <a:masterClrMapping/>
+  </p:clrMapOvr>
+  <p:timing>
+    <p:tnLst>
+      <p:par>
+        <p:cTn id="1" dur="indefinite" restart="never" nodeType="tmRoot">
+          <p:childTnLst>
+            <p:seq concurrent="1" nextAc="seek">
+              <p:cTn id="2" dur="indefinite" nodeType="mainSeq">
+                <p:childTnLst>
+                  <p:par>
+                    <p:cTn id="3" fill="hold">
+                      <p:stCondLst>
+                        <p:cond delay="indefinite"/>
+                      </p:stCondLst>
+                      <p:childTnLst>
+                        <p:par>
+                          <p:cTn id="4" fill="hold">
+                            <p:stCondLst>
+                              <p:cond delay="0"/>
+                            </p:stCondLst>
+                            <p:childTnLst>
+                              <p:par>
+                                <p:cTn id="5" presetID="1" presetClass="entr" presetSubtype="0" fill="hold" nodeType="clickEffect">
+                                  <p:stCondLst>
+                                    <p:cond delay="0"/>
+                                  </p:stCondLst>
+                                  <p:childTnLst>
+                                    <p:set>
+                                      <p:cBhvr>
+                                        <p:cTn id="6" dur="1" fill="hold">
+                                          <p:stCondLst>
+                                            <p:cond delay="0"/>
+                                          </p:stCondLst>
+                                        </p:cTn>
+                                        <p:tgtEl>
+                                          <p:spTgt spid="31"/>
+                                        </p:tgtEl>
+                                        <p:attrNameLst>
+                                          <p:attrName>style.visibility</p:attrName>
+                                        </p:attrNameLst>
+                                      </p:cBhvr>
+                                      <p:to>
+                                        <p:strVal val="visible"/>
+                                      </p:to>
+                                    </p:set>
+                                  </p:childTnLst>
+                                </p:cTn>
+                              </p:par>
+                            </p:childTnLst>
+                          </p:cTn>
+                        </p:par>
+                      </p:childTnLst>
+                    </p:cTn>
+                  </p:par>
+                  <p:par>
+                    <p:cTn id="7" fill="hold">
+                      <p:stCondLst>
+                        <p:cond delay="indefinite"/>
+                      </p:stCondLst>
+                      <p:childTnLst>
+                        <p:par>
+                          <p:cTn id="8" fill="hold">
+                            <p:stCondLst>
+                              <p:cond delay="0"/>
+                            </p:stCondLst>
+                            <p:childTnLst>
+                              <p:par>
+                                <p:cTn id="9" presetID="1" presetClass="entr" presetSubtype="0" fill="hold" nodeType="clickEffect">
+                                  <p:stCondLst>
+                                    <p:cond delay="0"/>
+                                  </p:stCondLst>
+                                  <p:childTnLst>
+                                    <p:set>
+                                      <p:cBhvr>
+                                        <p:cTn id="10" dur="1" fill="hold">
+                                          <p:stCondLst>
+                                            <p:cond delay="0"/>
+                                          </p:stCondLst>
+                                        </p:cTn>
+                                        <p:tgtEl>
+                                          <p:spTgt spid="27"/>
+                                        </p:tgtEl>
+                                        <p:attrNameLst>
+                                          <p:attrName>style.visibility</p:attrName>
+                                        </p:attrNameLst>
+                                      </p:cBhvr>
+                                      <p:to>
+                                        <p:strVal val="visible"/>
+                                      </p:to>
+                                    </p:set>
+                                  </p:childTnLst>
+                                </p:cTn>
+                              </p:par>
+                            </p:childTnLst>
+                          </p:cTn>
+                        </p:par>
+                      </p:childTnLst>
+                    </p:cTn>
+                  </p:par>
+                  <p:par>
+                    <p:cTn id="11" fill="hold">
+                      <p:stCondLst>
+                        <p:cond delay="indefinite"/>
+                      </p:stCondLst>
+                      <p:childTnLst>
+                        <p:par>
+                          <p:cTn id="12" fill="hold">
+                            <p:stCondLst>
+                              <p:cond delay="0"/>
+                            </p:stCondLst>
+                            <p:childTnLst>
+                              <p:par>
+                                <p:cTn id="13" presetID="1" presetClass="entr" presetSubtype="0" fill="hold" nodeType="clickEffect">
+                                  <p:stCondLst>
+                                    <p:cond delay="0"/>
+                                  </p:stCondLst>
+                                  <p:childTnLst>
+                                    <p:set>
+                                      <p:cBhvr>
+                                        <p:cTn id="14" dur="1" fill="hold">
+                                          <p:stCondLst>
+                                            <p:cond delay="0"/>
+                                          </p:stCondLst>
+                                        </p:cTn>
+                                        <p:tgtEl>
+                                          <p:spTgt spid="38"/>
+                                        </p:tgtEl>
+                                        <p:attrNameLst>
+                                          <p:attrName>style.visibility</p:attrName>
+                                        </p:attrNameLst>
+                                      </p:cBhvr>
+                                      <p:to>
+                                        <p:strVal val="visible"/>
+                                      </p:to>
+                                    </p:set>
+                                  </p:childTnLst>
+                                </p:cTn>
+                              </p:par>
+                            </p:childTnLst>
+                          </p:cTn>
+                        </p:par>
+                      </p:childTnLst>
+                    </p:cTn>
+                  </p:par>
+                  <p:par>
+                    <p:cTn id="15" fill="hold">
+                      <p:stCondLst>
+                        <p:cond delay="indefinite"/>
+                      </p:stCondLst>
+                      <p:childTnLst>
+                        <p:par>
+                          <p:cTn id="16" fill="hold">
+                            <p:stCondLst>
+                              <p:cond delay="0"/>
+                            </p:stCondLst>
+                            <p:childTnLst>
+                              <p:par>
+                                <p:cTn id="17" presetID="1" presetClass="entr" presetSubtype="0" fill="hold" nodeType="clickEffect">
+                                  <p:stCondLst>
+                                    <p:cond delay="0"/>
+                                  </p:stCondLst>
+                                  <p:childTnLst>
+                                    <p:set>
+                                      <p:cBhvr>
+                                        <p:cTn id="18" dur="1" fill="hold">
+                                          <p:stCondLst>
+                                            <p:cond delay="0"/>
+                                          </p:stCondLst>
+                                        </p:cTn>
+                                        <p:tgtEl>
+                                          <p:spTgt spid="39"/>
+                                        </p:tgtEl>
+                                        <p:attrNameLst>
+                                          <p:attrName>style.visibility</p:attrName>
+                                        </p:attrNameLst>
+                                      </p:cBhvr>
+                                      <p:to>
+                                        <p:strVal val="visible"/>
+                                      </p:to>
+                                    </p:set>
+                                  </p:childTnLst>
+                                </p:cTn>
+                              </p:par>
+                            </p:childTnLst>
+                          </p:cTn>
+                        </p:par>
+                      </p:childTnLst>
+                    </p:cTn>
+                  </p:par>
+                </p:childTnLst>
+              </p:cTn>
+              <p:prevCondLst>
+                <p:cond evt="onPrev" delay="0">
+                  <p:tgtEl>
+                    <p:sldTgt/>
+                  </p:tgtEl>
+                </p:cond>
+              </p:prevCondLst>
+              <p:nextCondLst>
+                <p:cond evt="onNext" delay="0">
+                  <p:tgtEl>
+                    <p:sldTgt/>
+                  </p:tgtEl>
+                </p:cond>
+              </p:nextCondLst>
+            </p:seq>
+          </p:childTnLst>
+        </p:cTn>
+      </p:par>
+    </p:tnLst>
+  </p:timing>
+</p:sld>
+</file>
+
+<file path=ppt/slides/slide16.xml><?xml version="1.0" encoding="utf-8"?>
+<p:sld xmlns:a="http://schemas.openxmlformats.org/drawingml/2006/main" xmlns:r="http://schemas.openxmlformats.org/officeDocument/2006/relationships" xmlns:p="http://schemas.openxmlformats.org/presentationml/2006/main">
+  <p:cSld>
+    <p:spTree>
+      <p:nvGrpSpPr>
+        <p:cNvPr id="1" name=""/>
+        <p:cNvGrpSpPr/>
+        <p:nvPr/>
+      </p:nvGrpSpPr>
+      <p:grpSpPr>
+        <a:xfrm>
+          <a:off x="0" y="0"/>
+          <a:ext cx="0" cy="0"/>
+          <a:chOff x="0" y="0"/>
+          <a:chExt cx="0" cy="0"/>
+        </a:xfrm>
+      </p:grpSpPr>
+      <p:sp>
+        <p:nvSpPr>
+          <p:cNvPr id="2" name="Title 1">
+            <a:extLst>
+              <a:ext uri="{FF2B5EF4-FFF2-40B4-BE49-F238E27FC236}">
+                <a16:creationId xmlns:a16="http://schemas.microsoft.com/office/drawing/2014/main" id="{3B253B51-9812-ACDC-2ED6-A6A7C57CCE11}"/>
+              </a:ext>
+            </a:extLst>
+          </p:cNvPr>
+          <p:cNvSpPr>
+            <a:spLocks noGrp="1"/>
+          </p:cNvSpPr>
+          <p:nvPr>
+            <p:ph type="title"/>
+          </p:nvPr>
+        </p:nvSpPr>
+        <p:spPr/>
+        <p:txBody>
+          <a:bodyPr/>
+          <a:lstStyle/>
+          <a:p>
+            <a:r>
+              <a:rPr lang="en-US" dirty="0"/>
+              <a:t>Root Type - Mutation</a:t>
+            </a:r>
+            <a:endParaRPr lang="en-ID" dirty="0"/>
+          </a:p>
+        </p:txBody>
+      </p:sp>
+      <p:grpSp>
+        <p:nvGrpSpPr>
+          <p:cNvPr id="14" name="Group 13">
+            <a:extLst>
+              <a:ext uri="{FF2B5EF4-FFF2-40B4-BE49-F238E27FC236}">
+                <a16:creationId xmlns:a16="http://schemas.microsoft.com/office/drawing/2014/main" id="{12F061BA-DAEA-D0D4-07A5-FCEF994655A6}"/>
+              </a:ext>
+            </a:extLst>
+          </p:cNvPr>
+          <p:cNvGrpSpPr/>
+          <p:nvPr/>
+        </p:nvGrpSpPr>
+        <p:grpSpPr>
+          <a:xfrm>
+            <a:off x="334262" y="1233685"/>
+            <a:ext cx="3806725" cy="2750120"/>
+            <a:chOff x="683585" y="1089846"/>
+            <a:chExt cx="3806725" cy="2750120"/>
+          </a:xfrm>
+        </p:grpSpPr>
+        <p:pic>
+          <p:nvPicPr>
+            <p:cNvPr id="11" name="Picture 10">
+              <a:extLst>
+                <a:ext uri="{FF2B5EF4-FFF2-40B4-BE49-F238E27FC236}">
+                  <a16:creationId xmlns:a16="http://schemas.microsoft.com/office/drawing/2014/main" id="{476950E7-0C0E-19A8-738A-CFEDEC5702F6}"/>
+                </a:ext>
+              </a:extLst>
+            </p:cNvPr>
+            <p:cNvPicPr>
+              <a:picLocks noChangeAspect="1"/>
+            </p:cNvPicPr>
+            <p:nvPr/>
+          </p:nvPicPr>
+          <p:blipFill>
+            <a:blip r:embed="rId2"/>
+            <a:stretch>
+              <a:fillRect/>
+            </a:stretch>
+          </p:blipFill>
+          <p:spPr>
+            <a:xfrm>
+              <a:off x="683585" y="1674745"/>
+              <a:ext cx="3806725" cy="2165221"/>
+            </a:xfrm>
+            <a:prstGeom prst="rect">
+              <a:avLst/>
+            </a:prstGeom>
+            <a:solidFill>
+              <a:srgbClr val="FFFFFF">
+                <a:shade val="85000"/>
+              </a:srgbClr>
+            </a:solidFill>
+            <a:ln w="88900" cap="sq">
+              <a:solidFill>
+                <a:srgbClr val="FFFFFF"/>
+              </a:solidFill>
+              <a:miter lim="800000"/>
+            </a:ln>
+            <a:effectLst>
+              <a:outerShdw blurRad="55000" dist="18000" dir="5400000" algn="tl" rotWithShape="0">
+                <a:srgbClr val="000000">
+                  <a:alpha val="40000"/>
+                </a:srgbClr>
+              </a:outerShdw>
+            </a:effectLst>
+            <a:scene3d>
+              <a:camera prst="orthographicFront"/>
+              <a:lightRig rig="twoPt" dir="t">
+                <a:rot lat="0" lon="0" rev="7200000"/>
+              </a:lightRig>
+            </a:scene3d>
+            <a:sp3d>
+              <a:bevelT w="25400" h="19050"/>
+              <a:contourClr>
+                <a:srgbClr val="FFFFFF"/>
+              </a:contourClr>
+            </a:sp3d>
+          </p:spPr>
+        </p:pic>
+        <p:sp>
+          <p:nvSpPr>
+            <p:cNvPr id="12" name="TextBox 11">
+              <a:extLst>
+                <a:ext uri="{FF2B5EF4-FFF2-40B4-BE49-F238E27FC236}">
+                  <a16:creationId xmlns:a16="http://schemas.microsoft.com/office/drawing/2014/main" id="{66CC0D87-4411-F1C6-9C13-8D709EBF3D34}"/>
+                </a:ext>
+              </a:extLst>
+            </p:cNvPr>
+            <p:cNvSpPr txBox="1"/>
+            <p:nvPr/>
+          </p:nvSpPr>
+          <p:spPr>
+            <a:xfrm>
+              <a:off x="2004896" y="1089846"/>
+              <a:ext cx="1164101" cy="461665"/>
+            </a:xfrm>
+            <a:prstGeom prst="rect">
+              <a:avLst/>
+            </a:prstGeom>
+            <a:noFill/>
+          </p:spPr>
+          <p:txBody>
+            <a:bodyPr wrap="none" rtlCol="0">
+              <a:spAutoFit/>
+            </a:bodyPr>
+            <a:lstStyle/>
+            <a:p>
+              <a:r>
+                <a:rPr lang="en-US" sz="2400" dirty="0">
+                  <a:latin typeface="+mn-lt"/>
+                </a:rPr>
+                <a:t>Schema</a:t>
+              </a:r>
+              <a:endParaRPr lang="en-ID" sz="2400" dirty="0">
+                <a:latin typeface="+mn-lt"/>
+              </a:endParaRPr>
+            </a:p>
+          </p:txBody>
+        </p:sp>
+      </p:grpSp>
+      <p:grpSp>
+        <p:nvGrpSpPr>
+          <p:cNvPr id="15" name="Group 14">
+            <a:extLst>
+              <a:ext uri="{FF2B5EF4-FFF2-40B4-BE49-F238E27FC236}">
+                <a16:creationId xmlns:a16="http://schemas.microsoft.com/office/drawing/2014/main" id="{7A6A4F07-FA21-5FAF-DBBB-A6F284663473}"/>
+              </a:ext>
+            </a:extLst>
+          </p:cNvPr>
+          <p:cNvGrpSpPr/>
+          <p:nvPr/>
+        </p:nvGrpSpPr>
+        <p:grpSpPr>
+          <a:xfrm>
+            <a:off x="4875438" y="1315879"/>
+            <a:ext cx="3749365" cy="2770725"/>
+            <a:chOff x="5060373" y="1213080"/>
+            <a:chExt cx="3749365" cy="2770725"/>
+          </a:xfrm>
+        </p:grpSpPr>
+        <p:pic>
+          <p:nvPicPr>
+            <p:cNvPr id="6" name="Picture 5">
+              <a:extLst>
+                <a:ext uri="{FF2B5EF4-FFF2-40B4-BE49-F238E27FC236}">
+                  <a16:creationId xmlns:a16="http://schemas.microsoft.com/office/drawing/2014/main" id="{E8FB99A3-6042-D690-E725-3871762375E8}"/>
+                </a:ext>
+              </a:extLst>
+            </p:cNvPr>
+            <p:cNvPicPr>
+              <a:picLocks noChangeAspect="1"/>
+            </p:cNvPicPr>
+            <p:nvPr/>
+          </p:nvPicPr>
+          <p:blipFill>
+            <a:blip r:embed="rId3"/>
+            <a:stretch>
+              <a:fillRect/>
+            </a:stretch>
+          </p:blipFill>
+          <p:spPr>
+            <a:xfrm>
+              <a:off x="5060373" y="1674745"/>
+              <a:ext cx="3749365" cy="2309060"/>
+            </a:xfrm>
+            <a:prstGeom prst="rect">
+              <a:avLst/>
+            </a:prstGeom>
+            <a:solidFill>
+              <a:srgbClr val="FFFFFF">
+                <a:shade val="85000"/>
+              </a:srgbClr>
+            </a:solidFill>
+            <a:ln w="88900" cap="sq">
+              <a:solidFill>
+                <a:srgbClr val="FFFFFF"/>
+              </a:solidFill>
+              <a:miter lim="800000"/>
+            </a:ln>
+            <a:effectLst>
+              <a:outerShdw blurRad="55000" dist="18000" dir="5400000" algn="tl" rotWithShape="0">
+                <a:srgbClr val="000000">
+                  <a:alpha val="40000"/>
+                </a:srgbClr>
+              </a:outerShdw>
+            </a:effectLst>
+            <a:scene3d>
+              <a:camera prst="orthographicFront"/>
+              <a:lightRig rig="twoPt" dir="t">
+                <a:rot lat="0" lon="0" rev="7200000"/>
+              </a:lightRig>
+            </a:scene3d>
+            <a:sp3d>
+              <a:bevelT w="25400" h="19050"/>
+              <a:contourClr>
+                <a:srgbClr val="FFFFFF"/>
+              </a:contourClr>
+            </a:sp3d>
+          </p:spPr>
+        </p:pic>
+        <p:sp>
+          <p:nvSpPr>
+            <p:cNvPr id="13" name="TextBox 12">
+              <a:extLst>
+                <a:ext uri="{FF2B5EF4-FFF2-40B4-BE49-F238E27FC236}">
+                  <a16:creationId xmlns:a16="http://schemas.microsoft.com/office/drawing/2014/main" id="{C87AB5BE-A4B6-E998-1BE8-E9562CA376BF}"/>
+                </a:ext>
+              </a:extLst>
+            </p:cNvPr>
+            <p:cNvSpPr txBox="1"/>
+            <p:nvPr/>
+          </p:nvSpPr>
+          <p:spPr>
+            <a:xfrm>
+              <a:off x="6458001" y="1213080"/>
+              <a:ext cx="954107" cy="461665"/>
+            </a:xfrm>
+            <a:prstGeom prst="rect">
+              <a:avLst/>
+            </a:prstGeom>
+            <a:noFill/>
+          </p:spPr>
+          <p:txBody>
+            <a:bodyPr wrap="none" rtlCol="0">
+              <a:spAutoFit/>
+            </a:bodyPr>
+            <a:lstStyle/>
+            <a:p>
+              <a:r>
+                <a:rPr lang="en-US" sz="2400" dirty="0">
+                  <a:latin typeface="+mn-lt"/>
+                </a:rPr>
+                <a:t>Query</a:t>
+              </a:r>
+              <a:endParaRPr lang="en-ID" sz="2400" dirty="0">
+                <a:latin typeface="+mn-lt"/>
+              </a:endParaRPr>
+            </a:p>
+          </p:txBody>
+        </p:sp>
+      </p:grpSp>
+    </p:spTree>
+    <p:extLst>
+      <p:ext uri="{BB962C8B-B14F-4D97-AF65-F5344CB8AC3E}">
+        <p14:creationId xmlns:p14="http://schemas.microsoft.com/office/powerpoint/2010/main" val="733240086"/>
+      </p:ext>
+    </p:extLst>
+  </p:cSld>
+  <p:clrMapOvr>
+    <a:masterClrMapping/>
+  </p:clrMapOvr>
+</p:sld>
+</file>
+
+<file path=ppt/slides/slide17.xml><?xml version="1.0" encoding="utf-8"?>
+<p:sld xmlns:a="http://schemas.openxmlformats.org/drawingml/2006/main" xmlns:r="http://schemas.openxmlformats.org/officeDocument/2006/relationships" xmlns:p="http://schemas.openxmlformats.org/presentationml/2006/main">
+  <p:cSld>
+    <p:spTree>
+      <p:nvGrpSpPr>
+        <p:cNvPr id="1" name=""/>
+        <p:cNvGrpSpPr/>
+        <p:nvPr/>
+      </p:nvGrpSpPr>
+      <p:grpSpPr>
+        <a:xfrm>
+          <a:off x="0" y="0"/>
+          <a:ext cx="0" cy="0"/>
+          <a:chOff x="0" y="0"/>
+          <a:chExt cx="0" cy="0"/>
+        </a:xfrm>
+      </p:grpSpPr>
+      <p:sp>
+        <p:nvSpPr>
+          <p:cNvPr id="2" name="Title 1">
+            <a:extLst>
+              <a:ext uri="{FF2B5EF4-FFF2-40B4-BE49-F238E27FC236}">
+                <a16:creationId xmlns:a16="http://schemas.microsoft.com/office/drawing/2014/main" id="{3B253B51-9812-ACDC-2ED6-A6A7C57CCE11}"/>
+              </a:ext>
+            </a:extLst>
+          </p:cNvPr>
+          <p:cNvSpPr>
+            <a:spLocks noGrp="1"/>
+          </p:cNvSpPr>
+          <p:nvPr>
+            <p:ph type="title"/>
+          </p:nvPr>
+        </p:nvSpPr>
+        <p:spPr/>
+        <p:txBody>
+          <a:bodyPr/>
+          <a:lstStyle/>
+          <a:p>
+            <a:r>
+              <a:rPr lang="en-US" dirty="0"/>
+              <a:t>Root Type - Subscription</a:t>
+            </a:r>
+            <a:endParaRPr lang="en-ID" dirty="0"/>
+          </a:p>
+        </p:txBody>
+      </p:sp>
+      <p:grpSp>
+        <p:nvGrpSpPr>
+          <p:cNvPr id="5" name="Group 4">
+            <a:extLst>
+              <a:ext uri="{FF2B5EF4-FFF2-40B4-BE49-F238E27FC236}">
+                <a16:creationId xmlns:a16="http://schemas.microsoft.com/office/drawing/2014/main" id="{CFD975B8-1A3C-C7DC-0F93-8A8AA6CFFD6E}"/>
+              </a:ext>
+            </a:extLst>
+          </p:cNvPr>
+          <p:cNvGrpSpPr/>
+          <p:nvPr/>
+        </p:nvGrpSpPr>
+        <p:grpSpPr>
+          <a:xfrm>
+            <a:off x="580488" y="1321334"/>
+            <a:ext cx="4279187" cy="1683087"/>
+            <a:chOff x="457199" y="1033657"/>
+            <a:chExt cx="4279187" cy="1683087"/>
+          </a:xfrm>
+        </p:grpSpPr>
+        <p:pic>
+          <p:nvPicPr>
+            <p:cNvPr id="7" name="Picture 6">
+              <a:extLst>
+                <a:ext uri="{FF2B5EF4-FFF2-40B4-BE49-F238E27FC236}">
+                  <a16:creationId xmlns:a16="http://schemas.microsoft.com/office/drawing/2014/main" id="{843BF365-03AD-C784-B23E-F497A98ABB1B}"/>
+                </a:ext>
+              </a:extLst>
+            </p:cNvPr>
+            <p:cNvPicPr>
+              <a:picLocks noChangeAspect="1"/>
+            </p:cNvPicPr>
+            <p:nvPr/>
+          </p:nvPicPr>
+          <p:blipFill>
+            <a:blip r:embed="rId2"/>
+            <a:stretch>
+              <a:fillRect/>
+            </a:stretch>
+          </p:blipFill>
+          <p:spPr>
+            <a:xfrm>
+              <a:off x="457199" y="1495322"/>
+              <a:ext cx="4279187" cy="1221422"/>
+            </a:xfrm>
+            <a:prstGeom prst="rect">
+              <a:avLst/>
+            </a:prstGeom>
+            <a:solidFill>
+              <a:srgbClr val="FFFFFF">
+                <a:shade val="85000"/>
+              </a:srgbClr>
+            </a:solidFill>
+            <a:ln w="88900" cap="sq">
+              <a:solidFill>
+                <a:srgbClr val="FFFFFF"/>
+              </a:solidFill>
+              <a:miter lim="800000"/>
+            </a:ln>
+            <a:effectLst>
+              <a:outerShdw blurRad="55000" dist="18000" dir="5400000" algn="tl" rotWithShape="0">
+                <a:srgbClr val="000000">
+                  <a:alpha val="40000"/>
+                </a:srgbClr>
+              </a:outerShdw>
+            </a:effectLst>
+            <a:scene3d>
+              <a:camera prst="orthographicFront"/>
+              <a:lightRig rig="twoPt" dir="t">
+                <a:rot lat="0" lon="0" rev="7200000"/>
+              </a:lightRig>
+            </a:scene3d>
+            <a:sp3d>
+              <a:bevelT w="25400" h="19050"/>
+              <a:contourClr>
+                <a:srgbClr val="FFFFFF"/>
+              </a:contourClr>
+            </a:sp3d>
+          </p:spPr>
+        </p:pic>
+        <p:sp>
+          <p:nvSpPr>
+            <p:cNvPr id="8" name="TextBox 7">
+              <a:extLst>
+                <a:ext uri="{FF2B5EF4-FFF2-40B4-BE49-F238E27FC236}">
+                  <a16:creationId xmlns:a16="http://schemas.microsoft.com/office/drawing/2014/main" id="{D04F7976-B41D-63B8-827C-B424C062B9E3}"/>
+                </a:ext>
+              </a:extLst>
+            </p:cNvPr>
+            <p:cNvSpPr txBox="1"/>
+            <p:nvPr/>
+          </p:nvSpPr>
+          <p:spPr>
+            <a:xfrm>
+              <a:off x="2014741" y="1033657"/>
+              <a:ext cx="1164101" cy="461665"/>
+            </a:xfrm>
+            <a:prstGeom prst="rect">
+              <a:avLst/>
+            </a:prstGeom>
+            <a:noFill/>
+          </p:spPr>
+          <p:txBody>
+            <a:bodyPr wrap="none" rtlCol="0">
+              <a:spAutoFit/>
+            </a:bodyPr>
+            <a:lstStyle/>
+            <a:p>
+              <a:r>
+                <a:rPr lang="en-US" sz="2400" dirty="0">
+                  <a:latin typeface="+mn-lt"/>
+                </a:rPr>
+                <a:t>Schema</a:t>
+              </a:r>
+              <a:endParaRPr lang="en-ID" sz="2400" dirty="0">
+                <a:latin typeface="+mn-lt"/>
+              </a:endParaRPr>
+            </a:p>
+          </p:txBody>
+        </p:sp>
+      </p:grpSp>
+      <p:grpSp>
+        <p:nvGrpSpPr>
+          <p:cNvPr id="9" name="Group 8">
+            <a:extLst>
+              <a:ext uri="{FF2B5EF4-FFF2-40B4-BE49-F238E27FC236}">
+                <a16:creationId xmlns:a16="http://schemas.microsoft.com/office/drawing/2014/main" id="{BAA9E938-C5F2-49DF-EEA3-880B9929D2B3}"/>
+              </a:ext>
+            </a:extLst>
+          </p:cNvPr>
+          <p:cNvGrpSpPr/>
+          <p:nvPr/>
+        </p:nvGrpSpPr>
+        <p:grpSpPr>
+          <a:xfrm>
+            <a:off x="5230479" y="1321334"/>
+            <a:ext cx="3162574" cy="2839311"/>
+            <a:chOff x="5251027" y="1353933"/>
+            <a:chExt cx="3162574" cy="2839311"/>
+          </a:xfrm>
+        </p:grpSpPr>
+        <p:pic>
+          <p:nvPicPr>
+            <p:cNvPr id="4" name="Picture 3">
+              <a:extLst>
+                <a:ext uri="{FF2B5EF4-FFF2-40B4-BE49-F238E27FC236}">
+                  <a16:creationId xmlns:a16="http://schemas.microsoft.com/office/drawing/2014/main" id="{F5C1C042-D345-FADD-F1CA-B40B21090C0B}"/>
+                </a:ext>
+              </a:extLst>
+            </p:cNvPr>
+            <p:cNvPicPr>
+              <a:picLocks noChangeAspect="1"/>
+            </p:cNvPicPr>
+            <p:nvPr/>
+          </p:nvPicPr>
+          <p:blipFill>
+            <a:blip r:embed="rId3"/>
+            <a:stretch>
+              <a:fillRect/>
+            </a:stretch>
+          </p:blipFill>
+          <p:spPr>
+            <a:xfrm>
+              <a:off x="5251027" y="1815598"/>
+              <a:ext cx="3162574" cy="2377646"/>
+            </a:xfrm>
+            <a:prstGeom prst="rect">
+              <a:avLst/>
+            </a:prstGeom>
+            <a:solidFill>
+              <a:srgbClr val="FFFFFF">
+                <a:shade val="85000"/>
+              </a:srgbClr>
+            </a:solidFill>
+            <a:ln w="88900" cap="sq">
+              <a:solidFill>
+                <a:srgbClr val="FFFFFF"/>
+              </a:solidFill>
+              <a:miter lim="800000"/>
+            </a:ln>
+            <a:effectLst>
+              <a:outerShdw blurRad="55000" dist="18000" dir="5400000" algn="tl" rotWithShape="0">
+                <a:srgbClr val="000000">
+                  <a:alpha val="40000"/>
+                </a:srgbClr>
+              </a:outerShdw>
+            </a:effectLst>
+            <a:scene3d>
+              <a:camera prst="orthographicFront"/>
+              <a:lightRig rig="twoPt" dir="t">
+                <a:rot lat="0" lon="0" rev="7200000"/>
+              </a:lightRig>
+            </a:scene3d>
+            <a:sp3d>
+              <a:bevelT w="25400" h="19050"/>
+              <a:contourClr>
+                <a:srgbClr val="FFFFFF"/>
+              </a:contourClr>
+            </a:sp3d>
+          </p:spPr>
+        </p:pic>
+        <p:sp>
+          <p:nvSpPr>
+            <p:cNvPr id="11" name="TextBox 10">
+              <a:extLst>
+                <a:ext uri="{FF2B5EF4-FFF2-40B4-BE49-F238E27FC236}">
+                  <a16:creationId xmlns:a16="http://schemas.microsoft.com/office/drawing/2014/main" id="{4A3F9F0C-40B5-B5B8-6CD2-52CF03060105}"/>
+                </a:ext>
+              </a:extLst>
+            </p:cNvPr>
+            <p:cNvSpPr txBox="1"/>
+            <p:nvPr/>
+          </p:nvSpPr>
+          <p:spPr>
+            <a:xfrm>
+              <a:off x="6250263" y="1353933"/>
+              <a:ext cx="954107" cy="461665"/>
+            </a:xfrm>
+            <a:prstGeom prst="rect">
+              <a:avLst/>
+            </a:prstGeom>
+            <a:noFill/>
+          </p:spPr>
+          <p:txBody>
+            <a:bodyPr wrap="none" rtlCol="0">
+              <a:spAutoFit/>
+            </a:bodyPr>
+            <a:lstStyle/>
+            <a:p>
+              <a:r>
+                <a:rPr lang="en-US" sz="2400" dirty="0">
+                  <a:latin typeface="+mn-lt"/>
+                </a:rPr>
+                <a:t>Query</a:t>
+              </a:r>
+              <a:endParaRPr lang="en-ID" sz="2400" dirty="0">
+                <a:latin typeface="+mn-lt"/>
+              </a:endParaRPr>
+            </a:p>
+          </p:txBody>
+        </p:sp>
+      </p:grpSp>
+    </p:spTree>
+    <p:extLst>
+      <p:ext uri="{BB962C8B-B14F-4D97-AF65-F5344CB8AC3E}">
+        <p14:creationId xmlns:p14="http://schemas.microsoft.com/office/powerpoint/2010/main" val="904605086"/>
+      </p:ext>
+    </p:extLst>
+  </p:cSld>
+  <p:clrMapOvr>
+    <a:masterClrMapping/>
+  </p:clrMapOvr>
+</p:sld>
+</file>
+
+<file path=ppt/slides/slide18.xml><?xml version="1.0" encoding="utf-8"?>
+<p:sld xmlns:a="http://schemas.openxmlformats.org/drawingml/2006/main" xmlns:r="http://schemas.openxmlformats.org/officeDocument/2006/relationships" xmlns:p="http://schemas.openxmlformats.org/presentationml/2006/main">
+  <p:cSld>
+    <p:spTree>
+      <p:nvGrpSpPr>
+        <p:cNvPr id="1" name=""/>
+        <p:cNvGrpSpPr/>
+        <p:nvPr/>
+      </p:nvGrpSpPr>
+      <p:grpSpPr>
+        <a:xfrm>
+          <a:off x="0" y="0"/>
+          <a:ext cx="0" cy="0"/>
+          <a:chOff x="0" y="0"/>
+          <a:chExt cx="0" cy="0"/>
+        </a:xfrm>
+      </p:grpSpPr>
+      <p:sp>
+        <p:nvSpPr>
+          <p:cNvPr id="2" name="Title 1">
+            <a:extLst>
+              <a:ext uri="{FF2B5EF4-FFF2-40B4-BE49-F238E27FC236}">
+                <a16:creationId xmlns:a16="http://schemas.microsoft.com/office/drawing/2014/main" id="{EEB4C5ED-CD5B-84DC-A7B8-A14C090C7875}"/>
+              </a:ext>
+            </a:extLst>
+          </p:cNvPr>
+          <p:cNvSpPr>
+            <a:spLocks noGrp="1"/>
+          </p:cNvSpPr>
+          <p:nvPr>
+            <p:ph type="title"/>
+          </p:nvPr>
+        </p:nvSpPr>
+        <p:spPr/>
+        <p:txBody>
+          <a:bodyPr/>
+          <a:lstStyle/>
+          <a:p>
+            <a:r>
+              <a:rPr lang="en-US" dirty="0"/>
+              <a:t>Security</a:t>
+            </a:r>
+            <a:endParaRPr lang="en-ID" dirty="0"/>
+          </a:p>
+        </p:txBody>
+      </p:sp>
+      <p:sp>
+        <p:nvSpPr>
+          <p:cNvPr id="3" name="Content Placeholder 2">
+            <a:extLst>
+              <a:ext uri="{FF2B5EF4-FFF2-40B4-BE49-F238E27FC236}">
+                <a16:creationId xmlns:a16="http://schemas.microsoft.com/office/drawing/2014/main" id="{4E709CD8-AB1E-2EA9-98B0-AA3876A0A4E5}"/>
+              </a:ext>
+            </a:extLst>
+          </p:cNvPr>
+          <p:cNvSpPr>
+            <a:spLocks noGrp="1"/>
+          </p:cNvSpPr>
+          <p:nvPr>
+            <p:ph idx="1"/>
+          </p:nvPr>
+        </p:nvSpPr>
+        <p:spPr/>
+        <p:txBody>
+          <a:bodyPr/>
+          <a:lstStyle/>
+          <a:p>
+            <a:r>
+              <a:rPr lang="en-US" dirty="0"/>
+              <a:t>Set Request Timeout</a:t>
+            </a:r>
+          </a:p>
+          <a:p>
+            <a:r>
+              <a:rPr lang="en-US" dirty="0"/>
+              <a:t>Data Limitations </a:t>
+            </a:r>
+          </a:p>
+          <a:p>
+            <a:r>
+              <a:rPr lang="en-US" dirty="0"/>
+              <a:t>Limiting Query Depth</a:t>
+            </a:r>
+          </a:p>
+          <a:p>
+            <a:r>
+              <a:rPr lang="en-US" dirty="0"/>
+              <a:t>Limiting Query Complexity</a:t>
+            </a:r>
+          </a:p>
+          <a:p>
+            <a:endParaRPr lang="en-ID" dirty="0"/>
+          </a:p>
+        </p:txBody>
+      </p:sp>
+    </p:spTree>
+    <p:extLst>
+      <p:ext uri="{BB962C8B-B14F-4D97-AF65-F5344CB8AC3E}">
+        <p14:creationId xmlns:p14="http://schemas.microsoft.com/office/powerpoint/2010/main" val="958489644"/>
+      </p:ext>
+    </p:extLst>
+  </p:cSld>
+  <p:clrMapOvr>
+    <a:masterClrMapping/>
+  </p:clrMapOvr>
+</p:sld>
+</file>
+
+<file path=ppt/slides/slide19.xml><?xml version="1.0" encoding="utf-8"?>
+<p:sld xmlns:a="http://schemas.openxmlformats.org/drawingml/2006/main" xmlns:r="http://schemas.openxmlformats.org/officeDocument/2006/relationships" xmlns:p="http://schemas.openxmlformats.org/presentationml/2006/main">
+  <p:cSld>
+    <p:spTree>
+      <p:nvGrpSpPr>
+        <p:cNvPr id="1" name=""/>
+        <p:cNvGrpSpPr/>
+        <p:nvPr/>
+      </p:nvGrpSpPr>
+      <p:grpSpPr>
+        <a:xfrm>
+          <a:off x="0" y="0"/>
+          <a:ext cx="0" cy="0"/>
+          <a:chOff x="0" y="0"/>
+          <a:chExt cx="0" cy="0"/>
+        </a:xfrm>
+      </p:grpSpPr>
+      <p:sp>
+        <p:nvSpPr>
+          <p:cNvPr id="2" name="Title 1">
+            <a:extLst>
+              <a:ext uri="{FF2B5EF4-FFF2-40B4-BE49-F238E27FC236}">
+                <a16:creationId xmlns:a16="http://schemas.microsoft.com/office/drawing/2014/main" id="{29ED1FB1-D88D-C600-9B41-A31FE4A5A7EB}"/>
+              </a:ext>
+            </a:extLst>
+          </p:cNvPr>
+          <p:cNvSpPr>
+            <a:spLocks noGrp="1"/>
+          </p:cNvSpPr>
+          <p:nvPr>
+            <p:ph type="title"/>
+          </p:nvPr>
+        </p:nvSpPr>
+        <p:spPr/>
+        <p:txBody>
+          <a:bodyPr/>
+          <a:lstStyle/>
+          <a:p>
+            <a:endParaRPr lang="en-ID"/>
+          </a:p>
+        </p:txBody>
+      </p:sp>
+      <p:sp>
+        <p:nvSpPr>
+          <p:cNvPr id="3" name="Content Placeholder 2">
+            <a:extLst>
+              <a:ext uri="{FF2B5EF4-FFF2-40B4-BE49-F238E27FC236}">
+                <a16:creationId xmlns:a16="http://schemas.microsoft.com/office/drawing/2014/main" id="{885065A5-7E21-3972-6C3F-F03337A9E40F}"/>
+              </a:ext>
+            </a:extLst>
+          </p:cNvPr>
+          <p:cNvSpPr>
+            <a:spLocks noGrp="1"/>
+          </p:cNvSpPr>
+          <p:nvPr>
+            <p:ph idx="1"/>
+          </p:nvPr>
+        </p:nvSpPr>
+        <p:spPr/>
+        <p:txBody>
+          <a:bodyPr/>
+          <a:lstStyle/>
+          <a:p>
+            <a:r>
+              <a:rPr lang="en-US"/>
+              <a:t>DEMO</a:t>
+            </a:r>
+            <a:endParaRPr lang="en-ID"/>
+          </a:p>
+        </p:txBody>
+      </p:sp>
+    </p:spTree>
+    <p:extLst>
+      <p:ext uri="{BB962C8B-B14F-4D97-AF65-F5344CB8AC3E}">
+        <p14:creationId xmlns:p14="http://schemas.microsoft.com/office/powerpoint/2010/main" val="73108565"/>
       </p:ext>
     </p:extLst>
   </p:cSld>
@@ -4467,14 +8387,19 @@
           <a:p>
             <a:r>
               <a:rPr lang="en-US" dirty="0"/>
-              <a:t>REST Drawbacks</a:t>
-            </a:r>
-          </a:p>
-          <a:p>
+              <a:t>REST Drawbacks that solved by </a:t>
+            </a:r>
             <a:r>
               <a:rPr lang="en-US" dirty="0" err="1"/>
               <a:t>Graphql</a:t>
             </a:r>
+            <a:endParaRPr lang="en-US" dirty="0"/>
+          </a:p>
+          <a:p>
+            <a:r>
+              <a:rPr lang="en-US" dirty="0" err="1"/>
+              <a:t>Graphql</a:t>
+            </a:r>
             <a:r>
               <a:rPr lang="en-US" dirty="0"/>
               <a:t> Query</a:t>
@@ -4493,13 +8418,14 @@
           <a:p>
             <a:r>
               <a:rPr lang="en-US" dirty="0"/>
-              <a:t>Ideas for migrating Rest to </a:t>
-            </a:r>
-            <a:r>
-              <a:rPr lang="en-US" dirty="0" err="1"/>
-              <a:t>Graphql</a:t>
-            </a:r>
-            <a:endParaRPr lang="en-US" dirty="0"/>
+              <a:t>Security</a:t>
+            </a:r>
+          </a:p>
+          <a:p>
+            <a:r>
+              <a:rPr lang="en-US" dirty="0"/>
+              <a:t>Demo</a:t>
+            </a:r>
           </a:p>
         </p:txBody>
       </p:sp>
@@ -4507,6 +8433,172 @@
     <p:extLst>
       <p:ext uri="{BB962C8B-B14F-4D97-AF65-F5344CB8AC3E}">
         <p14:creationId xmlns:p14="http://schemas.microsoft.com/office/powerpoint/2010/main" val="2003091177"/>
+      </p:ext>
+    </p:extLst>
+  </p:cSld>
+  <p:clrMapOvr>
+    <a:masterClrMapping/>
+  </p:clrMapOvr>
+</p:sld>
+</file>
+
+<file path=ppt/slides/slide20.xml><?xml version="1.0" encoding="utf-8"?>
+<p:sld xmlns:a="http://schemas.openxmlformats.org/drawingml/2006/main" xmlns:r="http://schemas.openxmlformats.org/officeDocument/2006/relationships" xmlns:p="http://schemas.openxmlformats.org/presentationml/2006/main">
+  <p:cSld>
+    <p:spTree>
+      <p:nvGrpSpPr>
+        <p:cNvPr id="1" name=""/>
+        <p:cNvGrpSpPr/>
+        <p:nvPr/>
+      </p:nvGrpSpPr>
+      <p:grpSpPr>
+        <a:xfrm>
+          <a:off x="0" y="0"/>
+          <a:ext cx="0" cy="0"/>
+          <a:chOff x="0" y="0"/>
+          <a:chExt cx="0" cy="0"/>
+        </a:xfrm>
+      </p:grpSpPr>
+      <p:sp>
+        <p:nvSpPr>
+          <p:cNvPr id="2" name="Title 1">
+            <a:extLst>
+              <a:ext uri="{FF2B5EF4-FFF2-40B4-BE49-F238E27FC236}">
+                <a16:creationId xmlns:a16="http://schemas.microsoft.com/office/drawing/2014/main" id="{AD0ED99B-9D9C-435B-8DE5-62F2AC911977}"/>
+              </a:ext>
+            </a:extLst>
+          </p:cNvPr>
+          <p:cNvSpPr>
+            <a:spLocks noGrp="1"/>
+          </p:cNvSpPr>
+          <p:nvPr>
+            <p:ph type="title"/>
+          </p:nvPr>
+        </p:nvSpPr>
+        <p:spPr/>
+        <p:txBody>
+          <a:bodyPr/>
+          <a:lstStyle/>
+          <a:p>
+            <a:r>
+              <a:rPr lang="en-US" dirty="0"/>
+              <a:t>Reference</a:t>
+            </a:r>
+            <a:endParaRPr lang="en-ID" dirty="0"/>
+          </a:p>
+        </p:txBody>
+      </p:sp>
+      <p:sp>
+        <p:nvSpPr>
+          <p:cNvPr id="3" name="Content Placeholder 2">
+            <a:extLst>
+              <a:ext uri="{FF2B5EF4-FFF2-40B4-BE49-F238E27FC236}">
+                <a16:creationId xmlns:a16="http://schemas.microsoft.com/office/drawing/2014/main" id="{64EB7E42-3331-4070-BB87-E59E32A6D93C}"/>
+              </a:ext>
+            </a:extLst>
+          </p:cNvPr>
+          <p:cNvSpPr>
+            <a:spLocks noGrp="1"/>
+          </p:cNvSpPr>
+          <p:nvPr>
+            <p:ph idx="1"/>
+          </p:nvPr>
+        </p:nvSpPr>
+        <p:spPr/>
+        <p:txBody>
+          <a:bodyPr/>
+          <a:lstStyle/>
+          <a:p>
+            <a:r>
+              <a:rPr lang="en-ID" dirty="0">
+                <a:hlinkClick r:id="rId2"/>
+              </a:rPr>
+              <a:t>https://www.youtube.com/watch?v=I3NBPHA5coo</a:t>
+            </a:r>
+            <a:endParaRPr lang="en-ID" dirty="0"/>
+          </a:p>
+        </p:txBody>
+      </p:sp>
+    </p:spTree>
+    <p:extLst>
+      <p:ext uri="{BB962C8B-B14F-4D97-AF65-F5344CB8AC3E}">
+        <p14:creationId xmlns:p14="http://schemas.microsoft.com/office/powerpoint/2010/main" val="1757580933"/>
+      </p:ext>
+    </p:extLst>
+  </p:cSld>
+  <p:clrMapOvr>
+    <a:masterClrMapping/>
+  </p:clrMapOvr>
+</p:sld>
+</file>
+
+<file path=ppt/slides/slide21.xml><?xml version="1.0" encoding="utf-8"?>
+<p:sld xmlns:a="http://schemas.openxmlformats.org/drawingml/2006/main" xmlns:r="http://schemas.openxmlformats.org/officeDocument/2006/relationships" xmlns:p="http://schemas.openxmlformats.org/presentationml/2006/main">
+  <p:cSld>
+    <p:spTree>
+      <p:nvGrpSpPr>
+        <p:cNvPr id="1" name=""/>
+        <p:cNvGrpSpPr/>
+        <p:nvPr/>
+      </p:nvGrpSpPr>
+      <p:grpSpPr>
+        <a:xfrm>
+          <a:off x="0" y="0"/>
+          <a:ext cx="0" cy="0"/>
+          <a:chOff x="0" y="0"/>
+          <a:chExt cx="0" cy="0"/>
+        </a:xfrm>
+      </p:grpSpPr>
+      <p:sp>
+        <p:nvSpPr>
+          <p:cNvPr id="4" name="TextBox 3">
+            <a:extLst>
+              <a:ext uri="{FF2B5EF4-FFF2-40B4-BE49-F238E27FC236}">
+                <a16:creationId xmlns:a16="http://schemas.microsoft.com/office/drawing/2014/main" id="{6A14F272-12E0-4BBD-BCC2-A5FDB1E49860}"/>
+              </a:ext>
+            </a:extLst>
+          </p:cNvPr>
+          <p:cNvSpPr txBox="1"/>
+          <p:nvPr/>
+        </p:nvSpPr>
+        <p:spPr>
+          <a:xfrm>
+            <a:off x="3106993" y="3075057"/>
+            <a:ext cx="2682145" cy="707886"/>
+          </a:xfrm>
+          <a:prstGeom prst="rect">
+            <a:avLst/>
+          </a:prstGeom>
+          <a:noFill/>
+        </p:spPr>
+        <p:txBody>
+          <a:bodyPr wrap="none" rtlCol="0">
+            <a:spAutoFit/>
+          </a:bodyPr>
+          <a:lstStyle/>
+          <a:p>
+            <a:r>
+              <a:rPr lang="en-US" sz="4000" dirty="0">
+                <a:solidFill>
+                  <a:schemeClr val="bg1"/>
+                </a:solidFill>
+                <a:latin typeface="+mj-lt"/>
+              </a:rPr>
+              <a:t>THANK YOU</a:t>
+            </a:r>
+            <a:endParaRPr lang="en-ID" sz="4000" dirty="0">
+              <a:solidFill>
+                <a:schemeClr val="bg1"/>
+              </a:solidFill>
+              <a:latin typeface="+mj-lt"/>
+            </a:endParaRPr>
+          </a:p>
+        </p:txBody>
+      </p:sp>
+    </p:spTree>
+    <p:extLst>
+      <p:ext uri="{BB962C8B-B14F-4D97-AF65-F5344CB8AC3E}">
+        <p14:creationId xmlns:p14="http://schemas.microsoft.com/office/powerpoint/2010/main" val="3010276915"/>
       </p:ext>
     </p:extLst>
   </p:cSld>
@@ -5003,7 +9095,7 @@
               <a:rPr lang="en-ID" b="1" i="0" u="none" strike="noStrike" baseline="0" dirty="0" err="1">
                 <a:latin typeface="LiberationSerif-Bold"/>
               </a:rPr>
-              <a:t>GraphQL</a:t>
+              <a:t>Graphql</a:t>
             </a:r>
             <a:endParaRPr lang="en-ID" dirty="0"/>
           </a:p>
@@ -6559,7 +10651,7 @@
             </a:r>
             <a:r>
               <a:rPr lang="en-US" dirty="0"/>
-              <a:t> Query</a:t>
+              <a:t> Schema </a:t>
             </a:r>
           </a:p>
         </p:txBody>
@@ -6594,33 +10686,88 @@
               <a:buNone/>
             </a:pPr>
             <a:r>
+              <a:rPr lang="en-US" dirty="0"/>
+              <a:t>In </a:t>
+            </a:r>
+            <a:r>
               <a:rPr lang="en-US" dirty="0" err="1"/>
               <a:t>Graphql</a:t>
             </a:r>
             <a:r>
               <a:rPr lang="en-US" dirty="0"/>
-              <a:t> has 3 root types</a:t>
-            </a:r>
-          </a:p>
-          <a:p>
-            <a:r>
-              <a:rPr lang="en-US" dirty="0"/>
-              <a:t>Query</a:t>
-            </a:r>
-          </a:p>
-          <a:p>
-            <a:r>
-              <a:rPr lang="en-US" dirty="0"/>
-              <a:t>Mutation</a:t>
-            </a:r>
-          </a:p>
-          <a:p>
-            <a:r>
-              <a:rPr lang="en-US" dirty="0"/>
-              <a:t>Subscription</a:t>
-            </a:r>
-          </a:p>
-          <a:p>
+              <a:t> instead of looking at APIs as a collection of REST endpoints, we are going to begin looking at APIs as collection of types (schema)</a:t>
+            </a:r>
+          </a:p>
+          <a:p>
+            <a:pPr marL="0" indent="0">
+              <a:buNone/>
+            </a:pPr>
+            <a:endParaRPr lang="en-US" dirty="0"/>
+          </a:p>
+          <a:p>
+            <a:pPr marL="0" indent="0">
+              <a:buNone/>
+            </a:pPr>
+            <a:r>
+              <a:rPr lang="en-US" b="0" i="0" dirty="0" err="1">
+                <a:effectLst/>
+                <a:latin typeface="+mj-lt"/>
+              </a:rPr>
+              <a:t>GraphQL</a:t>
+            </a:r>
+            <a:r>
+              <a:rPr lang="en-US" b="0" i="0" dirty="0">
+                <a:effectLst/>
+                <a:latin typeface="+mj-lt"/>
+              </a:rPr>
+              <a:t> has its own type system that’s used to define the </a:t>
+            </a:r>
+            <a:r>
+              <a:rPr lang="en-US" b="0" dirty="0">
+                <a:effectLst/>
+                <a:latin typeface="+mj-lt"/>
+              </a:rPr>
+              <a:t>schema</a:t>
+            </a:r>
+            <a:r>
+              <a:rPr lang="en-US" b="0" i="0" dirty="0">
+                <a:effectLst/>
+                <a:latin typeface="+mj-lt"/>
+              </a:rPr>
+              <a:t> of an API. The syntax for writing schemas is called </a:t>
+            </a:r>
+            <a:r>
+              <a:rPr lang="en-US" b="0" i="0" u="none" strike="noStrike" dirty="0">
+                <a:effectLst/>
+                <a:latin typeface="+mj-lt"/>
+              </a:rPr>
+              <a:t>Schema Definition Language</a:t>
+            </a:r>
+            <a:r>
+              <a:rPr lang="en-US" b="0" i="0" dirty="0">
+                <a:effectLst/>
+                <a:latin typeface="+mj-lt"/>
+              </a:rPr>
+              <a:t> (SDL).</a:t>
+            </a:r>
+            <a:r>
+              <a:rPr lang="en-US" dirty="0">
+                <a:latin typeface="+mj-lt"/>
+              </a:rPr>
+              <a:t> </a:t>
+            </a:r>
+            <a:endParaRPr lang="en-ID" dirty="0"/>
+          </a:p>
+          <a:p>
+            <a:pPr marL="0" indent="0">
+              <a:buNone/>
+            </a:pPr>
+            <a:endParaRPr lang="en-US" dirty="0"/>
+          </a:p>
+          <a:p>
+            <a:pPr marL="0" indent="0">
+              <a:buNone/>
+            </a:pPr>
             <a:endParaRPr lang="en-US" dirty="0"/>
           </a:p>
         </p:txBody>
@@ -6628,7 +10775,7 @@
     </p:spTree>
     <p:extLst>
       <p:ext uri="{BB962C8B-B14F-4D97-AF65-F5344CB8AC3E}">
-        <p14:creationId xmlns:p14="http://schemas.microsoft.com/office/powerpoint/2010/main" val="1757175516"/>
+        <p14:creationId xmlns:p14="http://schemas.microsoft.com/office/powerpoint/2010/main" val="2499318771"/>
       </p:ext>
     </p:extLst>
   </p:cSld>
@@ -6660,7 +10807,7 @@
           <p:cNvPr id="2" name="Title 1">
             <a:extLst>
               <a:ext uri="{FF2B5EF4-FFF2-40B4-BE49-F238E27FC236}">
-                <a16:creationId xmlns:a16="http://schemas.microsoft.com/office/drawing/2014/main" id="{15660B86-8C34-438D-B2B2-78CBD0366EF9}"/>
+                <a16:creationId xmlns:a16="http://schemas.microsoft.com/office/drawing/2014/main" id="{26E4926C-6501-4682-52C4-EF0229E3215A}"/>
               </a:ext>
             </a:extLst>
           </p:cNvPr>
@@ -6682,8 +10829,9 @@
             </a:r>
             <a:r>
               <a:rPr lang="en-US" dirty="0"/>
-              <a:t> Schema</a:t>
-            </a:r>
+              <a:t> Schema – Defining Types</a:t>
+            </a:r>
+            <a:endParaRPr lang="en-ID" dirty="0"/>
           </a:p>
         </p:txBody>
       </p:sp>
@@ -6692,7 +10840,7 @@
           <p:cNvPr id="3" name="Content Placeholder 2">
             <a:extLst>
               <a:ext uri="{FF2B5EF4-FFF2-40B4-BE49-F238E27FC236}">
-                <a16:creationId xmlns:a16="http://schemas.microsoft.com/office/drawing/2014/main" id="{2CC3A6D3-C65D-41BF-A728-0AD416FA66D1}"/>
+                <a16:creationId xmlns:a16="http://schemas.microsoft.com/office/drawing/2014/main" id="{5D3FB1D7-A4CC-8DFD-0A87-8D6EBC28769A}"/>
               </a:ext>
             </a:extLst>
           </p:cNvPr>
@@ -6705,61 +10853,216 @@
         </p:nvSpPr>
         <p:spPr>
           <a:xfrm>
-            <a:off x="457199" y="982133"/>
-            <a:ext cx="8314267" cy="4469740"/>
+            <a:off x="457200" y="990600"/>
+            <a:ext cx="5053982" cy="5135563"/>
           </a:xfrm>
         </p:spPr>
         <p:txBody>
           <a:bodyPr/>
           <a:lstStyle/>
           <a:p>
+            <a:pPr marL="0" indent="0">
+              <a:buNone/>
+            </a:pPr>
             <a:r>
               <a:rPr lang="en-US" dirty="0"/>
-              <a:t>Defining Types</a:t>
-            </a:r>
-          </a:p>
-          <a:p>
+              <a:t>Type is the core unit of any </a:t>
+            </a:r>
+            <a:r>
+              <a:rPr lang="en-US" dirty="0" err="1"/>
+              <a:t>graphql</a:t>
+            </a:r>
             <a:r>
               <a:rPr lang="en-US" dirty="0"/>
-              <a:t>Connection and Lists</a:t>
+              <a:t> schema</a:t>
             </a:r>
           </a:p>
           <a:p>
             <a:r>
               <a:rPr lang="en-US" dirty="0"/>
-              <a:t>Arguments</a:t>
+              <a:t>Object types and fields</a:t>
             </a:r>
           </a:p>
           <a:p>
             <a:r>
               <a:rPr lang="en-US" dirty="0"/>
-              <a:t>Mutations</a:t>
-            </a:r>
-          </a:p>
-          <a:p>
+              <a:t>Scalar Types</a:t>
+            </a:r>
+          </a:p>
+          <a:p>
+            <a:pPr lvl="1"/>
             <a:r>
               <a:rPr lang="en-US" dirty="0"/>
-              <a:t>Input Types</a:t>
-            </a:r>
-          </a:p>
-          <a:p>
+              <a:t>Int</a:t>
+            </a:r>
+          </a:p>
+          <a:p>
+            <a:pPr lvl="1"/>
             <a:r>
               <a:rPr lang="en-US" dirty="0"/>
-              <a:t>Return Types</a:t>
-            </a:r>
-          </a:p>
-          <a:p>
+              <a:t>Float</a:t>
+            </a:r>
+          </a:p>
+          <a:p>
+            <a:pPr lvl="1"/>
             <a:r>
               <a:rPr lang="en-US" dirty="0"/>
-              <a:t>Subscriptions</a:t>
-            </a:r>
-          </a:p>
-        </p:txBody>
-      </p:sp>
+              <a:t>String</a:t>
+            </a:r>
+          </a:p>
+          <a:p>
+            <a:pPr lvl="1"/>
+            <a:r>
+              <a:rPr lang="en-US" dirty="0"/>
+              <a:t>Boolean</a:t>
+            </a:r>
+          </a:p>
+          <a:p>
+            <a:pPr lvl="1"/>
+            <a:r>
+              <a:rPr lang="en-US" dirty="0"/>
+              <a:t>ID</a:t>
+            </a:r>
+          </a:p>
+          <a:p>
+            <a:r>
+              <a:rPr lang="en-US" dirty="0"/>
+              <a:t>Enum</a:t>
+            </a:r>
+            <a:endParaRPr lang="en-ID" dirty="0"/>
+          </a:p>
+        </p:txBody>
+      </p:sp>
+      <p:grpSp>
+        <p:nvGrpSpPr>
+          <p:cNvPr id="20" name="Group 19">
+            <a:extLst>
+              <a:ext uri="{FF2B5EF4-FFF2-40B4-BE49-F238E27FC236}">
+                <a16:creationId xmlns:a16="http://schemas.microsoft.com/office/drawing/2014/main" id="{AE985785-5217-EC96-46C5-6CE5D5121793}"/>
+              </a:ext>
+            </a:extLst>
+          </p:cNvPr>
+          <p:cNvGrpSpPr/>
+          <p:nvPr/>
+        </p:nvGrpSpPr>
+        <p:grpSpPr>
+          <a:xfrm>
+            <a:off x="5697020" y="1277517"/>
+            <a:ext cx="2989780" cy="3945277"/>
+            <a:chOff x="5619964" y="1387011"/>
+            <a:chExt cx="2989780" cy="3945277"/>
+          </a:xfrm>
+        </p:grpSpPr>
+        <p:pic>
+          <p:nvPicPr>
+            <p:cNvPr id="14" name="Picture 13">
+              <a:extLst>
+                <a:ext uri="{FF2B5EF4-FFF2-40B4-BE49-F238E27FC236}">
+                  <a16:creationId xmlns:a16="http://schemas.microsoft.com/office/drawing/2014/main" id="{11849CF2-A07D-2D51-3EE4-F7410DE8140E}"/>
+                </a:ext>
+              </a:extLst>
+            </p:cNvPr>
+            <p:cNvPicPr>
+              <a:picLocks noChangeAspect="1"/>
+            </p:cNvPicPr>
+            <p:nvPr/>
+          </p:nvPicPr>
+          <p:blipFill rotWithShape="1">
+            <a:blip r:embed="rId2"/>
+            <a:srcRect b="63023"/>
+            <a:stretch/>
+          </p:blipFill>
+          <p:spPr>
+            <a:xfrm>
+              <a:off x="5810845" y="1622353"/>
+              <a:ext cx="2530059" cy="1665377"/>
+            </a:xfrm>
+            <a:prstGeom prst="rect">
+              <a:avLst/>
+            </a:prstGeom>
+          </p:spPr>
+        </p:pic>
+        <p:pic>
+          <p:nvPicPr>
+            <p:cNvPr id="16" name="Picture 15">
+              <a:extLst>
+                <a:ext uri="{FF2B5EF4-FFF2-40B4-BE49-F238E27FC236}">
+                  <a16:creationId xmlns:a16="http://schemas.microsoft.com/office/drawing/2014/main" id="{16AED360-89CF-0073-C557-963355D2EFAC}"/>
+                </a:ext>
+              </a:extLst>
+            </p:cNvPr>
+            <p:cNvPicPr>
+              <a:picLocks noChangeAspect="1"/>
+            </p:cNvPicPr>
+            <p:nvPr/>
+          </p:nvPicPr>
+          <p:blipFill rotWithShape="1">
+            <a:blip r:embed="rId2"/>
+            <a:srcRect t="57280"/>
+            <a:stretch/>
+          </p:blipFill>
+          <p:spPr>
+            <a:xfrm>
+              <a:off x="5810844" y="3311614"/>
+              <a:ext cx="2530059" cy="1924033"/>
+            </a:xfrm>
+            <a:prstGeom prst="rect">
+              <a:avLst/>
+            </a:prstGeom>
+          </p:spPr>
+        </p:pic>
+        <p:sp>
+          <p:nvSpPr>
+            <p:cNvPr id="19" name="Rectangle 18">
+              <a:extLst>
+                <a:ext uri="{FF2B5EF4-FFF2-40B4-BE49-F238E27FC236}">
+                  <a16:creationId xmlns:a16="http://schemas.microsoft.com/office/drawing/2014/main" id="{3DD59605-623F-F56B-B1C4-20F5CC226EC8}"/>
+                </a:ext>
+              </a:extLst>
+            </p:cNvPr>
+            <p:cNvSpPr/>
+            <p:nvPr/>
+          </p:nvSpPr>
+          <p:spPr>
+            <a:xfrm>
+              <a:off x="5619964" y="1387011"/>
+              <a:ext cx="2989780" cy="3945277"/>
+            </a:xfrm>
+            <a:prstGeom prst="rect">
+              <a:avLst/>
+            </a:prstGeom>
+            <a:noFill/>
+          </p:spPr>
+          <p:style>
+            <a:lnRef idx="2">
+              <a:schemeClr val="accent1">
+                <a:shade val="50000"/>
+              </a:schemeClr>
+            </a:lnRef>
+            <a:fillRef idx="1">
+              <a:schemeClr val="accent1"/>
+            </a:fillRef>
+            <a:effectRef idx="0">
+              <a:schemeClr val="accent1"/>
+            </a:effectRef>
+            <a:fontRef idx="minor">
+              <a:schemeClr val="lt1"/>
+            </a:fontRef>
+          </p:style>
+          <p:txBody>
+            <a:bodyPr rtlCol="0" anchor="ctr"/>
+            <a:lstStyle/>
+            <a:p>
+              <a:pPr algn="ctr"/>
+              <a:endParaRPr lang="en-ID"/>
+            </a:p>
+          </p:txBody>
+        </p:sp>
+      </p:grpSp>
     </p:spTree>
     <p:extLst>
       <p:ext uri="{BB962C8B-B14F-4D97-AF65-F5344CB8AC3E}">
-        <p14:creationId xmlns:p14="http://schemas.microsoft.com/office/powerpoint/2010/main" val="2499318771"/>
+        <p14:creationId xmlns:p14="http://schemas.microsoft.com/office/powerpoint/2010/main" val="3680123203"/>
       </p:ext>
     </p:extLst>
   </p:cSld>

--- a/Learn Graphql.pptx
+++ b/Learn Graphql.pptx
@@ -5,30 +5,35 @@
     <p:sldMasterId id="2147483660" r:id="rId1"/>
   </p:sldMasterIdLst>
   <p:notesMasterIdLst>
-    <p:notesMasterId r:id="rId23"/>
+    <p:notesMasterId r:id="rId28"/>
   </p:notesMasterIdLst>
   <p:sldIdLst>
     <p:sldId id="256" r:id="rId2"/>
     <p:sldId id="257" r:id="rId3"/>
-    <p:sldId id="262" r:id="rId4"/>
-    <p:sldId id="297" r:id="rId5"/>
-    <p:sldId id="293" r:id="rId6"/>
-    <p:sldId id="298" r:id="rId7"/>
-    <p:sldId id="299" r:id="rId8"/>
-    <p:sldId id="294" r:id="rId9"/>
-    <p:sldId id="300" r:id="rId10"/>
-    <p:sldId id="302" r:id="rId11"/>
-    <p:sldId id="303" r:id="rId12"/>
-    <p:sldId id="304" r:id="rId13"/>
-    <p:sldId id="305" r:id="rId14"/>
-    <p:sldId id="295" r:id="rId15"/>
-    <p:sldId id="306" r:id="rId16"/>
-    <p:sldId id="307" r:id="rId17"/>
-    <p:sldId id="308" r:id="rId18"/>
-    <p:sldId id="309" r:id="rId19"/>
-    <p:sldId id="296" r:id="rId20"/>
-    <p:sldId id="259" r:id="rId21"/>
-    <p:sldId id="292" r:id="rId22"/>
+    <p:sldId id="280" r:id="rId4"/>
+    <p:sldId id="262" r:id="rId5"/>
+    <p:sldId id="297" r:id="rId6"/>
+    <p:sldId id="310" r:id="rId7"/>
+    <p:sldId id="293" r:id="rId8"/>
+    <p:sldId id="298" r:id="rId9"/>
+    <p:sldId id="299" r:id="rId10"/>
+    <p:sldId id="311" r:id="rId11"/>
+    <p:sldId id="294" r:id="rId12"/>
+    <p:sldId id="300" r:id="rId13"/>
+    <p:sldId id="302" r:id="rId14"/>
+    <p:sldId id="303" r:id="rId15"/>
+    <p:sldId id="304" r:id="rId16"/>
+    <p:sldId id="305" r:id="rId17"/>
+    <p:sldId id="312" r:id="rId18"/>
+    <p:sldId id="295" r:id="rId19"/>
+    <p:sldId id="306" r:id="rId20"/>
+    <p:sldId id="307" r:id="rId21"/>
+    <p:sldId id="308" r:id="rId22"/>
+    <p:sldId id="313" r:id="rId23"/>
+    <p:sldId id="309" r:id="rId24"/>
+    <p:sldId id="296" r:id="rId25"/>
+    <p:sldId id="259" r:id="rId26"/>
+    <p:sldId id="292" r:id="rId27"/>
   </p:sldIdLst>
   <p:sldSz cx="9144000" cy="6858000" type="screen4x3"/>
   <p:notesSz cx="6858000" cy="9144000"/>
@@ -250,21 +255,26 @@
           <p14:sldIdLst>
             <p14:sldId id="256"/>
             <p14:sldId id="257"/>
+            <p14:sldId id="280"/>
             <p14:sldId id="262"/>
             <p14:sldId id="297"/>
+            <p14:sldId id="310"/>
             <p14:sldId id="293"/>
             <p14:sldId id="298"/>
             <p14:sldId id="299"/>
+            <p14:sldId id="311"/>
             <p14:sldId id="294"/>
             <p14:sldId id="300"/>
             <p14:sldId id="302"/>
             <p14:sldId id="303"/>
             <p14:sldId id="304"/>
             <p14:sldId id="305"/>
+            <p14:sldId id="312"/>
             <p14:sldId id="295"/>
             <p14:sldId id="306"/>
             <p14:sldId id="307"/>
             <p14:sldId id="308"/>
+            <p14:sldId id="313"/>
             <p14:sldId id="309"/>
             <p14:sldId id="296"/>
             <p14:sldId id="259"/>
@@ -374,7 +384,7 @@
           <a:p>
             <a:fld id="{9C9D3237-2FFD-4446-94CB-BC91429B8F33}" type="datetimeFigureOut">
               <a:rPr lang="en-ID" smtClean="0"/>
-              <a:t>13 Jun 2022</a:t>
+              <a:t>20/06/2022</a:t>
             </a:fld>
             <a:endParaRPr lang="en-ID"/>
           </a:p>
@@ -707,7 +717,7 @@
           <a:p>
             <a:fld id="{52C45C03-85F0-4117-AE6F-E447F860109C}" type="slidenum">
               <a:rPr lang="en-ID" smtClean="0"/>
-              <a:t>3</a:t>
+              <a:t>4</a:t>
             </a:fld>
             <a:endParaRPr lang="en-ID"/>
           </a:p>
@@ -791,7 +801,7 @@
           <a:p>
             <a:fld id="{52C45C03-85F0-4117-AE6F-E447F860109C}" type="slidenum">
               <a:rPr lang="en-ID" smtClean="0"/>
-              <a:t>8</a:t>
+              <a:t>11</a:t>
             </a:fld>
             <a:endParaRPr lang="en-ID"/>
           </a:p>
@@ -875,7 +885,7 @@
           <a:p>
             <a:fld id="{52C45C03-85F0-4117-AE6F-E447F860109C}" type="slidenum">
               <a:rPr lang="en-ID" smtClean="0"/>
-              <a:t>10</a:t>
+              <a:t>13</a:t>
             </a:fld>
             <a:endParaRPr lang="en-ID"/>
           </a:p>
@@ -1155,7 +1165,7 @@
           <a:p>
             <a:fld id="{C0B2ED8A-4D19-475F-B43F-1BDBF332AF7A}" type="datetimeFigureOut">
               <a:rPr lang="en-ID" smtClean="0"/>
-              <a:t>13 Jun 2022</a:t>
+              <a:t>20/06/2022</a:t>
             </a:fld>
             <a:endParaRPr lang="en-ID"/>
           </a:p>
@@ -1350,7 +1360,7 @@
           <a:p>
             <a:fld id="{C0B2ED8A-4D19-475F-B43F-1BDBF332AF7A}" type="datetimeFigureOut">
               <a:rPr lang="en-ID" smtClean="0"/>
-              <a:t>13 Jun 2022</a:t>
+              <a:t>20/06/2022</a:t>
             </a:fld>
             <a:endParaRPr lang="en-ID"/>
           </a:p>
@@ -1528,7 +1538,7 @@
           <a:p>
             <a:fld id="{C0B2ED8A-4D19-475F-B43F-1BDBF332AF7A}" type="datetimeFigureOut">
               <a:rPr lang="en-ID" smtClean="0"/>
-              <a:t>13 Jun 2022</a:t>
+              <a:t>20/06/2022</a:t>
             </a:fld>
             <a:endParaRPr lang="en-ID"/>
           </a:p>
@@ -1791,7 +1801,7 @@
           <a:p>
             <a:fld id="{C0B2ED8A-4D19-475F-B43F-1BDBF332AF7A}" type="datetimeFigureOut">
               <a:rPr lang="en-ID" smtClean="0"/>
-              <a:t>13 Jun 2022</a:t>
+              <a:t>20/06/2022</a:t>
             </a:fld>
             <a:endParaRPr lang="en-ID"/>
           </a:p>
@@ -2078,7 +2088,7 @@
           <a:p>
             <a:fld id="{C0B2ED8A-4D19-475F-B43F-1BDBF332AF7A}" type="datetimeFigureOut">
               <a:rPr lang="en-ID" smtClean="0"/>
-              <a:t>13 Jun 2022</a:t>
+              <a:t>20/06/2022</a:t>
             </a:fld>
             <a:endParaRPr lang="en-ID"/>
           </a:p>
@@ -2426,7 +2436,7 @@
           <a:p>
             <a:fld id="{C0B2ED8A-4D19-475F-B43F-1BDBF332AF7A}" type="datetimeFigureOut">
               <a:rPr lang="en-ID" smtClean="0"/>
-              <a:t>13 Jun 2022</a:t>
+              <a:t>20/06/2022</a:t>
             </a:fld>
             <a:endParaRPr lang="en-ID"/>
           </a:p>
@@ -2847,7 +2857,7 @@
           <a:p>
             <a:fld id="{C0B2ED8A-4D19-475F-B43F-1BDBF332AF7A}" type="datetimeFigureOut">
               <a:rPr lang="en-ID" smtClean="0"/>
-              <a:t>13 Jun 2022</a:t>
+              <a:t>20/06/2022</a:t>
             </a:fld>
             <a:endParaRPr lang="en-ID"/>
           </a:p>
@@ -2964,7 +2974,7 @@
           <a:p>
             <a:fld id="{C0B2ED8A-4D19-475F-B43F-1BDBF332AF7A}" type="datetimeFigureOut">
               <a:rPr lang="en-ID" smtClean="0"/>
-              <a:t>13 Jun 2022</a:t>
+              <a:t>20/06/2022</a:t>
             </a:fld>
             <a:endParaRPr lang="en-ID"/>
           </a:p>
@@ -3059,7 +3069,7 @@
           <a:p>
             <a:fld id="{C0B2ED8A-4D19-475F-B43F-1BDBF332AF7A}" type="datetimeFigureOut">
               <a:rPr lang="en-ID" smtClean="0"/>
-              <a:t>13 Jun 2022</a:t>
+              <a:t>20/06/2022</a:t>
             </a:fld>
             <a:endParaRPr lang="en-ID"/>
           </a:p>
@@ -3334,7 +3344,7 @@
           <a:p>
             <a:fld id="{C0B2ED8A-4D19-475F-B43F-1BDBF332AF7A}" type="datetimeFigureOut">
               <a:rPr lang="en-ID" smtClean="0"/>
-              <a:t>13 Jun 2022</a:t>
+              <a:t>20/06/2022</a:t>
             </a:fld>
             <a:endParaRPr lang="en-ID"/>
           </a:p>
@@ -3589,7 +3599,7 @@
           <a:p>
             <a:fld id="{C0B2ED8A-4D19-475F-B43F-1BDBF332AF7A}" type="datetimeFigureOut">
               <a:rPr lang="en-ID" smtClean="0"/>
-              <a:t>13 Jun 2022</a:t>
+              <a:t>20/06/2022</a:t>
             </a:fld>
             <a:endParaRPr lang="en-ID"/>
           </a:p>
@@ -3768,7 +3778,7 @@
           <a:p>
             <a:fld id="{C0B2ED8A-4D19-475F-B43F-1BDBF332AF7A}" type="datetimeFigureOut">
               <a:rPr lang="en-ID" smtClean="0"/>
-              <a:t>13 Jun 2022</a:t>
+              <a:t>20/06/2022</a:t>
             </a:fld>
             <a:endParaRPr lang="en-ID"/>
           </a:p>
@@ -4313,6 +4323,558 @@
 </file>
 
 <file path=ppt/slides/slide10.xml><?xml version="1.0" encoding="utf-8"?>
+<p:sld xmlns:a="http://schemas.openxmlformats.org/drawingml/2006/main" xmlns:r="http://schemas.openxmlformats.org/officeDocument/2006/relationships" xmlns:p="http://schemas.openxmlformats.org/presentationml/2006/main">
+  <p:cSld>
+    <p:spTree>
+      <p:nvGrpSpPr>
+        <p:cNvPr id="1" name=""/>
+        <p:cNvGrpSpPr/>
+        <p:nvPr/>
+      </p:nvGrpSpPr>
+      <p:grpSpPr>
+        <a:xfrm>
+          <a:off x="0" y="0"/>
+          <a:ext cx="0" cy="0"/>
+          <a:chOff x="0" y="0"/>
+          <a:chExt cx="0" cy="0"/>
+        </a:xfrm>
+      </p:grpSpPr>
+      <p:sp>
+        <p:nvSpPr>
+          <p:cNvPr id="4" name="Title 3">
+            <a:extLst>
+              <a:ext uri="{FF2B5EF4-FFF2-40B4-BE49-F238E27FC236}">
+                <a16:creationId xmlns:a16="http://schemas.microsoft.com/office/drawing/2014/main" id="{658007FF-3BDC-5E99-56E1-E9ADAA5001B3}"/>
+              </a:ext>
+            </a:extLst>
+          </p:cNvPr>
+          <p:cNvSpPr>
+            <a:spLocks noGrp="1"/>
+          </p:cNvSpPr>
+          <p:nvPr>
+            <p:ph type="ctrTitle"/>
+          </p:nvPr>
+        </p:nvSpPr>
+        <p:spPr/>
+        <p:txBody>
+          <a:bodyPr/>
+          <a:lstStyle/>
+          <a:p>
+            <a:r>
+              <a:rPr lang="en-US" dirty="0" err="1"/>
+              <a:t>Graphql</a:t>
+            </a:r>
+            <a:r>
+              <a:rPr lang="en-US" dirty="0"/>
+              <a:t> Schema </a:t>
+            </a:r>
+          </a:p>
+        </p:txBody>
+      </p:sp>
+      <p:sp>
+        <p:nvSpPr>
+          <p:cNvPr id="5" name="Subtitle 4">
+            <a:extLst>
+              <a:ext uri="{FF2B5EF4-FFF2-40B4-BE49-F238E27FC236}">
+                <a16:creationId xmlns:a16="http://schemas.microsoft.com/office/drawing/2014/main" id="{2DCEA0F0-FE88-1997-93B4-4915614FF8A1}"/>
+              </a:ext>
+            </a:extLst>
+          </p:cNvPr>
+          <p:cNvSpPr>
+            <a:spLocks noGrp="1"/>
+          </p:cNvSpPr>
+          <p:nvPr>
+            <p:ph type="subTitle" idx="1"/>
+          </p:nvPr>
+        </p:nvSpPr>
+        <p:spPr/>
+        <p:txBody>
+          <a:bodyPr/>
+          <a:lstStyle/>
+          <a:p>
+            <a:endParaRPr lang="en-US"/>
+          </a:p>
+        </p:txBody>
+      </p:sp>
+    </p:spTree>
+    <p:extLst>
+      <p:ext uri="{BB962C8B-B14F-4D97-AF65-F5344CB8AC3E}">
+        <p14:creationId xmlns:p14="http://schemas.microsoft.com/office/powerpoint/2010/main" val="3483339479"/>
+      </p:ext>
+    </p:extLst>
+  </p:cSld>
+  <p:clrMapOvr>
+    <a:masterClrMapping/>
+  </p:clrMapOvr>
+</p:sld>
+</file>
+
+<file path=ppt/slides/slide11.xml><?xml version="1.0" encoding="utf-8"?>
+<p:sld xmlns:a="http://schemas.openxmlformats.org/drawingml/2006/main" xmlns:r="http://schemas.openxmlformats.org/officeDocument/2006/relationships" xmlns:p="http://schemas.openxmlformats.org/presentationml/2006/main">
+  <p:cSld>
+    <p:spTree>
+      <p:nvGrpSpPr>
+        <p:cNvPr id="1" name=""/>
+        <p:cNvGrpSpPr/>
+        <p:nvPr/>
+      </p:nvGrpSpPr>
+      <p:grpSpPr>
+        <a:xfrm>
+          <a:off x="0" y="0"/>
+          <a:ext cx="0" cy="0"/>
+          <a:chOff x="0" y="0"/>
+          <a:chExt cx="0" cy="0"/>
+        </a:xfrm>
+      </p:grpSpPr>
+      <p:sp>
+        <p:nvSpPr>
+          <p:cNvPr id="2" name="Title 1">
+            <a:extLst>
+              <a:ext uri="{FF2B5EF4-FFF2-40B4-BE49-F238E27FC236}">
+                <a16:creationId xmlns:a16="http://schemas.microsoft.com/office/drawing/2014/main" id="{15660B86-8C34-438D-B2B2-78CBD0366EF9}"/>
+              </a:ext>
+            </a:extLst>
+          </p:cNvPr>
+          <p:cNvSpPr>
+            <a:spLocks noGrp="1"/>
+          </p:cNvSpPr>
+          <p:nvPr>
+            <p:ph type="title"/>
+          </p:nvPr>
+        </p:nvSpPr>
+        <p:spPr/>
+        <p:txBody>
+          <a:bodyPr/>
+          <a:lstStyle/>
+          <a:p>
+            <a:r>
+              <a:rPr lang="en-US" dirty="0" err="1"/>
+              <a:t>Graphql</a:t>
+            </a:r>
+            <a:r>
+              <a:rPr lang="en-US" dirty="0"/>
+              <a:t> Schema </a:t>
+            </a:r>
+          </a:p>
+        </p:txBody>
+      </p:sp>
+      <p:sp>
+        <p:nvSpPr>
+          <p:cNvPr id="3" name="Content Placeholder 2">
+            <a:extLst>
+              <a:ext uri="{FF2B5EF4-FFF2-40B4-BE49-F238E27FC236}">
+                <a16:creationId xmlns:a16="http://schemas.microsoft.com/office/drawing/2014/main" id="{2CC3A6D3-C65D-41BF-A728-0AD416FA66D1}"/>
+              </a:ext>
+            </a:extLst>
+          </p:cNvPr>
+          <p:cNvSpPr>
+            <a:spLocks noGrp="1"/>
+          </p:cNvSpPr>
+          <p:nvPr>
+            <p:ph idx="1"/>
+          </p:nvPr>
+        </p:nvSpPr>
+        <p:spPr>
+          <a:xfrm>
+            <a:off x="457199" y="982133"/>
+            <a:ext cx="8314267" cy="4469740"/>
+          </a:xfrm>
+        </p:spPr>
+        <p:txBody>
+          <a:bodyPr/>
+          <a:lstStyle/>
+          <a:p>
+            <a:pPr marL="0" indent="0">
+              <a:buNone/>
+            </a:pPr>
+            <a:r>
+              <a:rPr lang="en-US" dirty="0"/>
+              <a:t>In </a:t>
+            </a:r>
+            <a:r>
+              <a:rPr lang="en-US" dirty="0" err="1"/>
+              <a:t>Graphql</a:t>
+            </a:r>
+            <a:r>
+              <a:rPr lang="en-US" dirty="0"/>
+              <a:t> instead of looking at APIs as a collection of REST endpoints, we are going to begin looking at APIs as collection of types (schema)</a:t>
+            </a:r>
+          </a:p>
+          <a:p>
+            <a:pPr marL="0" indent="0">
+              <a:buNone/>
+            </a:pPr>
+            <a:endParaRPr lang="en-US" dirty="0"/>
+          </a:p>
+          <a:p>
+            <a:pPr marL="0" indent="0">
+              <a:buNone/>
+            </a:pPr>
+            <a:r>
+              <a:rPr lang="en-US" b="0" i="0" dirty="0" err="1">
+                <a:effectLst/>
+                <a:latin typeface="+mj-lt"/>
+              </a:rPr>
+              <a:t>GraphQL</a:t>
+            </a:r>
+            <a:r>
+              <a:rPr lang="en-US" b="0" i="0" dirty="0">
+                <a:effectLst/>
+                <a:latin typeface="+mj-lt"/>
+              </a:rPr>
+              <a:t> has its own type system that’s used to define the </a:t>
+            </a:r>
+            <a:r>
+              <a:rPr lang="en-US" b="0" dirty="0">
+                <a:effectLst/>
+                <a:latin typeface="+mj-lt"/>
+              </a:rPr>
+              <a:t>schema</a:t>
+            </a:r>
+            <a:r>
+              <a:rPr lang="en-US" b="0" i="0" dirty="0">
+                <a:effectLst/>
+                <a:latin typeface="+mj-lt"/>
+              </a:rPr>
+              <a:t> of an API. The syntax for writing schemas is called </a:t>
+            </a:r>
+            <a:r>
+              <a:rPr lang="en-US" b="0" i="0" u="none" strike="noStrike" dirty="0">
+                <a:effectLst/>
+                <a:latin typeface="+mj-lt"/>
+              </a:rPr>
+              <a:t>Schema Definition Language</a:t>
+            </a:r>
+            <a:r>
+              <a:rPr lang="en-US" b="0" i="0" dirty="0">
+                <a:effectLst/>
+                <a:latin typeface="+mj-lt"/>
+              </a:rPr>
+              <a:t> (SDL).</a:t>
+            </a:r>
+            <a:r>
+              <a:rPr lang="en-US" dirty="0">
+                <a:latin typeface="+mj-lt"/>
+              </a:rPr>
+              <a:t> </a:t>
+            </a:r>
+            <a:endParaRPr lang="en-ID" dirty="0"/>
+          </a:p>
+          <a:p>
+            <a:pPr marL="0" indent="0">
+              <a:buNone/>
+            </a:pPr>
+            <a:endParaRPr lang="en-US" dirty="0"/>
+          </a:p>
+          <a:p>
+            <a:pPr marL="0" indent="0">
+              <a:buNone/>
+            </a:pPr>
+            <a:endParaRPr lang="en-US" dirty="0"/>
+          </a:p>
+        </p:txBody>
+      </p:sp>
+    </p:spTree>
+    <p:extLst>
+      <p:ext uri="{BB962C8B-B14F-4D97-AF65-F5344CB8AC3E}">
+        <p14:creationId xmlns:p14="http://schemas.microsoft.com/office/powerpoint/2010/main" val="2499318771"/>
+      </p:ext>
+    </p:extLst>
+  </p:cSld>
+  <p:clrMapOvr>
+    <a:masterClrMapping/>
+  </p:clrMapOvr>
+</p:sld>
+</file>
+
+<file path=ppt/slides/slide12.xml><?xml version="1.0" encoding="utf-8"?>
+<p:sld xmlns:a="http://schemas.openxmlformats.org/drawingml/2006/main" xmlns:r="http://schemas.openxmlformats.org/officeDocument/2006/relationships" xmlns:p="http://schemas.openxmlformats.org/presentationml/2006/main">
+  <p:cSld>
+    <p:spTree>
+      <p:nvGrpSpPr>
+        <p:cNvPr id="1" name=""/>
+        <p:cNvGrpSpPr/>
+        <p:nvPr/>
+      </p:nvGrpSpPr>
+      <p:grpSpPr>
+        <a:xfrm>
+          <a:off x="0" y="0"/>
+          <a:ext cx="0" cy="0"/>
+          <a:chOff x="0" y="0"/>
+          <a:chExt cx="0" cy="0"/>
+        </a:xfrm>
+      </p:grpSpPr>
+      <p:sp>
+        <p:nvSpPr>
+          <p:cNvPr id="2" name="Title 1">
+            <a:extLst>
+              <a:ext uri="{FF2B5EF4-FFF2-40B4-BE49-F238E27FC236}">
+                <a16:creationId xmlns:a16="http://schemas.microsoft.com/office/drawing/2014/main" id="{26E4926C-6501-4682-52C4-EF0229E3215A}"/>
+              </a:ext>
+            </a:extLst>
+          </p:cNvPr>
+          <p:cNvSpPr>
+            <a:spLocks noGrp="1"/>
+          </p:cNvSpPr>
+          <p:nvPr>
+            <p:ph type="title"/>
+          </p:nvPr>
+        </p:nvSpPr>
+        <p:spPr/>
+        <p:txBody>
+          <a:bodyPr/>
+          <a:lstStyle/>
+          <a:p>
+            <a:r>
+              <a:rPr lang="en-US" dirty="0" err="1"/>
+              <a:t>Graphql</a:t>
+            </a:r>
+            <a:r>
+              <a:rPr lang="en-US" dirty="0"/>
+              <a:t> Schema – Defining Types</a:t>
+            </a:r>
+            <a:endParaRPr lang="en-ID" dirty="0"/>
+          </a:p>
+        </p:txBody>
+      </p:sp>
+      <p:sp>
+        <p:nvSpPr>
+          <p:cNvPr id="3" name="Content Placeholder 2">
+            <a:extLst>
+              <a:ext uri="{FF2B5EF4-FFF2-40B4-BE49-F238E27FC236}">
+                <a16:creationId xmlns:a16="http://schemas.microsoft.com/office/drawing/2014/main" id="{5D3FB1D7-A4CC-8DFD-0A87-8D6EBC28769A}"/>
+              </a:ext>
+            </a:extLst>
+          </p:cNvPr>
+          <p:cNvSpPr>
+            <a:spLocks noGrp="1"/>
+          </p:cNvSpPr>
+          <p:nvPr>
+            <p:ph idx="1"/>
+          </p:nvPr>
+        </p:nvSpPr>
+        <p:spPr>
+          <a:xfrm>
+            <a:off x="457200" y="990600"/>
+            <a:ext cx="5053982" cy="5135563"/>
+          </a:xfrm>
+        </p:spPr>
+        <p:txBody>
+          <a:bodyPr/>
+          <a:lstStyle/>
+          <a:p>
+            <a:pPr marL="0" indent="0">
+              <a:buNone/>
+            </a:pPr>
+            <a:r>
+              <a:rPr lang="en-US" dirty="0"/>
+              <a:t>Type is the core unit of any </a:t>
+            </a:r>
+            <a:r>
+              <a:rPr lang="en-US" dirty="0" err="1"/>
+              <a:t>graphql</a:t>
+            </a:r>
+            <a:r>
+              <a:rPr lang="en-US" dirty="0"/>
+              <a:t> schema</a:t>
+            </a:r>
+          </a:p>
+          <a:p>
+            <a:r>
+              <a:rPr lang="en-US" dirty="0"/>
+              <a:t>Object types and fields</a:t>
+            </a:r>
+          </a:p>
+          <a:p>
+            <a:r>
+              <a:rPr lang="en-US" dirty="0"/>
+              <a:t>Scalar Types</a:t>
+            </a:r>
+          </a:p>
+          <a:p>
+            <a:pPr lvl="1"/>
+            <a:r>
+              <a:rPr lang="en-US" dirty="0"/>
+              <a:t>Int</a:t>
+            </a:r>
+          </a:p>
+          <a:p>
+            <a:pPr lvl="1"/>
+            <a:r>
+              <a:rPr lang="en-US" dirty="0"/>
+              <a:t>Float</a:t>
+            </a:r>
+          </a:p>
+          <a:p>
+            <a:pPr lvl="1"/>
+            <a:r>
+              <a:rPr lang="en-US" dirty="0"/>
+              <a:t>String</a:t>
+            </a:r>
+          </a:p>
+          <a:p>
+            <a:pPr lvl="1"/>
+            <a:r>
+              <a:rPr lang="en-US" dirty="0"/>
+              <a:t>Boolean</a:t>
+            </a:r>
+          </a:p>
+          <a:p>
+            <a:pPr lvl="1"/>
+            <a:r>
+              <a:rPr lang="en-US" dirty="0"/>
+              <a:t>ID</a:t>
+            </a:r>
+          </a:p>
+          <a:p>
+            <a:r>
+              <a:rPr lang="en-US" dirty="0"/>
+              <a:t>Enum</a:t>
+            </a:r>
+            <a:endParaRPr lang="en-ID" dirty="0"/>
+          </a:p>
+        </p:txBody>
+      </p:sp>
+      <p:grpSp>
+        <p:nvGrpSpPr>
+          <p:cNvPr id="20" name="Group 19">
+            <a:extLst>
+              <a:ext uri="{FF2B5EF4-FFF2-40B4-BE49-F238E27FC236}">
+                <a16:creationId xmlns:a16="http://schemas.microsoft.com/office/drawing/2014/main" id="{AE985785-5217-EC96-46C5-6CE5D5121793}"/>
+              </a:ext>
+            </a:extLst>
+          </p:cNvPr>
+          <p:cNvGrpSpPr/>
+          <p:nvPr/>
+        </p:nvGrpSpPr>
+        <p:grpSpPr>
+          <a:xfrm>
+            <a:off x="5697020" y="1277517"/>
+            <a:ext cx="2989780" cy="3945277"/>
+            <a:chOff x="5619964" y="1387011"/>
+            <a:chExt cx="2989780" cy="3945277"/>
+          </a:xfrm>
+        </p:grpSpPr>
+        <p:pic>
+          <p:nvPicPr>
+            <p:cNvPr id="14" name="Picture 13">
+              <a:extLst>
+                <a:ext uri="{FF2B5EF4-FFF2-40B4-BE49-F238E27FC236}">
+                  <a16:creationId xmlns:a16="http://schemas.microsoft.com/office/drawing/2014/main" id="{11849CF2-A07D-2D51-3EE4-F7410DE8140E}"/>
+                </a:ext>
+              </a:extLst>
+            </p:cNvPr>
+            <p:cNvPicPr>
+              <a:picLocks noChangeAspect="1"/>
+            </p:cNvPicPr>
+            <p:nvPr/>
+          </p:nvPicPr>
+          <p:blipFill rotWithShape="1">
+            <a:blip r:embed="rId2"/>
+            <a:srcRect b="63023"/>
+            <a:stretch/>
+          </p:blipFill>
+          <p:spPr>
+            <a:xfrm>
+              <a:off x="5810845" y="1622353"/>
+              <a:ext cx="2530059" cy="1665377"/>
+            </a:xfrm>
+            <a:prstGeom prst="rect">
+              <a:avLst/>
+            </a:prstGeom>
+          </p:spPr>
+        </p:pic>
+        <p:pic>
+          <p:nvPicPr>
+            <p:cNvPr id="16" name="Picture 15">
+              <a:extLst>
+                <a:ext uri="{FF2B5EF4-FFF2-40B4-BE49-F238E27FC236}">
+                  <a16:creationId xmlns:a16="http://schemas.microsoft.com/office/drawing/2014/main" id="{16AED360-89CF-0073-C557-963355D2EFAC}"/>
+                </a:ext>
+              </a:extLst>
+            </p:cNvPr>
+            <p:cNvPicPr>
+              <a:picLocks noChangeAspect="1"/>
+            </p:cNvPicPr>
+            <p:nvPr/>
+          </p:nvPicPr>
+          <p:blipFill rotWithShape="1">
+            <a:blip r:embed="rId2"/>
+            <a:srcRect t="57280"/>
+            <a:stretch/>
+          </p:blipFill>
+          <p:spPr>
+            <a:xfrm>
+              <a:off x="5810844" y="3311614"/>
+              <a:ext cx="2530059" cy="1924033"/>
+            </a:xfrm>
+            <a:prstGeom prst="rect">
+              <a:avLst/>
+            </a:prstGeom>
+          </p:spPr>
+        </p:pic>
+        <p:sp>
+          <p:nvSpPr>
+            <p:cNvPr id="19" name="Rectangle 18">
+              <a:extLst>
+                <a:ext uri="{FF2B5EF4-FFF2-40B4-BE49-F238E27FC236}">
+                  <a16:creationId xmlns:a16="http://schemas.microsoft.com/office/drawing/2014/main" id="{3DD59605-623F-F56B-B1C4-20F5CC226EC8}"/>
+                </a:ext>
+              </a:extLst>
+            </p:cNvPr>
+            <p:cNvSpPr/>
+            <p:nvPr/>
+          </p:nvSpPr>
+          <p:spPr>
+            <a:xfrm>
+              <a:off x="5619964" y="1387011"/>
+              <a:ext cx="2989780" cy="3945277"/>
+            </a:xfrm>
+            <a:prstGeom prst="rect">
+              <a:avLst/>
+            </a:prstGeom>
+            <a:noFill/>
+          </p:spPr>
+          <p:style>
+            <a:lnRef idx="2">
+              <a:schemeClr val="accent1">
+                <a:shade val="50000"/>
+              </a:schemeClr>
+            </a:lnRef>
+            <a:fillRef idx="1">
+              <a:schemeClr val="accent1"/>
+            </a:fillRef>
+            <a:effectRef idx="0">
+              <a:schemeClr val="accent1"/>
+            </a:effectRef>
+            <a:fontRef idx="minor">
+              <a:schemeClr val="lt1"/>
+            </a:fontRef>
+          </p:style>
+          <p:txBody>
+            <a:bodyPr rtlCol="0" anchor="ctr"/>
+            <a:lstStyle/>
+            <a:p>
+              <a:pPr algn="ctr"/>
+              <a:endParaRPr lang="en-ID"/>
+            </a:p>
+          </p:txBody>
+        </p:sp>
+      </p:grpSp>
+    </p:spTree>
+    <p:extLst>
+      <p:ext uri="{BB962C8B-B14F-4D97-AF65-F5344CB8AC3E}">
+        <p14:creationId xmlns:p14="http://schemas.microsoft.com/office/powerpoint/2010/main" val="3680123203"/>
+      </p:ext>
+    </p:extLst>
+  </p:cSld>
+  <p:clrMapOvr>
+    <a:masterClrMapping/>
+  </p:clrMapOvr>
+</p:sld>
+</file>
+
+<file path=ppt/slides/slide13.xml><?xml version="1.0" encoding="utf-8"?>
 <p:sld xmlns:a="http://schemas.openxmlformats.org/drawingml/2006/main" xmlns:r="http://schemas.openxmlformats.org/officeDocument/2006/relationships" xmlns:p="http://schemas.openxmlformats.org/presentationml/2006/main">
   <p:cSld>
     <p:spTree>
@@ -5829,7 +6391,7 @@
 </p:sld>
 </file>
 
-<file path=ppt/slides/slide11.xml><?xml version="1.0" encoding="utf-8"?>
+<file path=ppt/slides/slide14.xml><?xml version="1.0" encoding="utf-8"?>
 <p:sld xmlns:a="http://schemas.openxmlformats.org/drawingml/2006/main" xmlns:r="http://schemas.openxmlformats.org/officeDocument/2006/relationships" xmlns:p="http://schemas.openxmlformats.org/presentationml/2006/main">
   <p:cSld>
     <p:spTree>
@@ -5903,7 +6465,7 @@
         </p:blipFill>
         <p:spPr>
           <a:xfrm>
-            <a:off x="809406" y="3605284"/>
+            <a:off x="730748" y="3647609"/>
             <a:ext cx="3526288" cy="1611229"/>
           </a:xfrm>
           <a:prstGeom prst="rect">
@@ -5963,7 +6525,7 @@
         </p:blipFill>
         <p:spPr>
           <a:xfrm>
-            <a:off x="809406" y="1264865"/>
+            <a:off x="730748" y="1046920"/>
             <a:ext cx="3526288" cy="1955837"/>
           </a:xfrm>
           <a:prstGeom prst="rect">
@@ -6134,7 +6696,7 @@
 </p:sld>
 </file>
 
-<file path=ppt/slides/slide12.xml><?xml version="1.0" encoding="utf-8"?>
+<file path=ppt/slides/slide15.xml><?xml version="1.0" encoding="utf-8"?>
 <p:sld xmlns:a="http://schemas.openxmlformats.org/drawingml/2006/main" xmlns:r="http://schemas.openxmlformats.org/officeDocument/2006/relationships" xmlns:p="http://schemas.openxmlformats.org/presentationml/2006/main">
   <p:cSld>
     <p:spTree>
@@ -6202,7 +6764,12 @@
             <p:ph idx="1"/>
           </p:nvPr>
         </p:nvSpPr>
-        <p:spPr/>
+        <p:spPr>
+          <a:xfrm>
+            <a:off x="457200" y="855406"/>
+            <a:ext cx="8229600" cy="5879691"/>
+          </a:xfrm>
+        </p:spPr>
         <p:txBody>
           <a:bodyPr/>
           <a:lstStyle/>
@@ -6233,7 +6800,7 @@
         </p:blipFill>
         <p:spPr>
           <a:xfrm>
-            <a:off x="559942" y="1082111"/>
+            <a:off x="607988" y="1319703"/>
             <a:ext cx="4544059" cy="1981477"/>
           </a:xfrm>
           <a:prstGeom prst="rect">
@@ -6293,7 +6860,7 @@
         </p:blipFill>
         <p:spPr>
           <a:xfrm>
-            <a:off x="559942" y="3429000"/>
+            <a:off x="607988" y="3753163"/>
             <a:ext cx="4447965" cy="2529951"/>
           </a:xfrm>
           <a:prstGeom prst="rect">
@@ -6464,7 +7031,7 @@
 </p:sld>
 </file>
 
-<file path=ppt/slides/slide13.xml><?xml version="1.0" encoding="utf-8"?>
+<file path=ppt/slides/slide16.xml><?xml version="1.0" encoding="utf-8"?>
 <p:sld xmlns:a="http://schemas.openxmlformats.org/drawingml/2006/main" xmlns:r="http://schemas.openxmlformats.org/officeDocument/2006/relationships" xmlns:p="http://schemas.openxmlformats.org/presentationml/2006/main">
   <p:cSld>
     <p:spTree>
@@ -6584,7 +7151,7 @@
 </p:sld>
 </file>
 
-<file path=ppt/slides/slide14.xml><?xml version="1.0" encoding="utf-8"?>
+<file path=ppt/slides/slide17.xml><?xml version="1.0" encoding="utf-8"?>
 <p:sld xmlns:a="http://schemas.openxmlformats.org/drawingml/2006/main" xmlns:r="http://schemas.openxmlformats.org/officeDocument/2006/relationships" xmlns:p="http://schemas.openxmlformats.org/presentationml/2006/main">
   <p:cSld>
     <p:spTree>
@@ -6603,10 +7170,10 @@
       </p:grpSpPr>
       <p:sp>
         <p:nvSpPr>
-          <p:cNvPr id="2" name="Title 1">
+          <p:cNvPr id="4" name="Title 3">
             <a:extLst>
               <a:ext uri="{FF2B5EF4-FFF2-40B4-BE49-F238E27FC236}">
-                <a16:creationId xmlns:a16="http://schemas.microsoft.com/office/drawing/2014/main" id="{15660B86-8C34-438D-B2B2-78CBD0366EF9}"/>
+                <a16:creationId xmlns:a16="http://schemas.microsoft.com/office/drawing/2014/main" id="{333C482B-250B-EE41-E023-FE2FC782A3D1}"/>
               </a:ext>
             </a:extLst>
           </p:cNvPr>
@@ -6614,7 +7181,7 @@
             <a:spLocks noGrp="1"/>
           </p:cNvSpPr>
           <p:nvPr>
-            <p:ph type="title"/>
+            <p:ph type="ctrTitle"/>
           </p:nvPr>
         </p:nvSpPr>
         <p:spPr/>
@@ -6635,10 +7202,10 @@
       </p:sp>
       <p:sp>
         <p:nvSpPr>
-          <p:cNvPr id="3" name="Content Placeholder 2">
+          <p:cNvPr id="5" name="Subtitle 4">
             <a:extLst>
               <a:ext uri="{FF2B5EF4-FFF2-40B4-BE49-F238E27FC236}">
-                <a16:creationId xmlns:a16="http://schemas.microsoft.com/office/drawing/2014/main" id="{2CC3A6D3-C65D-41BF-A728-0AD416FA66D1}"/>
+                <a16:creationId xmlns:a16="http://schemas.microsoft.com/office/drawing/2014/main" id="{31EE1461-164D-3DA8-DDF4-9AF50AD96B6F}"/>
               </a:ext>
             </a:extLst>
           </p:cNvPr>
@@ -6646,67 +7213,22 @@
             <a:spLocks noGrp="1"/>
           </p:cNvSpPr>
           <p:nvPr>
-            <p:ph idx="1"/>
-          </p:nvPr>
-        </p:nvSpPr>
-        <p:spPr>
-          <a:xfrm>
-            <a:off x="457199" y="982133"/>
-            <a:ext cx="8314267" cy="3692609"/>
-          </a:xfrm>
-        </p:spPr>
+            <p:ph type="subTitle" idx="1"/>
+          </p:nvPr>
+        </p:nvSpPr>
+        <p:spPr/>
         <p:txBody>
           <a:bodyPr/>
           <a:lstStyle/>
           <a:p>
-            <a:pPr marL="0" indent="0">
-              <a:buNone/>
-            </a:pPr>
-            <a:r>
-              <a:rPr lang="en-US" dirty="0" err="1"/>
-              <a:t>Graphql</a:t>
-            </a:r>
-            <a:r>
-              <a:rPr lang="en-US" dirty="0"/>
-              <a:t> has 3 root types</a:t>
-            </a:r>
-          </a:p>
-          <a:p>
-            <a:r>
-              <a:rPr lang="en-US" dirty="0"/>
-              <a:t>Query</a:t>
-            </a:r>
-          </a:p>
-          <a:p>
-            <a:r>
-              <a:rPr lang="en-US" dirty="0"/>
-              <a:t>Mutation</a:t>
-            </a:r>
-          </a:p>
-          <a:p>
-            <a:r>
-              <a:rPr lang="en-US" dirty="0"/>
-              <a:t>Subscription</a:t>
-            </a:r>
-          </a:p>
-          <a:p>
-            <a:pPr marL="0" indent="0">
-              <a:buNone/>
-            </a:pPr>
-            <a:endParaRPr lang="en-US" dirty="0"/>
-          </a:p>
-          <a:p>
-            <a:pPr marL="0" indent="0">
-              <a:buNone/>
-            </a:pPr>
-            <a:endParaRPr lang="en-US" dirty="0"/>
+            <a:endParaRPr lang="en-US"/>
           </a:p>
         </p:txBody>
       </p:sp>
     </p:spTree>
     <p:extLst>
       <p:ext uri="{BB962C8B-B14F-4D97-AF65-F5344CB8AC3E}">
-        <p14:creationId xmlns:p14="http://schemas.microsoft.com/office/powerpoint/2010/main" val="1757175516"/>
+        <p14:creationId xmlns:p14="http://schemas.microsoft.com/office/powerpoint/2010/main" val="3650127993"/>
       </p:ext>
     </p:extLst>
   </p:cSld>
@@ -6716,7 +7238,7 @@
 </p:sld>
 </file>
 
-<file path=ppt/slides/slide15.xml><?xml version="1.0" encoding="utf-8"?>
+<file path=ppt/slides/slide18.xml><?xml version="1.0" encoding="utf-8"?>
 <p:sld xmlns:a="http://schemas.openxmlformats.org/drawingml/2006/main" xmlns:r="http://schemas.openxmlformats.org/officeDocument/2006/relationships" xmlns:p="http://schemas.openxmlformats.org/presentationml/2006/main">
   <p:cSld>
     <p:spTree>
@@ -6738,6 +7260,138 @@
           <p:cNvPr id="2" name="Title 1">
             <a:extLst>
               <a:ext uri="{FF2B5EF4-FFF2-40B4-BE49-F238E27FC236}">
+                <a16:creationId xmlns:a16="http://schemas.microsoft.com/office/drawing/2014/main" id="{15660B86-8C34-438D-B2B2-78CBD0366EF9}"/>
+              </a:ext>
+            </a:extLst>
+          </p:cNvPr>
+          <p:cNvSpPr>
+            <a:spLocks noGrp="1"/>
+          </p:cNvSpPr>
+          <p:nvPr>
+            <p:ph type="title"/>
+          </p:nvPr>
+        </p:nvSpPr>
+        <p:spPr/>
+        <p:txBody>
+          <a:bodyPr/>
+          <a:lstStyle/>
+          <a:p>
+            <a:r>
+              <a:rPr lang="en-US" dirty="0" err="1"/>
+              <a:t>Graphql</a:t>
+            </a:r>
+            <a:r>
+              <a:rPr lang="en-US" dirty="0"/>
+              <a:t> Query</a:t>
+            </a:r>
+          </a:p>
+        </p:txBody>
+      </p:sp>
+      <p:sp>
+        <p:nvSpPr>
+          <p:cNvPr id="3" name="Content Placeholder 2">
+            <a:extLst>
+              <a:ext uri="{FF2B5EF4-FFF2-40B4-BE49-F238E27FC236}">
+                <a16:creationId xmlns:a16="http://schemas.microsoft.com/office/drawing/2014/main" id="{2CC3A6D3-C65D-41BF-A728-0AD416FA66D1}"/>
+              </a:ext>
+            </a:extLst>
+          </p:cNvPr>
+          <p:cNvSpPr>
+            <a:spLocks noGrp="1"/>
+          </p:cNvSpPr>
+          <p:nvPr>
+            <p:ph idx="1"/>
+          </p:nvPr>
+        </p:nvSpPr>
+        <p:spPr>
+          <a:xfrm>
+            <a:off x="457199" y="982133"/>
+            <a:ext cx="8314267" cy="3692609"/>
+          </a:xfrm>
+        </p:spPr>
+        <p:txBody>
+          <a:bodyPr/>
+          <a:lstStyle/>
+          <a:p>
+            <a:pPr marL="0" indent="0">
+              <a:buNone/>
+            </a:pPr>
+            <a:r>
+              <a:rPr lang="en-US" dirty="0" err="1"/>
+              <a:t>Graphql</a:t>
+            </a:r>
+            <a:r>
+              <a:rPr lang="en-US" dirty="0"/>
+              <a:t> has 3 root types</a:t>
+            </a:r>
+          </a:p>
+          <a:p>
+            <a:r>
+              <a:rPr lang="en-US" dirty="0"/>
+              <a:t>Query</a:t>
+            </a:r>
+          </a:p>
+          <a:p>
+            <a:r>
+              <a:rPr lang="en-US" dirty="0"/>
+              <a:t>Mutation</a:t>
+            </a:r>
+          </a:p>
+          <a:p>
+            <a:r>
+              <a:rPr lang="en-US" dirty="0"/>
+              <a:t>Subscription</a:t>
+            </a:r>
+          </a:p>
+          <a:p>
+            <a:pPr marL="0" indent="0">
+              <a:buNone/>
+            </a:pPr>
+            <a:endParaRPr lang="en-US" dirty="0"/>
+          </a:p>
+          <a:p>
+            <a:pPr marL="0" indent="0">
+              <a:buNone/>
+            </a:pPr>
+            <a:endParaRPr lang="en-US" dirty="0"/>
+          </a:p>
+        </p:txBody>
+      </p:sp>
+    </p:spTree>
+    <p:extLst>
+      <p:ext uri="{BB962C8B-B14F-4D97-AF65-F5344CB8AC3E}">
+        <p14:creationId xmlns:p14="http://schemas.microsoft.com/office/powerpoint/2010/main" val="1757175516"/>
+      </p:ext>
+    </p:extLst>
+  </p:cSld>
+  <p:clrMapOvr>
+    <a:masterClrMapping/>
+  </p:clrMapOvr>
+</p:sld>
+</file>
+
+<file path=ppt/slides/slide19.xml><?xml version="1.0" encoding="utf-8"?>
+<p:sld xmlns:a="http://schemas.openxmlformats.org/drawingml/2006/main" xmlns:r="http://schemas.openxmlformats.org/officeDocument/2006/relationships" xmlns:p="http://schemas.openxmlformats.org/presentationml/2006/main">
+  <p:cSld>
+    <p:spTree>
+      <p:nvGrpSpPr>
+        <p:cNvPr id="1" name=""/>
+        <p:cNvGrpSpPr/>
+        <p:nvPr/>
+      </p:nvGrpSpPr>
+      <p:grpSpPr>
+        <a:xfrm>
+          <a:off x="0" y="0"/>
+          <a:ext cx="0" cy="0"/>
+          <a:chOff x="0" y="0"/>
+          <a:chExt cx="0" cy="0"/>
+        </a:xfrm>
+      </p:grpSpPr>
+      <p:sp>
+        <p:nvSpPr>
+          <p:cNvPr id="2" name="Title 1">
+            <a:extLst>
+              <a:ext uri="{FF2B5EF4-FFF2-40B4-BE49-F238E27FC236}">
                 <a16:creationId xmlns:a16="http://schemas.microsoft.com/office/drawing/2014/main" id="{B8A9A2D2-C1D5-39CA-379F-C8B401FB0185}"/>
               </a:ext>
             </a:extLst>
@@ -6776,7 +7430,7 @@
         </p:nvGrpSpPr>
         <p:grpSpPr>
           <a:xfrm>
-            <a:off x="396174" y="828331"/>
+            <a:off x="346994" y="839177"/>
             <a:ext cx="2733692" cy="2756359"/>
             <a:chOff x="390420" y="950981"/>
             <a:chExt cx="2733692" cy="2756359"/>
@@ -7505,7 +8159,150 @@
 </p:sld>
 </file>
 
-<file path=ppt/slides/slide16.xml><?xml version="1.0" encoding="utf-8"?>
+<file path=ppt/slides/slide2.xml><?xml version="1.0" encoding="utf-8"?>
+<p:sld xmlns:a="http://schemas.openxmlformats.org/drawingml/2006/main" xmlns:r="http://schemas.openxmlformats.org/officeDocument/2006/relationships" xmlns:p="http://schemas.openxmlformats.org/presentationml/2006/main">
+  <p:cSld>
+    <p:spTree>
+      <p:nvGrpSpPr>
+        <p:cNvPr id="1" name=""/>
+        <p:cNvGrpSpPr/>
+        <p:nvPr/>
+      </p:nvGrpSpPr>
+      <p:grpSpPr>
+        <a:xfrm>
+          <a:off x="0" y="0"/>
+          <a:ext cx="0" cy="0"/>
+          <a:chOff x="0" y="0"/>
+          <a:chExt cx="0" cy="0"/>
+        </a:xfrm>
+      </p:grpSpPr>
+      <p:sp>
+        <p:nvSpPr>
+          <p:cNvPr id="2" name="Title 1">
+            <a:extLst>
+              <a:ext uri="{FF2B5EF4-FFF2-40B4-BE49-F238E27FC236}">
+                <a16:creationId xmlns:a16="http://schemas.microsoft.com/office/drawing/2014/main" id="{15660B86-8C34-438D-B2B2-78CBD0366EF9}"/>
+              </a:ext>
+            </a:extLst>
+          </p:cNvPr>
+          <p:cNvSpPr>
+            <a:spLocks noGrp="1"/>
+          </p:cNvSpPr>
+          <p:nvPr>
+            <p:ph type="title"/>
+          </p:nvPr>
+        </p:nvSpPr>
+        <p:spPr/>
+        <p:txBody>
+          <a:bodyPr/>
+          <a:lstStyle/>
+          <a:p>
+            <a:r>
+              <a:rPr lang="en-US" dirty="0"/>
+              <a:t>Overview</a:t>
+            </a:r>
+            <a:endParaRPr lang="en-ID" dirty="0"/>
+          </a:p>
+        </p:txBody>
+      </p:sp>
+      <p:sp>
+        <p:nvSpPr>
+          <p:cNvPr id="3" name="Content Placeholder 2">
+            <a:extLst>
+              <a:ext uri="{FF2B5EF4-FFF2-40B4-BE49-F238E27FC236}">
+                <a16:creationId xmlns:a16="http://schemas.microsoft.com/office/drawing/2014/main" id="{2CC3A6D3-C65D-41BF-A728-0AD416FA66D1}"/>
+              </a:ext>
+            </a:extLst>
+          </p:cNvPr>
+          <p:cNvSpPr>
+            <a:spLocks noGrp="1"/>
+          </p:cNvSpPr>
+          <p:nvPr>
+            <p:ph idx="1"/>
+          </p:nvPr>
+        </p:nvSpPr>
+        <p:spPr>
+          <a:xfrm>
+            <a:off x="457199" y="982133"/>
+            <a:ext cx="8314267" cy="4469740"/>
+          </a:xfrm>
+        </p:spPr>
+        <p:txBody>
+          <a:bodyPr/>
+          <a:lstStyle/>
+          <a:p>
+            <a:r>
+              <a:rPr lang="en-US" dirty="0"/>
+              <a:t>What is </a:t>
+            </a:r>
+            <a:r>
+              <a:rPr lang="en-US" dirty="0" err="1"/>
+              <a:t>Graphql</a:t>
+            </a:r>
+            <a:r>
+              <a:rPr lang="en-US" dirty="0"/>
+              <a:t>?</a:t>
+            </a:r>
+          </a:p>
+          <a:p>
+            <a:r>
+              <a:rPr lang="en-US" dirty="0"/>
+              <a:t>REST Drawbacks that solved by </a:t>
+            </a:r>
+            <a:r>
+              <a:rPr lang="en-US" dirty="0" err="1"/>
+              <a:t>Graphql</a:t>
+            </a:r>
+            <a:endParaRPr lang="en-US" dirty="0"/>
+          </a:p>
+          <a:p>
+            <a:r>
+              <a:rPr lang="en-US" dirty="0" err="1"/>
+              <a:t>Graphql</a:t>
+            </a:r>
+            <a:r>
+              <a:rPr lang="en-US" dirty="0"/>
+              <a:t> Query</a:t>
+            </a:r>
+          </a:p>
+          <a:p>
+            <a:r>
+              <a:rPr lang="en-US" dirty="0" err="1"/>
+              <a:t>Graphql</a:t>
+            </a:r>
+            <a:r>
+              <a:rPr lang="en-US" dirty="0"/>
+              <a:t> Schema</a:t>
+            </a:r>
+          </a:p>
+          <a:p>
+            <a:r>
+              <a:rPr lang="en-US" dirty="0"/>
+              <a:t>Security</a:t>
+            </a:r>
+          </a:p>
+          <a:p>
+            <a:r>
+              <a:rPr lang="en-US" dirty="0"/>
+              <a:t>Demo</a:t>
+            </a:r>
+          </a:p>
+        </p:txBody>
+      </p:sp>
+    </p:spTree>
+    <p:extLst>
+      <p:ext uri="{BB962C8B-B14F-4D97-AF65-F5344CB8AC3E}">
+        <p14:creationId xmlns:p14="http://schemas.microsoft.com/office/powerpoint/2010/main" val="2003091177"/>
+      </p:ext>
+    </p:extLst>
+  </p:cSld>
+  <p:clrMapOvr>
+    <a:masterClrMapping/>
+  </p:clrMapOvr>
+</p:sld>
+</file>
+
+<file path=ppt/slides/slide20.xml><?xml version="1.0" encoding="utf-8"?>
 <p:sld xmlns:a="http://schemas.openxmlformats.org/drawingml/2006/main" xmlns:r="http://schemas.openxmlformats.org/officeDocument/2006/relationships" xmlns:p="http://schemas.openxmlformats.org/presentationml/2006/main">
   <p:cSld>
     <p:spTree>
@@ -7806,7 +8603,7 @@
 </p:sld>
 </file>
 
-<file path=ppt/slides/slide17.xml><?xml version="1.0" encoding="utf-8"?>
+<file path=ppt/slides/slide21.xml><?xml version="1.0" encoding="utf-8"?>
 <p:sld xmlns:a="http://schemas.openxmlformats.org/drawingml/2006/main" xmlns:r="http://schemas.openxmlformats.org/officeDocument/2006/relationships" xmlns:p="http://schemas.openxmlformats.org/presentationml/2006/main">
   <p:cSld>
     <p:spTree>
@@ -8107,7 +8904,7 @@
 </p:sld>
 </file>
 
-<file path=ppt/slides/slide18.xml><?xml version="1.0" encoding="utf-8"?>
+<file path=ppt/slides/slide22.xml><?xml version="1.0" encoding="utf-8"?>
 <p:sld xmlns:a="http://schemas.openxmlformats.org/drawingml/2006/main" xmlns:r="http://schemas.openxmlformats.org/officeDocument/2006/relationships" xmlns:p="http://schemas.openxmlformats.org/presentationml/2006/main">
   <p:cSld>
     <p:spTree>
@@ -8126,10 +8923,10 @@
       </p:grpSpPr>
       <p:sp>
         <p:nvSpPr>
-          <p:cNvPr id="2" name="Title 1">
+          <p:cNvPr id="4" name="Title 3">
             <a:extLst>
               <a:ext uri="{FF2B5EF4-FFF2-40B4-BE49-F238E27FC236}">
-                <a16:creationId xmlns:a16="http://schemas.microsoft.com/office/drawing/2014/main" id="{EEB4C5ED-CD5B-84DC-A7B8-A14C090C7875}"/>
+                <a16:creationId xmlns:a16="http://schemas.microsoft.com/office/drawing/2014/main" id="{4D6F4F35-8A0B-7E4D-CFE6-E2C529BB0C28}"/>
               </a:ext>
             </a:extLst>
           </p:cNvPr>
@@ -8137,7 +8934,7 @@
             <a:spLocks noGrp="1"/>
           </p:cNvSpPr>
           <p:nvPr>
-            <p:ph type="title"/>
+            <p:ph type="ctrTitle"/>
           </p:nvPr>
         </p:nvSpPr>
         <p:spPr/>
@@ -8149,16 +8946,15 @@
               <a:rPr lang="en-US" dirty="0"/>
               <a:t>Security</a:t>
             </a:r>
-            <a:endParaRPr lang="en-ID" dirty="0"/>
-          </a:p>
-        </p:txBody>
-      </p:sp>
-      <p:sp>
-        <p:nvSpPr>
-          <p:cNvPr id="3" name="Content Placeholder 2">
+          </a:p>
+        </p:txBody>
+      </p:sp>
+      <p:sp>
+        <p:nvSpPr>
+          <p:cNvPr id="5" name="Subtitle 4">
             <a:extLst>
               <a:ext uri="{FF2B5EF4-FFF2-40B4-BE49-F238E27FC236}">
-                <a16:creationId xmlns:a16="http://schemas.microsoft.com/office/drawing/2014/main" id="{4E709CD8-AB1E-2EA9-98B0-AA3876A0A4E5}"/>
+                <a16:creationId xmlns:a16="http://schemas.microsoft.com/office/drawing/2014/main" id="{002CBF0B-8D0C-72A0-C82F-A83BB014B645}"/>
               </a:ext>
             </a:extLst>
           </p:cNvPr>
@@ -8166,7 +8962,7 @@
             <a:spLocks noGrp="1"/>
           </p:cNvSpPr>
           <p:nvPr>
-            <p:ph idx="1"/>
+            <p:ph type="subTitle" idx="1"/>
           </p:nvPr>
         </p:nvSpPr>
         <p:spPr/>
@@ -8174,38 +8970,14 @@
           <a:bodyPr/>
           <a:lstStyle/>
           <a:p>
-            <a:r>
-              <a:rPr lang="en-US" dirty="0"/>
-              <a:t>Set Request Timeout</a:t>
-            </a:r>
-          </a:p>
-          <a:p>
-            <a:r>
-              <a:rPr lang="en-US" dirty="0"/>
-              <a:t>Data Limitations </a:t>
-            </a:r>
-          </a:p>
-          <a:p>
-            <a:r>
-              <a:rPr lang="en-US" dirty="0"/>
-              <a:t>Limiting Query Depth</a:t>
-            </a:r>
-          </a:p>
-          <a:p>
-            <a:r>
-              <a:rPr lang="en-US" dirty="0"/>
-              <a:t>Limiting Query Complexity</a:t>
-            </a:r>
-          </a:p>
-          <a:p>
-            <a:endParaRPr lang="en-ID" dirty="0"/>
+            <a:endParaRPr lang="en-US"/>
           </a:p>
         </p:txBody>
       </p:sp>
     </p:spTree>
     <p:extLst>
       <p:ext uri="{BB962C8B-B14F-4D97-AF65-F5344CB8AC3E}">
-        <p14:creationId xmlns:p14="http://schemas.microsoft.com/office/powerpoint/2010/main" val="958489644"/>
+        <p14:creationId xmlns:p14="http://schemas.microsoft.com/office/powerpoint/2010/main" val="1499908528"/>
       </p:ext>
     </p:extLst>
   </p:cSld>
@@ -8215,7 +8987,7 @@
 </p:sld>
 </file>
 
-<file path=ppt/slides/slide19.xml><?xml version="1.0" encoding="utf-8"?>
+<file path=ppt/slides/slide23.xml><?xml version="1.0" encoding="utf-8"?>
 <p:sld xmlns:a="http://schemas.openxmlformats.org/drawingml/2006/main" xmlns:r="http://schemas.openxmlformats.org/officeDocument/2006/relationships" xmlns:p="http://schemas.openxmlformats.org/presentationml/2006/main">
   <p:cSld>
     <p:spTree>
@@ -8237,7 +9009,7 @@
           <p:cNvPr id="2" name="Title 1">
             <a:extLst>
               <a:ext uri="{FF2B5EF4-FFF2-40B4-BE49-F238E27FC236}">
-                <a16:creationId xmlns:a16="http://schemas.microsoft.com/office/drawing/2014/main" id="{29ED1FB1-D88D-C600-9B41-A31FE4A5A7EB}"/>
+                <a16:creationId xmlns:a16="http://schemas.microsoft.com/office/drawing/2014/main" id="{EEB4C5ED-CD5B-84DC-A7B8-A14C090C7875}"/>
               </a:ext>
             </a:extLst>
           </p:cNvPr>
@@ -8253,7 +9025,11 @@
           <a:bodyPr/>
           <a:lstStyle/>
           <a:p>
-            <a:endParaRPr lang="en-ID"/>
+            <a:r>
+              <a:rPr lang="en-US" dirty="0"/>
+              <a:t>Security</a:t>
+            </a:r>
+            <a:endParaRPr lang="en-ID" dirty="0"/>
           </a:p>
         </p:txBody>
       </p:sp>
@@ -8262,7 +9038,7 @@
           <p:cNvPr id="3" name="Content Placeholder 2">
             <a:extLst>
               <a:ext uri="{FF2B5EF4-FFF2-40B4-BE49-F238E27FC236}">
-                <a16:creationId xmlns:a16="http://schemas.microsoft.com/office/drawing/2014/main" id="{885065A5-7E21-3972-6C3F-F03337A9E40F}"/>
+                <a16:creationId xmlns:a16="http://schemas.microsoft.com/office/drawing/2014/main" id="{4E709CD8-AB1E-2EA9-98B0-AA3876A0A4E5}"/>
               </a:ext>
             </a:extLst>
           </p:cNvPr>
@@ -8279,17 +9055,37 @@
           <a:lstStyle/>
           <a:p>
             <a:r>
-              <a:rPr lang="en-US"/>
-              <a:t>DEMO</a:t>
-            </a:r>
-            <a:endParaRPr lang="en-ID"/>
+              <a:rPr lang="en-US" dirty="0"/>
+              <a:t>Set Request Timeout</a:t>
+            </a:r>
+          </a:p>
+          <a:p>
+            <a:r>
+              <a:rPr lang="en-US" dirty="0"/>
+              <a:t>Data Limitations </a:t>
+            </a:r>
+          </a:p>
+          <a:p>
+            <a:r>
+              <a:rPr lang="en-US" dirty="0"/>
+              <a:t>Limiting Query Depth</a:t>
+            </a:r>
+          </a:p>
+          <a:p>
+            <a:r>
+              <a:rPr lang="en-US" dirty="0"/>
+              <a:t>Limiting Query Complexity</a:t>
+            </a:r>
+          </a:p>
+          <a:p>
+            <a:endParaRPr lang="en-ID" dirty="0"/>
           </a:p>
         </p:txBody>
       </p:sp>
     </p:spTree>
     <p:extLst>
       <p:ext uri="{BB962C8B-B14F-4D97-AF65-F5344CB8AC3E}">
-        <p14:creationId xmlns:p14="http://schemas.microsoft.com/office/powerpoint/2010/main" val="73108565"/>
+        <p14:creationId xmlns:p14="http://schemas.microsoft.com/office/powerpoint/2010/main" val="958489644"/>
       </p:ext>
     </p:extLst>
   </p:cSld>
@@ -8299,7 +9095,7 @@
 </p:sld>
 </file>
 
-<file path=ppt/slides/slide2.xml><?xml version="1.0" encoding="utf-8"?>
+<file path=ppt/slides/slide24.xml><?xml version="1.0" encoding="utf-8"?>
 <p:sld xmlns:a="http://schemas.openxmlformats.org/drawingml/2006/main" xmlns:r="http://schemas.openxmlformats.org/officeDocument/2006/relationships" xmlns:p="http://schemas.openxmlformats.org/presentationml/2006/main">
   <p:cSld>
     <p:spTree>
@@ -8318,10 +9114,10 @@
       </p:grpSpPr>
       <p:sp>
         <p:nvSpPr>
-          <p:cNvPr id="2" name="Title 1">
+          <p:cNvPr id="4" name="Title 3">
             <a:extLst>
               <a:ext uri="{FF2B5EF4-FFF2-40B4-BE49-F238E27FC236}">
-                <a16:creationId xmlns:a16="http://schemas.microsoft.com/office/drawing/2014/main" id="{15660B86-8C34-438D-B2B2-78CBD0366EF9}"/>
+                <a16:creationId xmlns:a16="http://schemas.microsoft.com/office/drawing/2014/main" id="{8459ADBC-476C-4313-E99D-F692AAA0DC93}"/>
               </a:ext>
             </a:extLst>
           </p:cNvPr>
@@ -8329,7 +9125,7 @@
             <a:spLocks noGrp="1"/>
           </p:cNvSpPr>
           <p:nvPr>
-            <p:ph type="title"/>
+            <p:ph type="ctrTitle"/>
           </p:nvPr>
         </p:nvSpPr>
         <p:spPr/>
@@ -8339,9 +9135,8 @@
           <a:p>
             <a:r>
               <a:rPr lang="en-US" dirty="0"/>
-              <a:t>Overview</a:t>
-            </a:r>
-            <a:endParaRPr lang="en-ID" dirty="0"/>
+              <a:t>DEMO</a:t>
+            </a:r>
           </a:p>
         </p:txBody>
       </p:sp>
@@ -8350,7 +9145,7 @@
           <p:cNvPr id="3" name="Content Placeholder 2">
             <a:extLst>
               <a:ext uri="{FF2B5EF4-FFF2-40B4-BE49-F238E27FC236}">
-                <a16:creationId xmlns:a16="http://schemas.microsoft.com/office/drawing/2014/main" id="{2CC3A6D3-C65D-41BF-A728-0AD416FA66D1}"/>
+                <a16:creationId xmlns:a16="http://schemas.microsoft.com/office/drawing/2014/main" id="{885065A5-7E21-3972-6C3F-F03337A9E40F}"/>
               </a:ext>
             </a:extLst>
           </p:cNvPr>
@@ -8358,81 +9153,22 @@
             <a:spLocks noGrp="1"/>
           </p:cNvSpPr>
           <p:nvPr>
-            <p:ph idx="1"/>
-          </p:nvPr>
-        </p:nvSpPr>
-        <p:spPr>
-          <a:xfrm>
-            <a:off x="457199" y="982133"/>
-            <a:ext cx="8314267" cy="4469740"/>
-          </a:xfrm>
-        </p:spPr>
+            <p:ph type="subTitle" idx="1"/>
+          </p:nvPr>
+        </p:nvSpPr>
+        <p:spPr/>
         <p:txBody>
           <a:bodyPr/>
           <a:lstStyle/>
           <a:p>
-            <a:r>
-              <a:rPr lang="en-US" dirty="0"/>
-              <a:t>What is </a:t>
-            </a:r>
-            <a:r>
-              <a:rPr lang="en-US" dirty="0" err="1"/>
-              <a:t>Graphql</a:t>
-            </a:r>
-            <a:r>
-              <a:rPr lang="en-US" dirty="0"/>
-              <a:t>?</a:t>
-            </a:r>
-          </a:p>
-          <a:p>
-            <a:r>
-              <a:rPr lang="en-US" dirty="0"/>
-              <a:t>REST Drawbacks that solved by </a:t>
-            </a:r>
-            <a:r>
-              <a:rPr lang="en-US" dirty="0" err="1"/>
-              <a:t>Graphql</a:t>
-            </a:r>
-            <a:endParaRPr lang="en-US" dirty="0"/>
-          </a:p>
-          <a:p>
-            <a:r>
-              <a:rPr lang="en-US" dirty="0" err="1"/>
-              <a:t>Graphql</a:t>
-            </a:r>
-            <a:r>
-              <a:rPr lang="en-US" dirty="0"/>
-              <a:t> Query</a:t>
-            </a:r>
-          </a:p>
-          <a:p>
-            <a:r>
-              <a:rPr lang="en-US" dirty="0" err="1"/>
-              <a:t>Graphql</a:t>
-            </a:r>
-            <a:r>
-              <a:rPr lang="en-US" dirty="0"/>
-              <a:t> Schema</a:t>
-            </a:r>
-          </a:p>
-          <a:p>
-            <a:r>
-              <a:rPr lang="en-US" dirty="0"/>
-              <a:t>Security</a:t>
-            </a:r>
-          </a:p>
-          <a:p>
-            <a:r>
-              <a:rPr lang="en-US" dirty="0"/>
-              <a:t>Demo</a:t>
-            </a:r>
+            <a:endParaRPr lang="en-ID" dirty="0"/>
           </a:p>
         </p:txBody>
       </p:sp>
     </p:spTree>
     <p:extLst>
       <p:ext uri="{BB962C8B-B14F-4D97-AF65-F5344CB8AC3E}">
-        <p14:creationId xmlns:p14="http://schemas.microsoft.com/office/powerpoint/2010/main" val="2003091177"/>
+        <p14:creationId xmlns:p14="http://schemas.microsoft.com/office/powerpoint/2010/main" val="73108565"/>
       </p:ext>
     </p:extLst>
   </p:cSld>
@@ -8442,7 +9178,7 @@
 </p:sld>
 </file>
 
-<file path=ppt/slides/slide20.xml><?xml version="1.0" encoding="utf-8"?>
+<file path=ppt/slides/slide25.xml><?xml version="1.0" encoding="utf-8"?>
 <p:sld xmlns:a="http://schemas.openxmlformats.org/drawingml/2006/main" xmlns:r="http://schemas.openxmlformats.org/officeDocument/2006/relationships" xmlns:p="http://schemas.openxmlformats.org/presentationml/2006/main">
   <p:cSld>
     <p:spTree>
@@ -8532,7 +9268,7 @@
 </p:sld>
 </file>
 
-<file path=ppt/slides/slide21.xml><?xml version="1.0" encoding="utf-8"?>
+<file path=ppt/slides/slide26.xml><?xml version="1.0" encoding="utf-8"?>
 <p:sld xmlns:a="http://schemas.openxmlformats.org/drawingml/2006/main" xmlns:r="http://schemas.openxmlformats.org/officeDocument/2006/relationships" xmlns:p="http://schemas.openxmlformats.org/presentationml/2006/main">
   <p:cSld>
     <p:spTree>
@@ -8609,6 +9345,109 @@
 </file>
 
 <file path=ppt/slides/slide3.xml><?xml version="1.0" encoding="utf-8"?>
+<p:sld xmlns:a="http://schemas.openxmlformats.org/drawingml/2006/main" xmlns:r="http://schemas.openxmlformats.org/officeDocument/2006/relationships" xmlns:p="http://schemas.openxmlformats.org/presentationml/2006/main">
+  <p:cSld>
+    <p:spTree>
+      <p:nvGrpSpPr>
+        <p:cNvPr id="1" name=""/>
+        <p:cNvGrpSpPr/>
+        <p:nvPr/>
+      </p:nvGrpSpPr>
+      <p:grpSpPr>
+        <a:xfrm>
+          <a:off x="0" y="0"/>
+          <a:ext cx="0" cy="0"/>
+          <a:chOff x="0" y="0"/>
+          <a:chExt cx="0" cy="0"/>
+        </a:xfrm>
+      </p:grpSpPr>
+      <p:sp>
+        <p:nvSpPr>
+          <p:cNvPr id="3" name="Title 2">
+            <a:extLst>
+              <a:ext uri="{FF2B5EF4-FFF2-40B4-BE49-F238E27FC236}">
+                <a16:creationId xmlns:a16="http://schemas.microsoft.com/office/drawing/2014/main" id="{4FABAF3F-1C14-E100-EA0D-95E6618944DC}"/>
+              </a:ext>
+            </a:extLst>
+          </p:cNvPr>
+          <p:cNvSpPr>
+            <a:spLocks noGrp="1"/>
+          </p:cNvSpPr>
+          <p:nvPr>
+            <p:ph type="ctrTitle"/>
+          </p:nvPr>
+        </p:nvSpPr>
+        <p:spPr/>
+        <p:txBody>
+          <a:bodyPr/>
+          <a:lstStyle/>
+          <a:p>
+            <a:r>
+              <a:rPr lang="en-US" dirty="0"/>
+              <a:t>What is </a:t>
+            </a:r>
+            <a:r>
+              <a:rPr lang="en-US" dirty="0" err="1"/>
+              <a:t>Graphql</a:t>
+            </a:r>
+            <a:r>
+              <a:rPr lang="en-US" dirty="0"/>
+              <a:t>?</a:t>
+            </a:r>
+          </a:p>
+        </p:txBody>
+      </p:sp>
+      <p:sp>
+        <p:nvSpPr>
+          <p:cNvPr id="4" name="Subtitle 3">
+            <a:extLst>
+              <a:ext uri="{FF2B5EF4-FFF2-40B4-BE49-F238E27FC236}">
+                <a16:creationId xmlns:a16="http://schemas.microsoft.com/office/drawing/2014/main" id="{E022A900-AB75-515A-B7CE-AC6F7751C8CF}"/>
+              </a:ext>
+            </a:extLst>
+          </p:cNvPr>
+          <p:cNvSpPr>
+            <a:spLocks noGrp="1"/>
+          </p:cNvSpPr>
+          <p:nvPr>
+            <p:ph type="subTitle" idx="1"/>
+          </p:nvPr>
+        </p:nvSpPr>
+        <p:spPr/>
+        <p:txBody>
+          <a:bodyPr/>
+          <a:lstStyle/>
+          <a:p>
+            <a:endParaRPr lang="en-US"/>
+          </a:p>
+        </p:txBody>
+      </p:sp>
+    </p:spTree>
+    <p:extLst>
+      <p:ext uri="{BB962C8B-B14F-4D97-AF65-F5344CB8AC3E}">
+        <p14:creationId xmlns:p14="http://schemas.microsoft.com/office/powerpoint/2010/main" val="3091573538"/>
+      </p:ext>
+    </p:extLst>
+  </p:cSld>
+  <p:clrMapOvr>
+    <a:masterClrMapping/>
+  </p:clrMapOvr>
+  <mc:AlternateContent xmlns:mc="http://schemas.openxmlformats.org/markup-compatibility/2006" xmlns:p14="http://schemas.microsoft.com/office/powerpoint/2010/main">
+    <mc:Choice Requires="p14">
+      <p:transition spd="med" p14:dur="700">
+        <p:fade/>
+      </p:transition>
+    </mc:Choice>
+    <mc:Fallback xmlns="">
+      <p:transition spd="med">
+        <p:fade/>
+      </p:transition>
+    </mc:Fallback>
+  </mc:AlternateContent>
+</p:sld>
+</file>
+
+<file path=ppt/slides/slide4.xml><?xml version="1.0" encoding="utf-8"?>
 <p:sld xmlns:a="http://schemas.openxmlformats.org/drawingml/2006/main" xmlns:r="http://schemas.openxmlformats.org/officeDocument/2006/relationships" xmlns:p="http://schemas.openxmlformats.org/presentationml/2006/main">
   <p:cSld>
     <p:spTree>
@@ -9045,7 +9884,7 @@
 </p:sld>
 </file>
 
-<file path=ppt/slides/slide4.xml><?xml version="1.0" encoding="utf-8"?>
+<file path=ppt/slides/slide5.xml><?xml version="1.0" encoding="utf-8"?>
 <p:sld xmlns:a="http://schemas.openxmlformats.org/drawingml/2006/main" xmlns:r="http://schemas.openxmlformats.org/officeDocument/2006/relationships" xmlns:p="http://schemas.openxmlformats.org/presentationml/2006/main">
   <p:cSld>
     <p:spTree>
@@ -9184,7 +10023,95 @@
 </p:sld>
 </file>
 
-<file path=ppt/slides/slide5.xml><?xml version="1.0" encoding="utf-8"?>
+<file path=ppt/slides/slide6.xml><?xml version="1.0" encoding="utf-8"?>
+<p:sld xmlns:a="http://schemas.openxmlformats.org/drawingml/2006/main" xmlns:r="http://schemas.openxmlformats.org/officeDocument/2006/relationships" xmlns:p="http://schemas.openxmlformats.org/presentationml/2006/main">
+  <p:cSld>
+    <p:spTree>
+      <p:nvGrpSpPr>
+        <p:cNvPr id="1" name=""/>
+        <p:cNvGrpSpPr/>
+        <p:nvPr/>
+      </p:nvGrpSpPr>
+      <p:grpSpPr>
+        <a:xfrm>
+          <a:off x="0" y="0"/>
+          <a:ext cx="0" cy="0"/>
+          <a:chOff x="0" y="0"/>
+          <a:chExt cx="0" cy="0"/>
+        </a:xfrm>
+      </p:grpSpPr>
+      <p:sp>
+        <p:nvSpPr>
+          <p:cNvPr id="4" name="Title 3">
+            <a:extLst>
+              <a:ext uri="{FF2B5EF4-FFF2-40B4-BE49-F238E27FC236}">
+                <a16:creationId xmlns:a16="http://schemas.microsoft.com/office/drawing/2014/main" id="{C360C9E6-57AA-81BD-DC71-EFCAB2418117}"/>
+              </a:ext>
+            </a:extLst>
+          </p:cNvPr>
+          <p:cNvSpPr>
+            <a:spLocks noGrp="1"/>
+          </p:cNvSpPr>
+          <p:nvPr>
+            <p:ph type="ctrTitle"/>
+          </p:nvPr>
+        </p:nvSpPr>
+        <p:spPr/>
+        <p:txBody>
+          <a:bodyPr/>
+          <a:lstStyle/>
+          <a:p>
+            <a:r>
+              <a:rPr lang="en-US" dirty="0"/>
+              <a:t>REST Drawbacks that solved by </a:t>
+            </a:r>
+            <a:r>
+              <a:rPr lang="en-US" dirty="0" err="1"/>
+              <a:t>Graphql</a:t>
+            </a:r>
+            <a:endParaRPr lang="en-US" dirty="0"/>
+          </a:p>
+        </p:txBody>
+      </p:sp>
+      <p:sp>
+        <p:nvSpPr>
+          <p:cNvPr id="5" name="Subtitle 4">
+            <a:extLst>
+              <a:ext uri="{FF2B5EF4-FFF2-40B4-BE49-F238E27FC236}">
+                <a16:creationId xmlns:a16="http://schemas.microsoft.com/office/drawing/2014/main" id="{CF0481B1-AD13-F63D-8149-99A20B831BF2}"/>
+              </a:ext>
+            </a:extLst>
+          </p:cNvPr>
+          <p:cNvSpPr>
+            <a:spLocks noGrp="1"/>
+          </p:cNvSpPr>
+          <p:nvPr>
+            <p:ph type="subTitle" idx="1"/>
+          </p:nvPr>
+        </p:nvSpPr>
+        <p:spPr/>
+        <p:txBody>
+          <a:bodyPr/>
+          <a:lstStyle/>
+          <a:p>
+            <a:endParaRPr lang="en-US"/>
+          </a:p>
+        </p:txBody>
+      </p:sp>
+    </p:spTree>
+    <p:extLst>
+      <p:ext uri="{BB962C8B-B14F-4D97-AF65-F5344CB8AC3E}">
+        <p14:creationId xmlns:p14="http://schemas.microsoft.com/office/powerpoint/2010/main" val="4174211289"/>
+      </p:ext>
+    </p:extLst>
+  </p:cSld>
+  <p:clrMapOvr>
+    <a:masterClrMapping/>
+  </p:clrMapOvr>
+</p:sld>
+</file>
+
+<file path=ppt/slides/slide7.xml><?xml version="1.0" encoding="utf-8"?>
 <p:sld xmlns:a="http://schemas.openxmlformats.org/drawingml/2006/main" xmlns:r="http://schemas.openxmlformats.org/officeDocument/2006/relationships" xmlns:p="http://schemas.openxmlformats.org/presentationml/2006/main">
   <p:cSld>
     <p:spTree>
@@ -9537,7 +10464,7 @@
 </p:sld>
 </file>
 
-<file path=ppt/slides/slide6.xml><?xml version="1.0" encoding="utf-8"?>
+<file path=ppt/slides/slide8.xml><?xml version="1.0" encoding="utf-8"?>
 <p:sld xmlns:a="http://schemas.openxmlformats.org/drawingml/2006/main" xmlns:r="http://schemas.openxmlformats.org/officeDocument/2006/relationships" xmlns:p="http://schemas.openxmlformats.org/presentationml/2006/main">
   <p:cSld>
     <p:spTree>
@@ -10005,7 +10932,7 @@
 </p:sld>
 </file>
 
-<file path=ppt/slides/slide7.xml><?xml version="1.0" encoding="utf-8"?>
+<file path=ppt/slides/slide9.xml><?xml version="1.0" encoding="utf-8"?>
 <p:sld xmlns:a="http://schemas.openxmlformats.org/drawingml/2006/main" xmlns:r="http://schemas.openxmlformats.org/officeDocument/2006/relationships" xmlns:p="http://schemas.openxmlformats.org/presentationml/2006/main">
   <p:cSld>
     <p:spTree>
@@ -10598,471 +11525,6 @@
     <p:extLst>
       <p:ext uri="{BB962C8B-B14F-4D97-AF65-F5344CB8AC3E}">
         <p14:creationId xmlns:p14="http://schemas.microsoft.com/office/powerpoint/2010/main" val="4188473393"/>
-      </p:ext>
-    </p:extLst>
-  </p:cSld>
-  <p:clrMapOvr>
-    <a:masterClrMapping/>
-  </p:clrMapOvr>
-</p:sld>
-</file>
-
-<file path=ppt/slides/slide8.xml><?xml version="1.0" encoding="utf-8"?>
-<p:sld xmlns:a="http://schemas.openxmlformats.org/drawingml/2006/main" xmlns:r="http://schemas.openxmlformats.org/officeDocument/2006/relationships" xmlns:p="http://schemas.openxmlformats.org/presentationml/2006/main">
-  <p:cSld>
-    <p:spTree>
-      <p:nvGrpSpPr>
-        <p:cNvPr id="1" name=""/>
-        <p:cNvGrpSpPr/>
-        <p:nvPr/>
-      </p:nvGrpSpPr>
-      <p:grpSpPr>
-        <a:xfrm>
-          <a:off x="0" y="0"/>
-          <a:ext cx="0" cy="0"/>
-          <a:chOff x="0" y="0"/>
-          <a:chExt cx="0" cy="0"/>
-        </a:xfrm>
-      </p:grpSpPr>
-      <p:sp>
-        <p:nvSpPr>
-          <p:cNvPr id="2" name="Title 1">
-            <a:extLst>
-              <a:ext uri="{FF2B5EF4-FFF2-40B4-BE49-F238E27FC236}">
-                <a16:creationId xmlns:a16="http://schemas.microsoft.com/office/drawing/2014/main" id="{15660B86-8C34-438D-B2B2-78CBD0366EF9}"/>
-              </a:ext>
-            </a:extLst>
-          </p:cNvPr>
-          <p:cNvSpPr>
-            <a:spLocks noGrp="1"/>
-          </p:cNvSpPr>
-          <p:nvPr>
-            <p:ph type="title"/>
-          </p:nvPr>
-        </p:nvSpPr>
-        <p:spPr/>
-        <p:txBody>
-          <a:bodyPr/>
-          <a:lstStyle/>
-          <a:p>
-            <a:r>
-              <a:rPr lang="en-US" dirty="0" err="1"/>
-              <a:t>Graphql</a:t>
-            </a:r>
-            <a:r>
-              <a:rPr lang="en-US" dirty="0"/>
-              <a:t> Schema </a:t>
-            </a:r>
-          </a:p>
-        </p:txBody>
-      </p:sp>
-      <p:sp>
-        <p:nvSpPr>
-          <p:cNvPr id="3" name="Content Placeholder 2">
-            <a:extLst>
-              <a:ext uri="{FF2B5EF4-FFF2-40B4-BE49-F238E27FC236}">
-                <a16:creationId xmlns:a16="http://schemas.microsoft.com/office/drawing/2014/main" id="{2CC3A6D3-C65D-41BF-A728-0AD416FA66D1}"/>
-              </a:ext>
-            </a:extLst>
-          </p:cNvPr>
-          <p:cNvSpPr>
-            <a:spLocks noGrp="1"/>
-          </p:cNvSpPr>
-          <p:nvPr>
-            <p:ph idx="1"/>
-          </p:nvPr>
-        </p:nvSpPr>
-        <p:spPr>
-          <a:xfrm>
-            <a:off x="457199" y="982133"/>
-            <a:ext cx="8314267" cy="4469740"/>
-          </a:xfrm>
-        </p:spPr>
-        <p:txBody>
-          <a:bodyPr/>
-          <a:lstStyle/>
-          <a:p>
-            <a:pPr marL="0" indent="0">
-              <a:buNone/>
-            </a:pPr>
-            <a:r>
-              <a:rPr lang="en-US" dirty="0"/>
-              <a:t>In </a:t>
-            </a:r>
-            <a:r>
-              <a:rPr lang="en-US" dirty="0" err="1"/>
-              <a:t>Graphql</a:t>
-            </a:r>
-            <a:r>
-              <a:rPr lang="en-US" dirty="0"/>
-              <a:t> instead of looking at APIs as a collection of REST endpoints, we are going to begin looking at APIs as collection of types (schema)</a:t>
-            </a:r>
-          </a:p>
-          <a:p>
-            <a:pPr marL="0" indent="0">
-              <a:buNone/>
-            </a:pPr>
-            <a:endParaRPr lang="en-US" dirty="0"/>
-          </a:p>
-          <a:p>
-            <a:pPr marL="0" indent="0">
-              <a:buNone/>
-            </a:pPr>
-            <a:r>
-              <a:rPr lang="en-US" b="0" i="0" dirty="0" err="1">
-                <a:effectLst/>
-                <a:latin typeface="+mj-lt"/>
-              </a:rPr>
-              <a:t>GraphQL</a:t>
-            </a:r>
-            <a:r>
-              <a:rPr lang="en-US" b="0" i="0" dirty="0">
-                <a:effectLst/>
-                <a:latin typeface="+mj-lt"/>
-              </a:rPr>
-              <a:t> has its own type system that’s used to define the </a:t>
-            </a:r>
-            <a:r>
-              <a:rPr lang="en-US" b="0" dirty="0">
-                <a:effectLst/>
-                <a:latin typeface="+mj-lt"/>
-              </a:rPr>
-              <a:t>schema</a:t>
-            </a:r>
-            <a:r>
-              <a:rPr lang="en-US" b="0" i="0" dirty="0">
-                <a:effectLst/>
-                <a:latin typeface="+mj-lt"/>
-              </a:rPr>
-              <a:t> of an API. The syntax for writing schemas is called </a:t>
-            </a:r>
-            <a:r>
-              <a:rPr lang="en-US" b="0" i="0" u="none" strike="noStrike" dirty="0">
-                <a:effectLst/>
-                <a:latin typeface="+mj-lt"/>
-              </a:rPr>
-              <a:t>Schema Definition Language</a:t>
-            </a:r>
-            <a:r>
-              <a:rPr lang="en-US" b="0" i="0" dirty="0">
-                <a:effectLst/>
-                <a:latin typeface="+mj-lt"/>
-              </a:rPr>
-              <a:t> (SDL).</a:t>
-            </a:r>
-            <a:r>
-              <a:rPr lang="en-US" dirty="0">
-                <a:latin typeface="+mj-lt"/>
-              </a:rPr>
-              <a:t> </a:t>
-            </a:r>
-            <a:endParaRPr lang="en-ID" dirty="0"/>
-          </a:p>
-          <a:p>
-            <a:pPr marL="0" indent="0">
-              <a:buNone/>
-            </a:pPr>
-            <a:endParaRPr lang="en-US" dirty="0"/>
-          </a:p>
-          <a:p>
-            <a:pPr marL="0" indent="0">
-              <a:buNone/>
-            </a:pPr>
-            <a:endParaRPr lang="en-US" dirty="0"/>
-          </a:p>
-        </p:txBody>
-      </p:sp>
-    </p:spTree>
-    <p:extLst>
-      <p:ext uri="{BB962C8B-B14F-4D97-AF65-F5344CB8AC3E}">
-        <p14:creationId xmlns:p14="http://schemas.microsoft.com/office/powerpoint/2010/main" val="2499318771"/>
-      </p:ext>
-    </p:extLst>
-  </p:cSld>
-  <p:clrMapOvr>
-    <a:masterClrMapping/>
-  </p:clrMapOvr>
-</p:sld>
-</file>
-
-<file path=ppt/slides/slide9.xml><?xml version="1.0" encoding="utf-8"?>
-<p:sld xmlns:a="http://schemas.openxmlformats.org/drawingml/2006/main" xmlns:r="http://schemas.openxmlformats.org/officeDocument/2006/relationships" xmlns:p="http://schemas.openxmlformats.org/presentationml/2006/main">
-  <p:cSld>
-    <p:spTree>
-      <p:nvGrpSpPr>
-        <p:cNvPr id="1" name=""/>
-        <p:cNvGrpSpPr/>
-        <p:nvPr/>
-      </p:nvGrpSpPr>
-      <p:grpSpPr>
-        <a:xfrm>
-          <a:off x="0" y="0"/>
-          <a:ext cx="0" cy="0"/>
-          <a:chOff x="0" y="0"/>
-          <a:chExt cx="0" cy="0"/>
-        </a:xfrm>
-      </p:grpSpPr>
-      <p:sp>
-        <p:nvSpPr>
-          <p:cNvPr id="2" name="Title 1">
-            <a:extLst>
-              <a:ext uri="{FF2B5EF4-FFF2-40B4-BE49-F238E27FC236}">
-                <a16:creationId xmlns:a16="http://schemas.microsoft.com/office/drawing/2014/main" id="{26E4926C-6501-4682-52C4-EF0229E3215A}"/>
-              </a:ext>
-            </a:extLst>
-          </p:cNvPr>
-          <p:cNvSpPr>
-            <a:spLocks noGrp="1"/>
-          </p:cNvSpPr>
-          <p:nvPr>
-            <p:ph type="title"/>
-          </p:nvPr>
-        </p:nvSpPr>
-        <p:spPr/>
-        <p:txBody>
-          <a:bodyPr/>
-          <a:lstStyle/>
-          <a:p>
-            <a:r>
-              <a:rPr lang="en-US" dirty="0" err="1"/>
-              <a:t>Graphql</a:t>
-            </a:r>
-            <a:r>
-              <a:rPr lang="en-US" dirty="0"/>
-              <a:t> Schema – Defining Types</a:t>
-            </a:r>
-            <a:endParaRPr lang="en-ID" dirty="0"/>
-          </a:p>
-        </p:txBody>
-      </p:sp>
-      <p:sp>
-        <p:nvSpPr>
-          <p:cNvPr id="3" name="Content Placeholder 2">
-            <a:extLst>
-              <a:ext uri="{FF2B5EF4-FFF2-40B4-BE49-F238E27FC236}">
-                <a16:creationId xmlns:a16="http://schemas.microsoft.com/office/drawing/2014/main" id="{5D3FB1D7-A4CC-8DFD-0A87-8D6EBC28769A}"/>
-              </a:ext>
-            </a:extLst>
-          </p:cNvPr>
-          <p:cNvSpPr>
-            <a:spLocks noGrp="1"/>
-          </p:cNvSpPr>
-          <p:nvPr>
-            <p:ph idx="1"/>
-          </p:nvPr>
-        </p:nvSpPr>
-        <p:spPr>
-          <a:xfrm>
-            <a:off x="457200" y="990600"/>
-            <a:ext cx="5053982" cy="5135563"/>
-          </a:xfrm>
-        </p:spPr>
-        <p:txBody>
-          <a:bodyPr/>
-          <a:lstStyle/>
-          <a:p>
-            <a:pPr marL="0" indent="0">
-              <a:buNone/>
-            </a:pPr>
-            <a:r>
-              <a:rPr lang="en-US" dirty="0"/>
-              <a:t>Type is the core unit of any </a:t>
-            </a:r>
-            <a:r>
-              <a:rPr lang="en-US" dirty="0" err="1"/>
-              <a:t>graphql</a:t>
-            </a:r>
-            <a:r>
-              <a:rPr lang="en-US" dirty="0"/>
-              <a:t> schema</a:t>
-            </a:r>
-          </a:p>
-          <a:p>
-            <a:r>
-              <a:rPr lang="en-US" dirty="0"/>
-              <a:t>Object types and fields</a:t>
-            </a:r>
-          </a:p>
-          <a:p>
-            <a:r>
-              <a:rPr lang="en-US" dirty="0"/>
-              <a:t>Scalar Types</a:t>
-            </a:r>
-          </a:p>
-          <a:p>
-            <a:pPr lvl="1"/>
-            <a:r>
-              <a:rPr lang="en-US" dirty="0"/>
-              <a:t>Int</a:t>
-            </a:r>
-          </a:p>
-          <a:p>
-            <a:pPr lvl="1"/>
-            <a:r>
-              <a:rPr lang="en-US" dirty="0"/>
-              <a:t>Float</a:t>
-            </a:r>
-          </a:p>
-          <a:p>
-            <a:pPr lvl="1"/>
-            <a:r>
-              <a:rPr lang="en-US" dirty="0"/>
-              <a:t>String</a:t>
-            </a:r>
-          </a:p>
-          <a:p>
-            <a:pPr lvl="1"/>
-            <a:r>
-              <a:rPr lang="en-US" dirty="0"/>
-              <a:t>Boolean</a:t>
-            </a:r>
-          </a:p>
-          <a:p>
-            <a:pPr lvl="1"/>
-            <a:r>
-              <a:rPr lang="en-US" dirty="0"/>
-              <a:t>ID</a:t>
-            </a:r>
-          </a:p>
-          <a:p>
-            <a:r>
-              <a:rPr lang="en-US" dirty="0"/>
-              <a:t>Enum</a:t>
-            </a:r>
-            <a:endParaRPr lang="en-ID" dirty="0"/>
-          </a:p>
-        </p:txBody>
-      </p:sp>
-      <p:grpSp>
-        <p:nvGrpSpPr>
-          <p:cNvPr id="20" name="Group 19">
-            <a:extLst>
-              <a:ext uri="{FF2B5EF4-FFF2-40B4-BE49-F238E27FC236}">
-                <a16:creationId xmlns:a16="http://schemas.microsoft.com/office/drawing/2014/main" id="{AE985785-5217-EC96-46C5-6CE5D5121793}"/>
-              </a:ext>
-            </a:extLst>
-          </p:cNvPr>
-          <p:cNvGrpSpPr/>
-          <p:nvPr/>
-        </p:nvGrpSpPr>
-        <p:grpSpPr>
-          <a:xfrm>
-            <a:off x="5697020" y="1277517"/>
-            <a:ext cx="2989780" cy="3945277"/>
-            <a:chOff x="5619964" y="1387011"/>
-            <a:chExt cx="2989780" cy="3945277"/>
-          </a:xfrm>
-        </p:grpSpPr>
-        <p:pic>
-          <p:nvPicPr>
-            <p:cNvPr id="14" name="Picture 13">
-              <a:extLst>
-                <a:ext uri="{FF2B5EF4-FFF2-40B4-BE49-F238E27FC236}">
-                  <a16:creationId xmlns:a16="http://schemas.microsoft.com/office/drawing/2014/main" id="{11849CF2-A07D-2D51-3EE4-F7410DE8140E}"/>
-                </a:ext>
-              </a:extLst>
-            </p:cNvPr>
-            <p:cNvPicPr>
-              <a:picLocks noChangeAspect="1"/>
-            </p:cNvPicPr>
-            <p:nvPr/>
-          </p:nvPicPr>
-          <p:blipFill rotWithShape="1">
-            <a:blip r:embed="rId2"/>
-            <a:srcRect b="63023"/>
-            <a:stretch/>
-          </p:blipFill>
-          <p:spPr>
-            <a:xfrm>
-              <a:off x="5810845" y="1622353"/>
-              <a:ext cx="2530059" cy="1665377"/>
-            </a:xfrm>
-            <a:prstGeom prst="rect">
-              <a:avLst/>
-            </a:prstGeom>
-          </p:spPr>
-        </p:pic>
-        <p:pic>
-          <p:nvPicPr>
-            <p:cNvPr id="16" name="Picture 15">
-              <a:extLst>
-                <a:ext uri="{FF2B5EF4-FFF2-40B4-BE49-F238E27FC236}">
-                  <a16:creationId xmlns:a16="http://schemas.microsoft.com/office/drawing/2014/main" id="{16AED360-89CF-0073-C557-963355D2EFAC}"/>
-                </a:ext>
-              </a:extLst>
-            </p:cNvPr>
-            <p:cNvPicPr>
-              <a:picLocks noChangeAspect="1"/>
-            </p:cNvPicPr>
-            <p:nvPr/>
-          </p:nvPicPr>
-          <p:blipFill rotWithShape="1">
-            <a:blip r:embed="rId2"/>
-            <a:srcRect t="57280"/>
-            <a:stretch/>
-          </p:blipFill>
-          <p:spPr>
-            <a:xfrm>
-              <a:off x="5810844" y="3311614"/>
-              <a:ext cx="2530059" cy="1924033"/>
-            </a:xfrm>
-            <a:prstGeom prst="rect">
-              <a:avLst/>
-            </a:prstGeom>
-          </p:spPr>
-        </p:pic>
-        <p:sp>
-          <p:nvSpPr>
-            <p:cNvPr id="19" name="Rectangle 18">
-              <a:extLst>
-                <a:ext uri="{FF2B5EF4-FFF2-40B4-BE49-F238E27FC236}">
-                  <a16:creationId xmlns:a16="http://schemas.microsoft.com/office/drawing/2014/main" id="{3DD59605-623F-F56B-B1C4-20F5CC226EC8}"/>
-                </a:ext>
-              </a:extLst>
-            </p:cNvPr>
-            <p:cNvSpPr/>
-            <p:nvPr/>
-          </p:nvSpPr>
-          <p:spPr>
-            <a:xfrm>
-              <a:off x="5619964" y="1387011"/>
-              <a:ext cx="2989780" cy="3945277"/>
-            </a:xfrm>
-            <a:prstGeom prst="rect">
-              <a:avLst/>
-            </a:prstGeom>
-            <a:noFill/>
-          </p:spPr>
-          <p:style>
-            <a:lnRef idx="2">
-              <a:schemeClr val="accent1">
-                <a:shade val="50000"/>
-              </a:schemeClr>
-            </a:lnRef>
-            <a:fillRef idx="1">
-              <a:schemeClr val="accent1"/>
-            </a:fillRef>
-            <a:effectRef idx="0">
-              <a:schemeClr val="accent1"/>
-            </a:effectRef>
-            <a:fontRef idx="minor">
-              <a:schemeClr val="lt1"/>
-            </a:fontRef>
-          </p:style>
-          <p:txBody>
-            <a:bodyPr rtlCol="0" anchor="ctr"/>
-            <a:lstStyle/>
-            <a:p>
-              <a:pPr algn="ctr"/>
-              <a:endParaRPr lang="en-ID"/>
-            </a:p>
-          </p:txBody>
-        </p:sp>
-      </p:grpSp>
-    </p:spTree>
-    <p:extLst>
-      <p:ext uri="{BB962C8B-B14F-4D97-AF65-F5344CB8AC3E}">
-        <p14:creationId xmlns:p14="http://schemas.microsoft.com/office/powerpoint/2010/main" val="3680123203"/>
       </p:ext>
     </p:extLst>
   </p:cSld>

--- a/Learn Graphql.pptx
+++ b/Learn Graphql.pptx
@@ -384,7 +384,7 @@
           <a:p>
             <a:fld id="{9C9D3237-2FFD-4446-94CB-BC91429B8F33}" type="datetimeFigureOut">
               <a:rPr lang="en-ID" smtClean="0"/>
-              <a:t>20/06/2022</a:t>
+              <a:t>24/06/2022</a:t>
             </a:fld>
             <a:endParaRPr lang="en-ID"/>
           </a:p>
@@ -780,7 +780,7 @@
           <a:bodyPr/>
           <a:lstStyle/>
           <a:p>
-            <a:endParaRPr lang="en-ID" dirty="0"/>
+            <a:endParaRPr lang="en-US" dirty="0"/>
           </a:p>
         </p:txBody>
       </p:sp>
@@ -801,7 +801,7 @@
           <a:p>
             <a:fld id="{52C45C03-85F0-4117-AE6F-E447F860109C}" type="slidenum">
               <a:rPr lang="en-ID" smtClean="0"/>
-              <a:t>11</a:t>
+              <a:t>5</a:t>
             </a:fld>
             <a:endParaRPr lang="en-ID"/>
           </a:p>
@@ -810,7 +810,7 @@
     </p:spTree>
     <p:extLst>
       <p:ext uri="{BB962C8B-B14F-4D97-AF65-F5344CB8AC3E}">
-        <p14:creationId xmlns:p14="http://schemas.microsoft.com/office/powerpoint/2010/main" val="3322719998"/>
+        <p14:creationId xmlns:p14="http://schemas.microsoft.com/office/powerpoint/2010/main" val="1706629319"/>
       </p:ext>
     </p:extLst>
   </p:cSld>
@@ -885,6 +885,90 @@
           <a:p>
             <a:fld id="{52C45C03-85F0-4117-AE6F-E447F860109C}" type="slidenum">
               <a:rPr lang="en-ID" smtClean="0"/>
+              <a:t>11</a:t>
+            </a:fld>
+            <a:endParaRPr lang="en-ID"/>
+          </a:p>
+        </p:txBody>
+      </p:sp>
+    </p:spTree>
+    <p:extLst>
+      <p:ext uri="{BB962C8B-B14F-4D97-AF65-F5344CB8AC3E}">
+        <p14:creationId xmlns:p14="http://schemas.microsoft.com/office/powerpoint/2010/main" val="3322719998"/>
+      </p:ext>
+    </p:extLst>
+  </p:cSld>
+  <p:clrMapOvr>
+    <a:masterClrMapping/>
+  </p:clrMapOvr>
+</p:notes>
+</file>
+
+<file path=ppt/notesSlides/notesSlide4.xml><?xml version="1.0" encoding="utf-8"?>
+<p:notes xmlns:a="http://schemas.openxmlformats.org/drawingml/2006/main" xmlns:r="http://schemas.openxmlformats.org/officeDocument/2006/relationships" xmlns:p="http://schemas.openxmlformats.org/presentationml/2006/main">
+  <p:cSld>
+    <p:spTree>
+      <p:nvGrpSpPr>
+        <p:cNvPr id="1" name=""/>
+        <p:cNvGrpSpPr/>
+        <p:nvPr/>
+      </p:nvGrpSpPr>
+      <p:grpSpPr>
+        <a:xfrm>
+          <a:off x="0" y="0"/>
+          <a:ext cx="0" cy="0"/>
+          <a:chOff x="0" y="0"/>
+          <a:chExt cx="0" cy="0"/>
+        </a:xfrm>
+      </p:grpSpPr>
+      <p:sp>
+        <p:nvSpPr>
+          <p:cNvPr id="2" name="Slide Image Placeholder 1"/>
+          <p:cNvSpPr>
+            <a:spLocks noGrp="1" noRot="1" noChangeAspect="1"/>
+          </p:cNvSpPr>
+          <p:nvPr>
+            <p:ph type="sldImg"/>
+          </p:nvPr>
+        </p:nvSpPr>
+        <p:spPr/>
+      </p:sp>
+      <p:sp>
+        <p:nvSpPr>
+          <p:cNvPr id="3" name="Notes Placeholder 2"/>
+          <p:cNvSpPr>
+            <a:spLocks noGrp="1"/>
+          </p:cNvSpPr>
+          <p:nvPr>
+            <p:ph type="body" idx="1"/>
+          </p:nvPr>
+        </p:nvSpPr>
+        <p:spPr/>
+        <p:txBody>
+          <a:bodyPr/>
+          <a:lstStyle/>
+          <a:p>
+            <a:endParaRPr lang="en-ID" dirty="0"/>
+          </a:p>
+        </p:txBody>
+      </p:sp>
+      <p:sp>
+        <p:nvSpPr>
+          <p:cNvPr id="4" name="Slide Number Placeholder 3"/>
+          <p:cNvSpPr>
+            <a:spLocks noGrp="1"/>
+          </p:cNvSpPr>
+          <p:nvPr>
+            <p:ph type="sldNum" sz="quarter" idx="5"/>
+          </p:nvPr>
+        </p:nvSpPr>
+        <p:spPr/>
+        <p:txBody>
+          <a:bodyPr/>
+          <a:lstStyle/>
+          <a:p>
+            <a:fld id="{52C45C03-85F0-4117-AE6F-E447F860109C}" type="slidenum">
+              <a:rPr lang="en-ID" smtClean="0"/>
               <a:t>13</a:t>
             </a:fld>
             <a:endParaRPr lang="en-ID"/>
@@ -895,6 +979,90 @@
     <p:extLst>
       <p:ext uri="{BB962C8B-B14F-4D97-AF65-F5344CB8AC3E}">
         <p14:creationId xmlns:p14="http://schemas.microsoft.com/office/powerpoint/2010/main" val="683355226"/>
+      </p:ext>
+    </p:extLst>
+  </p:cSld>
+  <p:clrMapOvr>
+    <a:masterClrMapping/>
+  </p:clrMapOvr>
+</p:notes>
+</file>
+
+<file path=ppt/notesSlides/notesSlide5.xml><?xml version="1.0" encoding="utf-8"?>
+<p:notes xmlns:a="http://schemas.openxmlformats.org/drawingml/2006/main" xmlns:r="http://schemas.openxmlformats.org/officeDocument/2006/relationships" xmlns:p="http://schemas.openxmlformats.org/presentationml/2006/main">
+  <p:cSld>
+    <p:spTree>
+      <p:nvGrpSpPr>
+        <p:cNvPr id="1" name=""/>
+        <p:cNvGrpSpPr/>
+        <p:nvPr/>
+      </p:nvGrpSpPr>
+      <p:grpSpPr>
+        <a:xfrm>
+          <a:off x="0" y="0"/>
+          <a:ext cx="0" cy="0"/>
+          <a:chOff x="0" y="0"/>
+          <a:chExt cx="0" cy="0"/>
+        </a:xfrm>
+      </p:grpSpPr>
+      <p:sp>
+        <p:nvSpPr>
+          <p:cNvPr id="2" name="Slide Image Placeholder 1"/>
+          <p:cNvSpPr>
+            <a:spLocks noGrp="1" noRot="1" noChangeAspect="1"/>
+          </p:cNvSpPr>
+          <p:nvPr>
+            <p:ph type="sldImg"/>
+          </p:nvPr>
+        </p:nvSpPr>
+        <p:spPr/>
+      </p:sp>
+      <p:sp>
+        <p:nvSpPr>
+          <p:cNvPr id="3" name="Notes Placeholder 2"/>
+          <p:cNvSpPr>
+            <a:spLocks noGrp="1"/>
+          </p:cNvSpPr>
+          <p:nvPr>
+            <p:ph type="body" idx="1"/>
+          </p:nvPr>
+        </p:nvSpPr>
+        <p:spPr/>
+        <p:txBody>
+          <a:bodyPr/>
+          <a:lstStyle/>
+          <a:p>
+            <a:endParaRPr lang="en-US" dirty="0"/>
+          </a:p>
+        </p:txBody>
+      </p:sp>
+      <p:sp>
+        <p:nvSpPr>
+          <p:cNvPr id="4" name="Slide Number Placeholder 3"/>
+          <p:cNvSpPr>
+            <a:spLocks noGrp="1"/>
+          </p:cNvSpPr>
+          <p:nvPr>
+            <p:ph type="sldNum" sz="quarter" idx="5"/>
+          </p:nvPr>
+        </p:nvSpPr>
+        <p:spPr/>
+        <p:txBody>
+          <a:bodyPr/>
+          <a:lstStyle/>
+          <a:p>
+            <a:fld id="{52C45C03-85F0-4117-AE6F-E447F860109C}" type="slidenum">
+              <a:rPr lang="en-ID" smtClean="0"/>
+              <a:t>23</a:t>
+            </a:fld>
+            <a:endParaRPr lang="en-ID"/>
+          </a:p>
+        </p:txBody>
+      </p:sp>
+    </p:spTree>
+    <p:extLst>
+      <p:ext uri="{BB962C8B-B14F-4D97-AF65-F5344CB8AC3E}">
+        <p14:creationId xmlns:p14="http://schemas.microsoft.com/office/powerpoint/2010/main" val="710866960"/>
       </p:ext>
     </p:extLst>
   </p:cSld>
@@ -1165,7 +1333,7 @@
           <a:p>
             <a:fld id="{C0B2ED8A-4D19-475F-B43F-1BDBF332AF7A}" type="datetimeFigureOut">
               <a:rPr lang="en-ID" smtClean="0"/>
-              <a:t>20/06/2022</a:t>
+              <a:t>24/06/2022</a:t>
             </a:fld>
             <a:endParaRPr lang="en-ID"/>
           </a:p>
@@ -1360,7 +1528,7 @@
           <a:p>
             <a:fld id="{C0B2ED8A-4D19-475F-B43F-1BDBF332AF7A}" type="datetimeFigureOut">
               <a:rPr lang="en-ID" smtClean="0"/>
-              <a:t>20/06/2022</a:t>
+              <a:t>24/06/2022</a:t>
             </a:fld>
             <a:endParaRPr lang="en-ID"/>
           </a:p>
@@ -1538,7 +1706,7 @@
           <a:p>
             <a:fld id="{C0B2ED8A-4D19-475F-B43F-1BDBF332AF7A}" type="datetimeFigureOut">
               <a:rPr lang="en-ID" smtClean="0"/>
-              <a:t>20/06/2022</a:t>
+              <a:t>24/06/2022</a:t>
             </a:fld>
             <a:endParaRPr lang="en-ID"/>
           </a:p>
@@ -1801,7 +1969,7 @@
           <a:p>
             <a:fld id="{C0B2ED8A-4D19-475F-B43F-1BDBF332AF7A}" type="datetimeFigureOut">
               <a:rPr lang="en-ID" smtClean="0"/>
-              <a:t>20/06/2022</a:t>
+              <a:t>24/06/2022</a:t>
             </a:fld>
             <a:endParaRPr lang="en-ID"/>
           </a:p>
@@ -2088,7 +2256,7 @@
           <a:p>
             <a:fld id="{C0B2ED8A-4D19-475F-B43F-1BDBF332AF7A}" type="datetimeFigureOut">
               <a:rPr lang="en-ID" smtClean="0"/>
-              <a:t>20/06/2022</a:t>
+              <a:t>24/06/2022</a:t>
             </a:fld>
             <a:endParaRPr lang="en-ID"/>
           </a:p>
@@ -2436,7 +2604,7 @@
           <a:p>
             <a:fld id="{C0B2ED8A-4D19-475F-B43F-1BDBF332AF7A}" type="datetimeFigureOut">
               <a:rPr lang="en-ID" smtClean="0"/>
-              <a:t>20/06/2022</a:t>
+              <a:t>24/06/2022</a:t>
             </a:fld>
             <a:endParaRPr lang="en-ID"/>
           </a:p>
@@ -2857,7 +3025,7 @@
           <a:p>
             <a:fld id="{C0B2ED8A-4D19-475F-B43F-1BDBF332AF7A}" type="datetimeFigureOut">
               <a:rPr lang="en-ID" smtClean="0"/>
-              <a:t>20/06/2022</a:t>
+              <a:t>24/06/2022</a:t>
             </a:fld>
             <a:endParaRPr lang="en-ID"/>
           </a:p>
@@ -2974,7 +3142,7 @@
           <a:p>
             <a:fld id="{C0B2ED8A-4D19-475F-B43F-1BDBF332AF7A}" type="datetimeFigureOut">
               <a:rPr lang="en-ID" smtClean="0"/>
-              <a:t>20/06/2022</a:t>
+              <a:t>24/06/2022</a:t>
             </a:fld>
             <a:endParaRPr lang="en-ID"/>
           </a:p>
@@ -3069,7 +3237,7 @@
           <a:p>
             <a:fld id="{C0B2ED8A-4D19-475F-B43F-1BDBF332AF7A}" type="datetimeFigureOut">
               <a:rPr lang="en-ID" smtClean="0"/>
-              <a:t>20/06/2022</a:t>
+              <a:t>24/06/2022</a:t>
             </a:fld>
             <a:endParaRPr lang="en-ID"/>
           </a:p>
@@ -3344,7 +3512,7 @@
           <a:p>
             <a:fld id="{C0B2ED8A-4D19-475F-B43F-1BDBF332AF7A}" type="datetimeFigureOut">
               <a:rPr lang="en-ID" smtClean="0"/>
-              <a:t>20/06/2022</a:t>
+              <a:t>24/06/2022</a:t>
             </a:fld>
             <a:endParaRPr lang="en-ID"/>
           </a:p>
@@ -3599,7 +3767,7 @@
           <a:p>
             <a:fld id="{C0B2ED8A-4D19-475F-B43F-1BDBF332AF7A}" type="datetimeFigureOut">
               <a:rPr lang="en-ID" smtClean="0"/>
-              <a:t>20/06/2022</a:t>
+              <a:t>24/06/2022</a:t>
             </a:fld>
             <a:endParaRPr lang="en-ID"/>
           </a:p>
@@ -3778,7 +3946,7 @@
           <a:p>
             <a:fld id="{C0B2ED8A-4D19-475F-B43F-1BDBF332AF7A}" type="datetimeFigureOut">
               <a:rPr lang="en-ID" smtClean="0"/>
-              <a:t>20/06/2022</a:t>
+              <a:t>24/06/2022</a:t>
             </a:fld>
             <a:endParaRPr lang="en-ID"/>
           </a:p>
@@ -4267,7 +4435,12 @@
             <p:ph type="ctrTitle"/>
           </p:nvPr>
         </p:nvSpPr>
-        <p:spPr/>
+        <p:spPr>
+          <a:xfrm>
+            <a:off x="685800" y="2017328"/>
+            <a:ext cx="9015984" cy="900499"/>
+          </a:xfrm>
+        </p:spPr>
         <p:txBody>
           <a:bodyPr/>
           <a:lstStyle/>
@@ -4305,10 +4478,60 @@
           <a:bodyPr/>
           <a:lstStyle/>
           <a:p>
-            <a:endParaRPr lang="en-ID"/>
-          </a:p>
-        </p:txBody>
-      </p:sp>
+            <a:r>
+              <a:rPr lang="en-ID" dirty="0"/>
+              <a:t>Declarative Data Fetching For Modern Web Apps</a:t>
+            </a:r>
+          </a:p>
+        </p:txBody>
+      </p:sp>
+      <p:pic>
+        <p:nvPicPr>
+          <p:cNvPr id="1026" name="Picture 2" descr="Learning GraphQL">
+            <a:extLst>
+              <a:ext uri="{FF2B5EF4-FFF2-40B4-BE49-F238E27FC236}">
+                <a16:creationId xmlns:a16="http://schemas.microsoft.com/office/drawing/2014/main" id="{D15D8004-54A6-C16F-7DE0-79944D90DC53}"/>
+              </a:ext>
+            </a:extLst>
+          </p:cNvPr>
+          <p:cNvPicPr>
+            <a:picLocks noChangeAspect="1" noChangeArrowheads="1"/>
+          </p:cNvPicPr>
+          <p:nvPr/>
+        </p:nvPicPr>
+        <p:blipFill>
+          <a:blip r:embed="rId2">
+            <a:extLst>
+              <a:ext uri="{28A0092B-C50C-407E-A947-70E740481C1C}">
+                <a14:useLocalDpi xmlns:a14="http://schemas.microsoft.com/office/drawing/2010/main" val="0"/>
+              </a:ext>
+            </a:extLst>
+          </a:blip>
+          <a:srcRect/>
+          <a:stretch>
+            <a:fillRect/>
+          </a:stretch>
+        </p:blipFill>
+        <p:spPr bwMode="auto">
+          <a:xfrm>
+            <a:off x="6721987" y="0"/>
+            <a:ext cx="2422013" cy="3178891"/>
+          </a:xfrm>
+          <a:prstGeom prst="rect">
+            <a:avLst/>
+          </a:prstGeom>
+          <a:noFill/>
+          <a:extLst>
+            <a:ext uri="{909E8E84-426E-40DD-AFC4-6F175D3DCCD1}">
+              <a14:hiddenFill xmlns:a14="http://schemas.microsoft.com/office/drawing/2010/main">
+                <a:solidFill>
+                  <a:srgbClr val="FFFFFF"/>
+                </a:solidFill>
+              </a14:hiddenFill>
+            </a:ext>
+          </a:extLst>
+        </p:spPr>
+      </p:pic>
     </p:spTree>
     <p:extLst>
       <p:ext uri="{BB962C8B-B14F-4D97-AF65-F5344CB8AC3E}">
@@ -8262,7 +8485,7 @@
             </a:r>
             <a:r>
               <a:rPr lang="en-US" dirty="0"/>
-              <a:t> Query</a:t>
+              <a:t> Schema</a:t>
             </a:r>
           </a:p>
           <a:p>
@@ -8272,7 +8495,7 @@
             </a:r>
             <a:r>
               <a:rPr lang="en-US" dirty="0"/>
-              <a:t> Schema</a:t>
+              <a:t> Query</a:t>
             </a:r>
           </a:p>
           <a:p>
@@ -8350,10 +8573,10 @@
       </p:sp>
       <p:grpSp>
         <p:nvGrpSpPr>
-          <p:cNvPr id="14" name="Group 13">
+          <p:cNvPr id="3" name="Group 2">
             <a:extLst>
               <a:ext uri="{FF2B5EF4-FFF2-40B4-BE49-F238E27FC236}">
-                <a16:creationId xmlns:a16="http://schemas.microsoft.com/office/drawing/2014/main" id="{12F061BA-DAEA-D0D4-07A5-FCEF994655A6}"/>
+                <a16:creationId xmlns:a16="http://schemas.microsoft.com/office/drawing/2014/main" id="{7AC2FB91-CF68-D11C-32AD-067E65347DC0}"/>
               </a:ext>
             </a:extLst>
           </p:cNvPr>
@@ -8362,10 +8585,10 @@
         </p:nvGrpSpPr>
         <p:grpSpPr>
           <a:xfrm>
-            <a:off x="334262" y="1233685"/>
-            <a:ext cx="3806725" cy="2750120"/>
-            <a:chOff x="683585" y="1089846"/>
-            <a:chExt cx="3806725" cy="2750120"/>
+            <a:off x="461838" y="1233685"/>
+            <a:ext cx="3806725" cy="2173535"/>
+            <a:chOff x="461838" y="1233685"/>
+            <a:chExt cx="3806725" cy="2173535"/>
           </a:xfrm>
         </p:grpSpPr>
         <p:pic>
@@ -8383,15 +8606,20 @@
             <p:nvPr/>
           </p:nvPicPr>
           <p:blipFill>
-            <a:blip r:embed="rId2"/>
-            <a:stretch>
-              <a:fillRect/>
-            </a:stretch>
+            <a:blip r:embed="rId2">
+              <a:extLst>
+                <a:ext uri="{28A0092B-C50C-407E-A947-70E740481C1C}">
+                  <a14:useLocalDpi xmlns:a14="http://schemas.microsoft.com/office/drawing/2010/main" val="0"/>
+                </a:ext>
+              </a:extLst>
+            </a:blip>
+            <a:srcRect/>
+            <a:stretch/>
           </p:blipFill>
           <p:spPr>
             <a:xfrm>
-              <a:off x="683585" y="1674745"/>
-              <a:ext cx="3806725" cy="2165221"/>
+              <a:off x="461838" y="1777544"/>
+              <a:ext cx="3806725" cy="1629676"/>
             </a:xfrm>
             <a:prstGeom prst="rect">
               <a:avLst/>
@@ -8442,7 +8670,7 @@
           </p:nvSpPr>
           <p:spPr>
             <a:xfrm>
-              <a:off x="2004896" y="1089846"/>
+              <a:off x="1655573" y="1233685"/>
               <a:ext cx="1164101" cy="461665"/>
             </a:xfrm>
             <a:prstGeom prst="rect">
@@ -9244,6 +9472,22 @@
         <p:txBody>
           <a:bodyPr/>
           <a:lstStyle/>
+          <a:p>
+            <a:r>
+              <a:rPr lang="en-ID" dirty="0">
+                <a:hlinkClick r:id="rId2"/>
+              </a:rPr>
+              <a:t>https://learning.oreilly.com/library/view/learning-graphql/9781492030706/</a:t>
+            </a:r>
+          </a:p>
+          <a:p>
+            <a:r>
+              <a:rPr lang="en-ID" dirty="0">
+                <a:hlinkClick r:id="rId2"/>
+              </a:rPr>
+              <a:t>https://graphql.org/learn/</a:t>
+            </a:r>
+          </a:p>
           <a:p>
             <a:r>
               <a:rPr lang="en-ID" dirty="0">
